--- a/Final Presentation.pptx
+++ b/Final Presentation.pptx
@@ -1,36 +1,44 @@
 
 <file path=ppt/presentation.xml><?xml version="1.0" encoding="utf-8"?>
-<p:presentation xmlns:a="http://schemas.openxmlformats.org/drawingml/2006/main" xmlns:r="http://schemas.openxmlformats.org/officeDocument/2006/relationships" xmlns:mc="http://schemas.openxmlformats.org/markup-compatibility/2006" xmlns:mv="urn:schemas-microsoft-com:mac:vml" xmlns:p="http://schemas.openxmlformats.org/presentationml/2006/main" xmlns:c="http://schemas.openxmlformats.org/drawingml/2006/chart" xmlns:dgm="http://schemas.openxmlformats.org/drawingml/2006/diagram" xmlns:o="urn:schemas-microsoft-com:office:office" xmlns:v="urn:schemas-microsoft-com:vml" xmlns:pvml="urn:schemas-microsoft-com:office:powerpoint" xmlns:com="http://schemas.openxmlformats.org/drawingml/2006/compatibility" xmlns:p14="http://schemas.microsoft.com/office/powerpoint/2010/main" xmlns:p15="http://schemas.microsoft.com/office/powerpoint/2012/main" autoCompressPictures="0" embedTrueTypeFonts="1" strictFirstAndLastChars="0" saveSubsetFonts="1">
+<p:presentation xmlns:a="http://schemas.openxmlformats.org/drawingml/2006/main" xmlns:r="http://schemas.openxmlformats.org/officeDocument/2006/relationships" xmlns:p="http://schemas.openxmlformats.org/presentationml/2006/main" strictFirstAndLastChars="0" embedTrueTypeFonts="1" saveSubsetFonts="1" autoCompressPictures="0">
   <p:sldMasterIdLst>
-    <p:sldMasterId id="2147483659" r:id="rId4"/>
+    <p:sldMasterId id="2147483659" r:id="rId1"/>
   </p:sldMasterIdLst>
   <p:notesMasterIdLst>
-    <p:notesMasterId r:id="rId5"/>
+    <p:notesMasterId r:id="rId12"/>
   </p:notesMasterIdLst>
   <p:sldIdLst>
-    <p:sldId id="256" r:id="rId6"/>
-    <p:sldId id="257" r:id="rId7"/>
-    <p:sldId id="258" r:id="rId8"/>
-    <p:sldId id="259" r:id="rId9"/>
-    <p:sldId id="260" r:id="rId10"/>
-    <p:sldId id="261" r:id="rId11"/>
-    <p:sldId id="262" r:id="rId12"/>
-    <p:sldId id="263" r:id="rId13"/>
-    <p:sldId id="264" r:id="rId14"/>
+    <p:sldId id="256" r:id="rId2"/>
+    <p:sldId id="257" r:id="rId3"/>
+    <p:sldId id="258" r:id="rId4"/>
+    <p:sldId id="259" r:id="rId5"/>
+    <p:sldId id="260" r:id="rId6"/>
+    <p:sldId id="261" r:id="rId7"/>
+    <p:sldId id="262" r:id="rId8"/>
+    <p:sldId id="263" r:id="rId9"/>
+    <p:sldId id="265" r:id="rId10"/>
+    <p:sldId id="264" r:id="rId11"/>
   </p:sldIdLst>
-  <p:sldSz cy="5143500" cx="9144000"/>
+  <p:sldSz cx="9144000" cy="5143500" type="screen16x9"/>
   <p:notesSz cx="6858000" cy="9144000"/>
   <p:embeddedFontLst>
     <p:embeddedFont>
-      <p:font typeface="Nunito"/>
-      <p:regular r:id="rId15"/>
-      <p:bold r:id="rId16"/>
-      <p:italic r:id="rId17"/>
-      <p:boldItalic r:id="rId18"/>
+      <p:font typeface="Calibri" panose="020F0502020204030204" pitchFamily="34" charset="0"/>
+      <p:regular r:id="rId13"/>
+      <p:bold r:id="rId14"/>
+      <p:italic r:id="rId15"/>
+      <p:boldItalic r:id="rId16"/>
+    </p:embeddedFont>
+    <p:embeddedFont>
+      <p:font typeface="Nunito" panose="02010600030101010101" charset="0"/>
+      <p:regular r:id="rId17"/>
+      <p:bold r:id="rId18"/>
+      <p:italic r:id="rId19"/>
+      <p:boldItalic r:id="rId20"/>
     </p:embeddedFont>
   </p:embeddedFontLst>
   <p:defaultTextStyle>
-    <a:defPPr lvl="0" marR="0" rtl="0" algn="l">
+    <a:defPPr marR="0" lvl="0" algn="l" rtl="0">
       <a:lnSpc>
         <a:spcPct val="100000"/>
       </a:lnSpc>
@@ -41,7 +49,7 @@
         <a:spcPts val="0"/>
       </a:spcAft>
     </a:defPPr>
-    <a:lvl1pPr lvl="0" marR="0" rtl="0" algn="l">
+    <a:lvl1pPr marR="0" lvl="0" algn="l" rtl="0">
       <a:lnSpc>
         <a:spcPct val="100000"/>
       </a:lnSpc>
@@ -55,7 +63,7 @@
         <a:srgbClr val="000000"/>
       </a:buClr>
       <a:buFont typeface="Arial"/>
-      <a:defRPr b="0" i="0" sz="1400" u="none" cap="none" strike="noStrike">
+      <a:defRPr sz="1400" b="0" i="0" u="none" strike="noStrike" cap="none">
         <a:solidFill>
           <a:srgbClr val="000000"/>
         </a:solidFill>
@@ -65,7 +73,7 @@
         <a:sym typeface="Arial"/>
       </a:defRPr>
     </a:lvl1pPr>
-    <a:lvl2pPr lvl="1" marR="0" rtl="0" algn="l">
+    <a:lvl2pPr marR="0" lvl="1" algn="l" rtl="0">
       <a:lnSpc>
         <a:spcPct val="100000"/>
       </a:lnSpc>
@@ -79,7 +87,7 @@
         <a:srgbClr val="000000"/>
       </a:buClr>
       <a:buFont typeface="Arial"/>
-      <a:defRPr b="0" i="0" sz="1400" u="none" cap="none" strike="noStrike">
+      <a:defRPr sz="1400" b="0" i="0" u="none" strike="noStrike" cap="none">
         <a:solidFill>
           <a:srgbClr val="000000"/>
         </a:solidFill>
@@ -89,7 +97,7 @@
         <a:sym typeface="Arial"/>
       </a:defRPr>
     </a:lvl2pPr>
-    <a:lvl3pPr lvl="2" marR="0" rtl="0" algn="l">
+    <a:lvl3pPr marR="0" lvl="2" algn="l" rtl="0">
       <a:lnSpc>
         <a:spcPct val="100000"/>
       </a:lnSpc>
@@ -103,7 +111,7 @@
         <a:srgbClr val="000000"/>
       </a:buClr>
       <a:buFont typeface="Arial"/>
-      <a:defRPr b="0" i="0" sz="1400" u="none" cap="none" strike="noStrike">
+      <a:defRPr sz="1400" b="0" i="0" u="none" strike="noStrike" cap="none">
         <a:solidFill>
           <a:srgbClr val="000000"/>
         </a:solidFill>
@@ -113,7 +121,7 @@
         <a:sym typeface="Arial"/>
       </a:defRPr>
     </a:lvl3pPr>
-    <a:lvl4pPr lvl="3" marR="0" rtl="0" algn="l">
+    <a:lvl4pPr marR="0" lvl="3" algn="l" rtl="0">
       <a:lnSpc>
         <a:spcPct val="100000"/>
       </a:lnSpc>
@@ -127,7 +135,7 @@
         <a:srgbClr val="000000"/>
       </a:buClr>
       <a:buFont typeface="Arial"/>
-      <a:defRPr b="0" i="0" sz="1400" u="none" cap="none" strike="noStrike">
+      <a:defRPr sz="1400" b="0" i="0" u="none" strike="noStrike" cap="none">
         <a:solidFill>
           <a:srgbClr val="000000"/>
         </a:solidFill>
@@ -137,7 +145,7 @@
         <a:sym typeface="Arial"/>
       </a:defRPr>
     </a:lvl4pPr>
-    <a:lvl5pPr lvl="4" marR="0" rtl="0" algn="l">
+    <a:lvl5pPr marR="0" lvl="4" algn="l" rtl="0">
       <a:lnSpc>
         <a:spcPct val="100000"/>
       </a:lnSpc>
@@ -151,7 +159,7 @@
         <a:srgbClr val="000000"/>
       </a:buClr>
       <a:buFont typeface="Arial"/>
-      <a:defRPr b="0" i="0" sz="1400" u="none" cap="none" strike="noStrike">
+      <a:defRPr sz="1400" b="0" i="0" u="none" strike="noStrike" cap="none">
         <a:solidFill>
           <a:srgbClr val="000000"/>
         </a:solidFill>
@@ -161,7 +169,7 @@
         <a:sym typeface="Arial"/>
       </a:defRPr>
     </a:lvl5pPr>
-    <a:lvl6pPr lvl="5" marR="0" rtl="0" algn="l">
+    <a:lvl6pPr marR="0" lvl="5" algn="l" rtl="0">
       <a:lnSpc>
         <a:spcPct val="100000"/>
       </a:lnSpc>
@@ -175,7 +183,7 @@
         <a:srgbClr val="000000"/>
       </a:buClr>
       <a:buFont typeface="Arial"/>
-      <a:defRPr b="0" i="0" sz="1400" u="none" cap="none" strike="noStrike">
+      <a:defRPr sz="1400" b="0" i="0" u="none" strike="noStrike" cap="none">
         <a:solidFill>
           <a:srgbClr val="000000"/>
         </a:solidFill>
@@ -185,7 +193,7 @@
         <a:sym typeface="Arial"/>
       </a:defRPr>
     </a:lvl6pPr>
-    <a:lvl7pPr lvl="6" marR="0" rtl="0" algn="l">
+    <a:lvl7pPr marR="0" lvl="6" algn="l" rtl="0">
       <a:lnSpc>
         <a:spcPct val="100000"/>
       </a:lnSpc>
@@ -199,7 +207,7 @@
         <a:srgbClr val="000000"/>
       </a:buClr>
       <a:buFont typeface="Arial"/>
-      <a:defRPr b="0" i="0" sz="1400" u="none" cap="none" strike="noStrike">
+      <a:defRPr sz="1400" b="0" i="0" u="none" strike="noStrike" cap="none">
         <a:solidFill>
           <a:srgbClr val="000000"/>
         </a:solidFill>
@@ -209,7 +217,7 @@
         <a:sym typeface="Arial"/>
       </a:defRPr>
     </a:lvl7pPr>
-    <a:lvl8pPr lvl="7" marR="0" rtl="0" algn="l">
+    <a:lvl8pPr marR="0" lvl="7" algn="l" rtl="0">
       <a:lnSpc>
         <a:spcPct val="100000"/>
       </a:lnSpc>
@@ -223,7 +231,7 @@
         <a:srgbClr val="000000"/>
       </a:buClr>
       <a:buFont typeface="Arial"/>
-      <a:defRPr b="0" i="0" sz="1400" u="none" cap="none" strike="noStrike">
+      <a:defRPr sz="1400" b="0" i="0" u="none" strike="noStrike" cap="none">
         <a:solidFill>
           <a:srgbClr val="000000"/>
         </a:solidFill>
@@ -233,7 +241,7 @@
         <a:sym typeface="Arial"/>
       </a:defRPr>
     </a:lvl8pPr>
-    <a:lvl9pPr lvl="8" marR="0" rtl="0" algn="l">
+    <a:lvl9pPr marR="0" lvl="8" algn="l" rtl="0">
       <a:lnSpc>
         <a:spcPct val="100000"/>
       </a:lnSpc>
@@ -247,7 +255,7 @@
         <a:srgbClr val="000000"/>
       </a:buClr>
       <a:buFont typeface="Arial"/>
-      <a:defRPr b="0" i="0" sz="1400" u="none" cap="none" strike="noStrike">
+      <a:defRPr sz="1400" b="0" i="0" u="none" strike="noStrike" cap="none">
         <a:solidFill>
           <a:srgbClr val="000000"/>
         </a:solidFill>
@@ -260,7 +268,7 @@
   </p:defaultTextStyle>
   <p:extLst>
     <p:ext uri="{EFAFB233-063F-42B5-8137-9DF3F51BA10A}">
-      <p15:sldGuideLst>
+      <p15:sldGuideLst xmlns:p15="http://schemas.microsoft.com/office/powerpoint/2012/main">
         <p15:guide id="1" orient="horz" pos="1620">
           <p15:clr>
             <a:srgbClr val="A4A3A4"/>
@@ -277,12 +285,62 @@
 </p:presentation>
 </file>
 
+<file path=ppt/revisionInfo.xml><?xml version="1.0" encoding="utf-8"?>
+<p1510:revInfo xmlns:a="http://schemas.openxmlformats.org/drawingml/2006/main" xmlns:r="http://schemas.openxmlformats.org/officeDocument/2006/relationships" xmlns:p1510="http://schemas.microsoft.com/office/powerpoint/2015/10/main">
+  <p1510:revLst>
+    <p1510:client id="{6E8F8ADB-C41F-4224-8223-5EBB34715116}" v="24" dt="2019-04-21T05:56:04.043"/>
+  </p1510:revLst>
+</p1510:revInfo>
+</file>
+
+<file path=ppt/changesInfos/changesInfo1.xml><?xml version="1.0" encoding="utf-8"?>
+<pc:chgInfo xmlns:a="http://schemas.openxmlformats.org/drawingml/2006/main" xmlns:r="http://schemas.openxmlformats.org/officeDocument/2006/relationships" xmlns:ac="http://schemas.microsoft.com/office/drawing/2013/main/command" xmlns:pc="http://schemas.microsoft.com/office/powerpoint/2013/main/command">
+  <pc:docChgLst>
+    <pc:chgData name="杜 威" userId="de0f24d9f4950b95" providerId="LiveId" clId="{6E8F8ADB-C41F-4224-8223-5EBB34715116}"/>
+    <pc:docChg chg="addSld modSld">
+      <pc:chgData name="杜 威" userId="de0f24d9f4950b95" providerId="LiveId" clId="{6E8F8ADB-C41F-4224-8223-5EBB34715116}" dt="2019-04-21T05:56:04.043" v="23" actId="1076"/>
+      <pc:docMkLst>
+        <pc:docMk/>
+      </pc:docMkLst>
+      <pc:sldChg chg="addSp modSp add">
+        <pc:chgData name="杜 威" userId="de0f24d9f4950b95" providerId="LiveId" clId="{6E8F8ADB-C41F-4224-8223-5EBB34715116}" dt="2019-04-21T05:56:04.043" v="23" actId="1076"/>
+        <pc:sldMkLst>
+          <pc:docMk/>
+          <pc:sldMk cId="210592981" sldId="265"/>
+        </pc:sldMkLst>
+        <pc:spChg chg="mod">
+          <ac:chgData name="杜 威" userId="de0f24d9f4950b95" providerId="LiveId" clId="{6E8F8ADB-C41F-4224-8223-5EBB34715116}" dt="2019-04-21T05:55:54.748" v="20" actId="20577"/>
+          <ac:spMkLst>
+            <pc:docMk/>
+            <pc:sldMk cId="210592981" sldId="265"/>
+            <ac:spMk id="2" creationId="{1A28465D-14C8-4B84-BDF4-C5E468C7C5B6}"/>
+          </ac:spMkLst>
+        </pc:spChg>
+        <pc:picChg chg="add mod">
+          <ac:chgData name="杜 威" userId="de0f24d9f4950b95" providerId="LiveId" clId="{6E8F8ADB-C41F-4224-8223-5EBB34715116}" dt="2019-04-21T05:56:04.043" v="23" actId="1076"/>
+          <ac:picMkLst>
+            <pc:docMk/>
+            <pc:sldMk cId="210592981" sldId="265"/>
+            <ac:picMk id="5" creationId="{C0371722-DC77-4E73-B0B4-1A7E67AF8E26}"/>
+          </ac:picMkLst>
+        </pc:picChg>
+      </pc:sldChg>
+    </pc:docChg>
+  </pc:docChgLst>
+</pc:chgInfo>
+</file>
+
 <file path=ppt/notesMasters/notesMaster1.xml><?xml version="1.0" encoding="utf-8"?>
-<p:notesMaster xmlns:a="http://schemas.openxmlformats.org/drawingml/2006/main" xmlns:r="http://schemas.openxmlformats.org/officeDocument/2006/relationships" xmlns:mc="http://schemas.openxmlformats.org/markup-compatibility/2006" xmlns:mv="urn:schemas-microsoft-com:mac:vml" xmlns:p="http://schemas.openxmlformats.org/presentationml/2006/main" xmlns:c="http://schemas.openxmlformats.org/drawingml/2006/chart" xmlns:dgm="http://schemas.openxmlformats.org/drawingml/2006/diagram" xmlns:o="urn:schemas-microsoft-com:office:office" xmlns:v="urn:schemas-microsoft-com:vml" xmlns:pvml="urn:schemas-microsoft-com:office:powerpoint" xmlns:com="http://schemas.openxmlformats.org/drawingml/2006/compatibility" xmlns:p14="http://schemas.microsoft.com/office/powerpoint/2010/main" xmlns:p15="http://schemas.microsoft.com/office/powerpoint/2012/main">
+<p:notesMaster xmlns:a="http://schemas.openxmlformats.org/drawingml/2006/main" xmlns:r="http://schemas.openxmlformats.org/officeDocument/2006/relationships" xmlns:p="http://schemas.openxmlformats.org/presentationml/2006/main">
   <p:cSld>
+    <p:bg>
+      <p:bgRef idx="1001">
+        <a:schemeClr val="bg1"/>
+      </p:bgRef>
+    </p:bg>
     <p:spTree>
       <p:nvGrpSpPr>
-        <p:cNvPr id="2" name="Shape 2"/>
+        <p:cNvPr id="1" name="Shape 2"/>
         <p:cNvGrpSpPr/>
         <p:nvPr/>
       </p:nvGrpSpPr>
@@ -297,9 +355,11 @@
       <p:sp>
         <p:nvSpPr>
           <p:cNvPr id="3" name="Google Shape;3;n"/>
-          <p:cNvSpPr/>
+          <p:cNvSpPr>
+            <a:spLocks noGrp="1" noRot="1" noChangeAspect="1"/>
+          </p:cNvSpPr>
           <p:nvPr>
-            <p:ph idx="2" type="sldImg"/>
+            <p:ph type="sldImg" idx="2"/>
           </p:nvPr>
         </p:nvSpPr>
         <p:spPr>
@@ -308,9 +368,13 @@
             <a:ext cx="6096075" cy="3429000"/>
           </a:xfrm>
           <a:custGeom>
-            <a:rect b="b" l="l" r="r" t="t"/>
+            <a:avLst/>
+            <a:gdLst/>
+            <a:ahLst/>
+            <a:cxnLst/>
+            <a:rect l="l" t="t" r="r" b="b"/>
             <a:pathLst>
-              <a:path extrusionOk="0" h="120000" w="120000">
+              <a:path w="120000" h="120000" extrusionOk="0">
                 <a:moveTo>
                   <a:pt x="0" y="0"/>
                 </a:moveTo>
@@ -328,23 +392,25 @@
             </a:pathLst>
           </a:custGeom>
           <a:noFill/>
-          <a:ln cap="flat" cmpd="sng" w="9525">
+          <a:ln w="9525" cap="flat" cmpd="sng">
             <a:solidFill>
               <a:srgbClr val="000000"/>
             </a:solidFill>
             <a:prstDash val="solid"/>
             <a:round/>
-            <a:headEnd len="sm" w="sm" type="none"/>
-            <a:tailEnd len="sm" w="sm" type="none"/>
+            <a:headEnd type="none" w="sm" len="sm"/>
+            <a:tailEnd type="none" w="sm" len="sm"/>
           </a:ln>
         </p:spPr>
       </p:sp>
       <p:sp>
         <p:nvSpPr>
           <p:cNvPr id="4" name="Google Shape;4;n"/>
-          <p:cNvSpPr txBox="1"/>
+          <p:cNvSpPr txBox="1">
+            <a:spLocks noGrp="1"/>
+          </p:cNvSpPr>
           <p:nvPr>
-            <p:ph idx="1" type="body"/>
+            <p:ph type="body" idx="1"/>
           </p:nvPr>
         </p:nvSpPr>
         <p:spPr>
@@ -361,9 +427,9 @@
           </a:ln>
         </p:spPr>
         <p:txBody>
-          <a:bodyPr anchorCtr="0" anchor="t" bIns="91425" lIns="91425" spcFirstLastPara="1" rIns="91425" wrap="square" tIns="91425"/>
+          <a:bodyPr spcFirstLastPara="1" wrap="square" lIns="91425" tIns="91425" rIns="91425" bIns="91425" anchor="t" anchorCtr="0"/>
           <a:lstStyle>
-            <a:lvl1pPr indent="-298450" lvl="0" marL="457200">
+            <a:lvl1pPr marL="457200" lvl="0" indent="-298450">
               <a:spcBef>
                 <a:spcPts val="0"/>
               </a:spcBef>
@@ -374,7 +440,7 @@
               <a:buChar char="●"/>
               <a:defRPr sz="1100"/>
             </a:lvl1pPr>
-            <a:lvl2pPr indent="-298450" lvl="1" marL="914400">
+            <a:lvl2pPr marL="914400" lvl="1" indent="-298450">
               <a:spcBef>
                 <a:spcPts val="0"/>
               </a:spcBef>
@@ -385,7 +451,7 @@
               <a:buChar char="○"/>
               <a:defRPr sz="1100"/>
             </a:lvl2pPr>
-            <a:lvl3pPr indent="-298450" lvl="2" marL="1371600">
+            <a:lvl3pPr marL="1371600" lvl="2" indent="-298450">
               <a:spcBef>
                 <a:spcPts val="0"/>
               </a:spcBef>
@@ -396,7 +462,7 @@
               <a:buChar char="■"/>
               <a:defRPr sz="1100"/>
             </a:lvl3pPr>
-            <a:lvl4pPr indent="-298450" lvl="3" marL="1828800">
+            <a:lvl4pPr marL="1828800" lvl="3" indent="-298450">
               <a:spcBef>
                 <a:spcPts val="0"/>
               </a:spcBef>
@@ -407,7 +473,7 @@
               <a:buChar char="●"/>
               <a:defRPr sz="1100"/>
             </a:lvl4pPr>
-            <a:lvl5pPr indent="-298450" lvl="4" marL="2286000">
+            <a:lvl5pPr marL="2286000" lvl="4" indent="-298450">
               <a:spcBef>
                 <a:spcPts val="0"/>
               </a:spcBef>
@@ -418,7 +484,7 @@
               <a:buChar char="○"/>
               <a:defRPr sz="1100"/>
             </a:lvl5pPr>
-            <a:lvl6pPr indent="-298450" lvl="5" marL="2743200">
+            <a:lvl6pPr marL="2743200" lvl="5" indent="-298450">
               <a:spcBef>
                 <a:spcPts val="0"/>
               </a:spcBef>
@@ -429,7 +495,7 @@
               <a:buChar char="■"/>
               <a:defRPr sz="1100"/>
             </a:lvl6pPr>
-            <a:lvl7pPr indent="-298450" lvl="6" marL="3200400">
+            <a:lvl7pPr marL="3200400" lvl="6" indent="-298450">
               <a:spcBef>
                 <a:spcPts val="0"/>
               </a:spcBef>
@@ -440,7 +506,7 @@
               <a:buChar char="●"/>
               <a:defRPr sz="1100"/>
             </a:lvl7pPr>
-            <a:lvl8pPr indent="-298450" lvl="7" marL="3657600">
+            <a:lvl8pPr marL="3657600" lvl="7" indent="-298450">
               <a:spcBef>
                 <a:spcPts val="0"/>
               </a:spcBef>
@@ -451,7 +517,7 @@
               <a:buChar char="○"/>
               <a:defRPr sz="1100"/>
             </a:lvl8pPr>
-            <a:lvl9pPr indent="-298450" lvl="8" marL="4114800">
+            <a:lvl9pPr marL="4114800" lvl="8" indent="-298450">
               <a:spcBef>
                 <a:spcPts val="0"/>
               </a:spcBef>
@@ -463,14 +529,16 @@
               <a:defRPr sz="1100"/>
             </a:lvl9pPr>
           </a:lstStyle>
-          <a:p/>
+          <a:p>
+            <a:endParaRPr/>
+          </a:p>
         </p:txBody>
       </p:sp>
     </p:spTree>
   </p:cSld>
-  <p:clrMap accent1="accent1" accent2="accent2" accent3="accent3" accent4="accent4" accent5="accent5" accent6="accent6" bg1="lt1" bg2="dk2" tx1="dk1" tx2="lt2" folHlink="folHlink" hlink="hlink"/>
+  <p:clrMap bg1="lt1" tx1="dk1" bg2="dk2" tx2="lt2" accent1="accent1" accent2="accent2" accent3="accent3" accent4="accent4" accent5="accent5" accent6="accent6" hlink="hlink" folHlink="folHlink"/>
   <p:notesStyle>
-    <a:defPPr lvl="0" marR="0" rtl="0" algn="l">
+    <a:defPPr marR="0" lvl="0" algn="l" rtl="0">
       <a:lnSpc>
         <a:spcPct val="100000"/>
       </a:lnSpc>
@@ -481,7 +549,7 @@
         <a:spcPts val="0"/>
       </a:spcAft>
     </a:defPPr>
-    <a:lvl1pPr lvl="0" marR="0" rtl="0" algn="l">
+    <a:lvl1pPr marR="0" lvl="0" algn="l" rtl="0">
       <a:lnSpc>
         <a:spcPct val="100000"/>
       </a:lnSpc>
@@ -495,7 +563,7 @@
         <a:srgbClr val="000000"/>
       </a:buClr>
       <a:buFont typeface="Arial"/>
-      <a:defRPr b="0" i="0" sz="1400" u="none" cap="none" strike="noStrike">
+      <a:defRPr sz="1400" b="0" i="0" u="none" strike="noStrike" cap="none">
         <a:solidFill>
           <a:srgbClr val="000000"/>
         </a:solidFill>
@@ -505,7 +573,7 @@
         <a:sym typeface="Arial"/>
       </a:defRPr>
     </a:lvl1pPr>
-    <a:lvl2pPr lvl="1" marR="0" rtl="0" algn="l">
+    <a:lvl2pPr marR="0" lvl="1" algn="l" rtl="0">
       <a:lnSpc>
         <a:spcPct val="100000"/>
       </a:lnSpc>
@@ -519,7 +587,7 @@
         <a:srgbClr val="000000"/>
       </a:buClr>
       <a:buFont typeface="Arial"/>
-      <a:defRPr b="0" i="0" sz="1400" u="none" cap="none" strike="noStrike">
+      <a:defRPr sz="1400" b="0" i="0" u="none" strike="noStrike" cap="none">
         <a:solidFill>
           <a:srgbClr val="000000"/>
         </a:solidFill>
@@ -529,7 +597,7 @@
         <a:sym typeface="Arial"/>
       </a:defRPr>
     </a:lvl2pPr>
-    <a:lvl3pPr lvl="2" marR="0" rtl="0" algn="l">
+    <a:lvl3pPr marR="0" lvl="2" algn="l" rtl="0">
       <a:lnSpc>
         <a:spcPct val="100000"/>
       </a:lnSpc>
@@ -543,7 +611,7 @@
         <a:srgbClr val="000000"/>
       </a:buClr>
       <a:buFont typeface="Arial"/>
-      <a:defRPr b="0" i="0" sz="1400" u="none" cap="none" strike="noStrike">
+      <a:defRPr sz="1400" b="0" i="0" u="none" strike="noStrike" cap="none">
         <a:solidFill>
           <a:srgbClr val="000000"/>
         </a:solidFill>
@@ -553,7 +621,7 @@
         <a:sym typeface="Arial"/>
       </a:defRPr>
     </a:lvl3pPr>
-    <a:lvl4pPr lvl="3" marR="0" rtl="0" algn="l">
+    <a:lvl4pPr marR="0" lvl="3" algn="l" rtl="0">
       <a:lnSpc>
         <a:spcPct val="100000"/>
       </a:lnSpc>
@@ -567,7 +635,7 @@
         <a:srgbClr val="000000"/>
       </a:buClr>
       <a:buFont typeface="Arial"/>
-      <a:defRPr b="0" i="0" sz="1400" u="none" cap="none" strike="noStrike">
+      <a:defRPr sz="1400" b="0" i="0" u="none" strike="noStrike" cap="none">
         <a:solidFill>
           <a:srgbClr val="000000"/>
         </a:solidFill>
@@ -577,7 +645,7 @@
         <a:sym typeface="Arial"/>
       </a:defRPr>
     </a:lvl4pPr>
-    <a:lvl5pPr lvl="4" marR="0" rtl="0" algn="l">
+    <a:lvl5pPr marR="0" lvl="4" algn="l" rtl="0">
       <a:lnSpc>
         <a:spcPct val="100000"/>
       </a:lnSpc>
@@ -591,7 +659,7 @@
         <a:srgbClr val="000000"/>
       </a:buClr>
       <a:buFont typeface="Arial"/>
-      <a:defRPr b="0" i="0" sz="1400" u="none" cap="none" strike="noStrike">
+      <a:defRPr sz="1400" b="0" i="0" u="none" strike="noStrike" cap="none">
         <a:solidFill>
           <a:srgbClr val="000000"/>
         </a:solidFill>
@@ -601,7 +669,7 @@
         <a:sym typeface="Arial"/>
       </a:defRPr>
     </a:lvl5pPr>
-    <a:lvl6pPr lvl="5" marR="0" rtl="0" algn="l">
+    <a:lvl6pPr marR="0" lvl="5" algn="l" rtl="0">
       <a:lnSpc>
         <a:spcPct val="100000"/>
       </a:lnSpc>
@@ -615,7 +683,7 @@
         <a:srgbClr val="000000"/>
       </a:buClr>
       <a:buFont typeface="Arial"/>
-      <a:defRPr b="0" i="0" sz="1400" u="none" cap="none" strike="noStrike">
+      <a:defRPr sz="1400" b="0" i="0" u="none" strike="noStrike" cap="none">
         <a:solidFill>
           <a:srgbClr val="000000"/>
         </a:solidFill>
@@ -625,7 +693,7 @@
         <a:sym typeface="Arial"/>
       </a:defRPr>
     </a:lvl6pPr>
-    <a:lvl7pPr lvl="6" marR="0" rtl="0" algn="l">
+    <a:lvl7pPr marR="0" lvl="6" algn="l" rtl="0">
       <a:lnSpc>
         <a:spcPct val="100000"/>
       </a:lnSpc>
@@ -639,7 +707,7 @@
         <a:srgbClr val="000000"/>
       </a:buClr>
       <a:buFont typeface="Arial"/>
-      <a:defRPr b="0" i="0" sz="1400" u="none" cap="none" strike="noStrike">
+      <a:defRPr sz="1400" b="0" i="0" u="none" strike="noStrike" cap="none">
         <a:solidFill>
           <a:srgbClr val="000000"/>
         </a:solidFill>
@@ -649,7 +717,7 @@
         <a:sym typeface="Arial"/>
       </a:defRPr>
     </a:lvl7pPr>
-    <a:lvl8pPr lvl="7" marR="0" rtl="0" algn="l">
+    <a:lvl8pPr marR="0" lvl="7" algn="l" rtl="0">
       <a:lnSpc>
         <a:spcPct val="100000"/>
       </a:lnSpc>
@@ -663,7 +731,7 @@
         <a:srgbClr val="000000"/>
       </a:buClr>
       <a:buFont typeface="Arial"/>
-      <a:defRPr b="0" i="0" sz="1400" u="none" cap="none" strike="noStrike">
+      <a:defRPr sz="1400" b="0" i="0" u="none" strike="noStrike" cap="none">
         <a:solidFill>
           <a:srgbClr val="000000"/>
         </a:solidFill>
@@ -673,7 +741,7 @@
         <a:sym typeface="Arial"/>
       </a:defRPr>
     </a:lvl8pPr>
-    <a:lvl9pPr lvl="8" marR="0" rtl="0" algn="l">
+    <a:lvl9pPr marR="0" lvl="8" algn="l" rtl="0">
       <a:lnSpc>
         <a:spcPct val="100000"/>
       </a:lnSpc>
@@ -687,7 +755,7 @@
         <a:srgbClr val="000000"/>
       </a:buClr>
       <a:buFont typeface="Arial"/>
-      <a:defRPr b="0" i="0" sz="1400" u="none" cap="none" strike="noStrike">
+      <a:defRPr sz="1400" b="0" i="0" u="none" strike="noStrike" cap="none">
         <a:solidFill>
           <a:srgbClr val="000000"/>
         </a:solidFill>
@@ -702,11 +770,11 @@
 </file>
 
 <file path=ppt/notesSlides/notesSlide1.xml><?xml version="1.0" encoding="utf-8"?>
-<p:notes xmlns:a="http://schemas.openxmlformats.org/drawingml/2006/main" xmlns:r="http://schemas.openxmlformats.org/officeDocument/2006/relationships" xmlns:mc="http://schemas.openxmlformats.org/markup-compatibility/2006" xmlns:mv="urn:schemas-microsoft-com:mac:vml" xmlns:p="http://schemas.openxmlformats.org/presentationml/2006/main" xmlns:c="http://schemas.openxmlformats.org/drawingml/2006/chart" xmlns:dgm="http://schemas.openxmlformats.org/drawingml/2006/diagram" xmlns:o="urn:schemas-microsoft-com:office:office" xmlns:v="urn:schemas-microsoft-com:vml" xmlns:pvml="urn:schemas-microsoft-com:office:powerpoint" xmlns:com="http://schemas.openxmlformats.org/drawingml/2006/compatibility" xmlns:p14="http://schemas.microsoft.com/office/powerpoint/2010/main" xmlns:p15="http://schemas.microsoft.com/office/powerpoint/2012/main" showMasterPhAnim="0" showMasterSp="0">
+<p:notes xmlns:a="http://schemas.openxmlformats.org/drawingml/2006/main" xmlns:r="http://schemas.openxmlformats.org/officeDocument/2006/relationships" xmlns:p="http://schemas.openxmlformats.org/presentationml/2006/main" showMasterSp="0" showMasterPhAnim="0">
   <p:cSld>
     <p:spTree>
       <p:nvGrpSpPr>
-        <p:cNvPr id="124" name="Shape 124"/>
+        <p:cNvPr id="1" name="Shape 124"/>
         <p:cNvGrpSpPr/>
         <p:nvPr/>
       </p:nvGrpSpPr>
@@ -721,9 +789,11 @@
       <p:sp>
         <p:nvSpPr>
           <p:cNvPr id="125" name="Google Shape;125;p:notes"/>
-          <p:cNvSpPr/>
+          <p:cNvSpPr>
+            <a:spLocks noGrp="1" noRot="1" noChangeAspect="1"/>
+          </p:cNvSpPr>
           <p:nvPr>
-            <p:ph idx="2" type="sldImg"/>
+            <p:ph type="sldImg" idx="2"/>
           </p:nvPr>
         </p:nvSpPr>
         <p:spPr>
@@ -732,9 +802,13 @@
             <a:ext cx="6096075" cy="3429000"/>
           </a:xfrm>
           <a:custGeom>
-            <a:rect b="b" l="l" r="r" t="t"/>
+            <a:avLst/>
+            <a:gdLst/>
+            <a:ahLst/>
+            <a:cxnLst/>
+            <a:rect l="l" t="t" r="r" b="b"/>
             <a:pathLst>
-              <a:path extrusionOk="0" h="120000" w="120000">
+              <a:path w="120000" h="120000" extrusionOk="0">
                 <a:moveTo>
                   <a:pt x="0" y="0"/>
                 </a:moveTo>
@@ -756,9 +830,11 @@
       <p:sp>
         <p:nvSpPr>
           <p:cNvPr id="126" name="Google Shape;126;p:notes"/>
-          <p:cNvSpPr txBox="1"/>
+          <p:cNvSpPr txBox="1">
+            <a:spLocks noGrp="1"/>
+          </p:cNvSpPr>
           <p:nvPr>
-            <p:ph idx="1" type="body"/>
+            <p:ph type="body" idx="1"/>
           </p:nvPr>
         </p:nvSpPr>
         <p:spPr>
@@ -771,12 +847,12 @@
           </a:prstGeom>
         </p:spPr>
         <p:txBody>
-          <a:bodyPr anchorCtr="0" anchor="t" bIns="91425" lIns="91425" spcFirstLastPara="1" rIns="91425" wrap="square" tIns="91425">
+          <a:bodyPr spcFirstLastPara="1" wrap="square" lIns="91425" tIns="91425" rIns="91425" bIns="91425" anchor="t" anchorCtr="0">
             <a:noAutofit/>
           </a:bodyPr>
           <a:lstStyle/>
           <a:p>
-            <a:pPr indent="0" lvl="0" marL="0" rtl="0" algn="l">
+            <a:pPr marL="0" lvl="0" indent="0" algn="l" rtl="0">
               <a:spcBef>
                 <a:spcPts val="0"/>
               </a:spcBef>
@@ -785,9 +861,6 @@
               </a:spcAft>
               <a:buNone/>
             </a:pPr>
-            <a:r>
-              <a:t/>
-            </a:r>
             <a:endParaRPr/>
           </a:p>
         </p:txBody>
@@ -801,11 +874,11 @@
 </file>
 
 <file path=ppt/notesSlides/notesSlide2.xml><?xml version="1.0" encoding="utf-8"?>
-<p:notes xmlns:a="http://schemas.openxmlformats.org/drawingml/2006/main" xmlns:r="http://schemas.openxmlformats.org/officeDocument/2006/relationships" xmlns:mc="http://schemas.openxmlformats.org/markup-compatibility/2006" xmlns:mv="urn:schemas-microsoft-com:mac:vml" xmlns:p="http://schemas.openxmlformats.org/presentationml/2006/main" xmlns:c="http://schemas.openxmlformats.org/drawingml/2006/chart" xmlns:dgm="http://schemas.openxmlformats.org/drawingml/2006/diagram" xmlns:o="urn:schemas-microsoft-com:office:office" xmlns:v="urn:schemas-microsoft-com:vml" xmlns:pvml="urn:schemas-microsoft-com:office:powerpoint" xmlns:com="http://schemas.openxmlformats.org/drawingml/2006/compatibility" xmlns:p14="http://schemas.microsoft.com/office/powerpoint/2010/main" xmlns:p15="http://schemas.microsoft.com/office/powerpoint/2012/main" showMasterPhAnim="0" showMasterSp="0">
+<p:notes xmlns:a="http://schemas.openxmlformats.org/drawingml/2006/main" xmlns:r="http://schemas.openxmlformats.org/officeDocument/2006/relationships" xmlns:p="http://schemas.openxmlformats.org/presentationml/2006/main" showMasterSp="0" showMasterPhAnim="0">
   <p:cSld>
     <p:spTree>
       <p:nvGrpSpPr>
-        <p:cNvPr id="130" name="Shape 130"/>
+        <p:cNvPr id="1" name="Shape 130"/>
         <p:cNvGrpSpPr/>
         <p:nvPr/>
       </p:nvGrpSpPr>
@@ -820,9 +893,11 @@
       <p:sp>
         <p:nvSpPr>
           <p:cNvPr id="131" name="Google Shape;131;g52725373f2_0_150:notes"/>
-          <p:cNvSpPr/>
+          <p:cNvSpPr>
+            <a:spLocks noGrp="1" noRot="1" noChangeAspect="1"/>
+          </p:cNvSpPr>
           <p:nvPr>
-            <p:ph idx="2" type="sldImg"/>
+            <p:ph type="sldImg" idx="2"/>
           </p:nvPr>
         </p:nvSpPr>
         <p:spPr>
@@ -831,9 +906,13 @@
             <a:ext cx="6096000" cy="3429000"/>
           </a:xfrm>
           <a:custGeom>
-            <a:rect b="b" l="l" r="r" t="t"/>
+            <a:avLst/>
+            <a:gdLst/>
+            <a:ahLst/>
+            <a:cxnLst/>
+            <a:rect l="l" t="t" r="r" b="b"/>
             <a:pathLst>
-              <a:path extrusionOk="0" h="120000" w="120000">
+              <a:path w="120000" h="120000" extrusionOk="0">
                 <a:moveTo>
                   <a:pt x="0" y="0"/>
                 </a:moveTo>
@@ -855,9 +934,11 @@
       <p:sp>
         <p:nvSpPr>
           <p:cNvPr id="132" name="Google Shape;132;g52725373f2_0_150:notes"/>
-          <p:cNvSpPr txBox="1"/>
+          <p:cNvSpPr txBox="1">
+            <a:spLocks noGrp="1"/>
+          </p:cNvSpPr>
           <p:nvPr>
-            <p:ph idx="1" type="body"/>
+            <p:ph type="body" idx="1"/>
           </p:nvPr>
         </p:nvSpPr>
         <p:spPr>
@@ -870,12 +951,12 @@
           </a:prstGeom>
         </p:spPr>
         <p:txBody>
-          <a:bodyPr anchorCtr="0" anchor="t" bIns="91425" lIns="91425" spcFirstLastPara="1" rIns="91425" wrap="square" tIns="91425">
+          <a:bodyPr spcFirstLastPara="1" wrap="square" lIns="91425" tIns="91425" rIns="91425" bIns="91425" anchor="t" anchorCtr="0">
             <a:noAutofit/>
           </a:bodyPr>
           <a:lstStyle/>
           <a:p>
-            <a:pPr indent="0" lvl="0" marL="0" rtl="0" algn="l">
+            <a:pPr marL="0" lvl="0" indent="0" algn="l" rtl="0">
               <a:spcBef>
                 <a:spcPts val="0"/>
               </a:spcBef>
@@ -884,9 +965,6 @@
               </a:spcAft>
               <a:buNone/>
             </a:pPr>
-            <a:r>
-              <a:t/>
-            </a:r>
             <a:endParaRPr/>
           </a:p>
         </p:txBody>
@@ -900,11 +978,11 @@
 </file>
 
 <file path=ppt/notesSlides/notesSlide3.xml><?xml version="1.0" encoding="utf-8"?>
-<p:notes xmlns:a="http://schemas.openxmlformats.org/drawingml/2006/main" xmlns:r="http://schemas.openxmlformats.org/officeDocument/2006/relationships" xmlns:mc="http://schemas.openxmlformats.org/markup-compatibility/2006" xmlns:mv="urn:schemas-microsoft-com:mac:vml" xmlns:p="http://schemas.openxmlformats.org/presentationml/2006/main" xmlns:c="http://schemas.openxmlformats.org/drawingml/2006/chart" xmlns:dgm="http://schemas.openxmlformats.org/drawingml/2006/diagram" xmlns:o="urn:schemas-microsoft-com:office:office" xmlns:v="urn:schemas-microsoft-com:vml" xmlns:pvml="urn:schemas-microsoft-com:office:powerpoint" xmlns:com="http://schemas.openxmlformats.org/drawingml/2006/compatibility" xmlns:p14="http://schemas.microsoft.com/office/powerpoint/2010/main" xmlns:p15="http://schemas.microsoft.com/office/powerpoint/2012/main" showMasterPhAnim="0" showMasterSp="0">
+<p:notes xmlns:a="http://schemas.openxmlformats.org/drawingml/2006/main" xmlns:r="http://schemas.openxmlformats.org/officeDocument/2006/relationships" xmlns:p="http://schemas.openxmlformats.org/presentationml/2006/main" showMasterSp="0" showMasterPhAnim="0">
   <p:cSld>
     <p:spTree>
       <p:nvGrpSpPr>
-        <p:cNvPr id="136" name="Shape 136"/>
+        <p:cNvPr id="1" name="Shape 136"/>
         <p:cNvGrpSpPr/>
         <p:nvPr/>
       </p:nvGrpSpPr>
@@ -919,9 +997,11 @@
       <p:sp>
         <p:nvSpPr>
           <p:cNvPr id="137" name="Google Shape;137;g52725373f2_0_129:notes"/>
-          <p:cNvSpPr/>
+          <p:cNvSpPr>
+            <a:spLocks noGrp="1" noRot="1" noChangeAspect="1"/>
+          </p:cNvSpPr>
           <p:nvPr>
-            <p:ph idx="2" type="sldImg"/>
+            <p:ph type="sldImg" idx="2"/>
           </p:nvPr>
         </p:nvSpPr>
         <p:spPr>
@@ -930,9 +1010,13 @@
             <a:ext cx="6096000" cy="3429000"/>
           </a:xfrm>
           <a:custGeom>
-            <a:rect b="b" l="l" r="r" t="t"/>
+            <a:avLst/>
+            <a:gdLst/>
+            <a:ahLst/>
+            <a:cxnLst/>
+            <a:rect l="l" t="t" r="r" b="b"/>
             <a:pathLst>
-              <a:path extrusionOk="0" h="120000" w="120000">
+              <a:path w="120000" h="120000" extrusionOk="0">
                 <a:moveTo>
                   <a:pt x="0" y="0"/>
                 </a:moveTo>
@@ -954,9 +1038,11 @@
       <p:sp>
         <p:nvSpPr>
           <p:cNvPr id="138" name="Google Shape;138;g52725373f2_0_129:notes"/>
-          <p:cNvSpPr txBox="1"/>
+          <p:cNvSpPr txBox="1">
+            <a:spLocks noGrp="1"/>
+          </p:cNvSpPr>
           <p:nvPr>
-            <p:ph idx="1" type="body"/>
+            <p:ph type="body" idx="1"/>
           </p:nvPr>
         </p:nvSpPr>
         <p:spPr>
@@ -969,12 +1055,12 @@
           </a:prstGeom>
         </p:spPr>
         <p:txBody>
-          <a:bodyPr anchorCtr="0" anchor="t" bIns="91425" lIns="91425" spcFirstLastPara="1" rIns="91425" wrap="square" tIns="91425">
+          <a:bodyPr spcFirstLastPara="1" wrap="square" lIns="91425" tIns="91425" rIns="91425" bIns="91425" anchor="t" anchorCtr="0">
             <a:noAutofit/>
           </a:bodyPr>
           <a:lstStyle/>
           <a:p>
-            <a:pPr indent="0" lvl="0" marL="0" rtl="0" algn="l">
+            <a:pPr marL="0" lvl="0" indent="0" algn="l" rtl="0">
               <a:spcBef>
                 <a:spcPts val="0"/>
               </a:spcBef>
@@ -983,9 +1069,6 @@
               </a:spcAft>
               <a:buNone/>
             </a:pPr>
-            <a:r>
-              <a:t/>
-            </a:r>
             <a:endParaRPr/>
           </a:p>
         </p:txBody>
@@ -999,11 +1082,11 @@
 </file>
 
 <file path=ppt/notesSlides/notesSlide4.xml><?xml version="1.0" encoding="utf-8"?>
-<p:notes xmlns:a="http://schemas.openxmlformats.org/drawingml/2006/main" xmlns:r="http://schemas.openxmlformats.org/officeDocument/2006/relationships" xmlns:mc="http://schemas.openxmlformats.org/markup-compatibility/2006" xmlns:mv="urn:schemas-microsoft-com:mac:vml" xmlns:p="http://schemas.openxmlformats.org/presentationml/2006/main" xmlns:c="http://schemas.openxmlformats.org/drawingml/2006/chart" xmlns:dgm="http://schemas.openxmlformats.org/drawingml/2006/diagram" xmlns:o="urn:schemas-microsoft-com:office:office" xmlns:v="urn:schemas-microsoft-com:vml" xmlns:pvml="urn:schemas-microsoft-com:office:powerpoint" xmlns:com="http://schemas.openxmlformats.org/drawingml/2006/compatibility" xmlns:p14="http://schemas.microsoft.com/office/powerpoint/2010/main" xmlns:p15="http://schemas.microsoft.com/office/powerpoint/2012/main" showMasterPhAnim="0" showMasterSp="0">
+<p:notes xmlns:a="http://schemas.openxmlformats.org/drawingml/2006/main" xmlns:r="http://schemas.openxmlformats.org/officeDocument/2006/relationships" xmlns:p="http://schemas.openxmlformats.org/presentationml/2006/main" showMasterSp="0" showMasterPhAnim="0">
   <p:cSld>
     <p:spTree>
       <p:nvGrpSpPr>
-        <p:cNvPr id="142" name="Shape 142"/>
+        <p:cNvPr id="1" name="Shape 142"/>
         <p:cNvGrpSpPr/>
         <p:nvPr/>
       </p:nvGrpSpPr>
@@ -1018,9 +1101,11 @@
       <p:sp>
         <p:nvSpPr>
           <p:cNvPr id="143" name="Google Shape;143;g56869cd6db_1_0:notes"/>
-          <p:cNvSpPr/>
+          <p:cNvSpPr>
+            <a:spLocks noGrp="1" noRot="1" noChangeAspect="1"/>
+          </p:cNvSpPr>
           <p:nvPr>
-            <p:ph idx="2" type="sldImg"/>
+            <p:ph type="sldImg" idx="2"/>
           </p:nvPr>
         </p:nvSpPr>
         <p:spPr>
@@ -1029,9 +1114,13 @@
             <a:ext cx="6096000" cy="3429000"/>
           </a:xfrm>
           <a:custGeom>
-            <a:rect b="b" l="l" r="r" t="t"/>
+            <a:avLst/>
+            <a:gdLst/>
+            <a:ahLst/>
+            <a:cxnLst/>
+            <a:rect l="l" t="t" r="r" b="b"/>
             <a:pathLst>
-              <a:path extrusionOk="0" h="120000" w="120000">
+              <a:path w="120000" h="120000" extrusionOk="0">
                 <a:moveTo>
                   <a:pt x="0" y="0"/>
                 </a:moveTo>
@@ -1053,9 +1142,11 @@
       <p:sp>
         <p:nvSpPr>
           <p:cNvPr id="144" name="Google Shape;144;g56869cd6db_1_0:notes"/>
-          <p:cNvSpPr txBox="1"/>
+          <p:cNvSpPr txBox="1">
+            <a:spLocks noGrp="1"/>
+          </p:cNvSpPr>
           <p:nvPr>
-            <p:ph idx="1" type="body"/>
+            <p:ph type="body" idx="1"/>
           </p:nvPr>
         </p:nvSpPr>
         <p:spPr>
@@ -1068,12 +1159,12 @@
           </a:prstGeom>
         </p:spPr>
         <p:txBody>
-          <a:bodyPr anchorCtr="0" anchor="t" bIns="91425" lIns="91425" spcFirstLastPara="1" rIns="91425" wrap="square" tIns="91425">
+          <a:bodyPr spcFirstLastPara="1" wrap="square" lIns="91425" tIns="91425" rIns="91425" bIns="91425" anchor="t" anchorCtr="0">
             <a:noAutofit/>
           </a:bodyPr>
           <a:lstStyle/>
           <a:p>
-            <a:pPr indent="0" lvl="0" marL="0" rtl="0" algn="l">
+            <a:pPr marL="0" lvl="0" indent="0" algn="l" rtl="0">
               <a:spcBef>
                 <a:spcPts val="0"/>
               </a:spcBef>
@@ -1082,9 +1173,6 @@
               </a:spcAft>
               <a:buNone/>
             </a:pPr>
-            <a:r>
-              <a:t/>
-            </a:r>
             <a:endParaRPr/>
           </a:p>
         </p:txBody>
@@ -1098,11 +1186,11 @@
 </file>
 
 <file path=ppt/notesSlides/notesSlide5.xml><?xml version="1.0" encoding="utf-8"?>
-<p:notes xmlns:a="http://schemas.openxmlformats.org/drawingml/2006/main" xmlns:r="http://schemas.openxmlformats.org/officeDocument/2006/relationships" xmlns:mc="http://schemas.openxmlformats.org/markup-compatibility/2006" xmlns:mv="urn:schemas-microsoft-com:mac:vml" xmlns:p="http://schemas.openxmlformats.org/presentationml/2006/main" xmlns:c="http://schemas.openxmlformats.org/drawingml/2006/chart" xmlns:dgm="http://schemas.openxmlformats.org/drawingml/2006/diagram" xmlns:o="urn:schemas-microsoft-com:office:office" xmlns:v="urn:schemas-microsoft-com:vml" xmlns:pvml="urn:schemas-microsoft-com:office:powerpoint" xmlns:com="http://schemas.openxmlformats.org/drawingml/2006/compatibility" xmlns:p14="http://schemas.microsoft.com/office/powerpoint/2010/main" xmlns:p15="http://schemas.microsoft.com/office/powerpoint/2012/main" showMasterPhAnim="0" showMasterSp="0">
+<p:notes xmlns:a="http://schemas.openxmlformats.org/drawingml/2006/main" xmlns:r="http://schemas.openxmlformats.org/officeDocument/2006/relationships" xmlns:p="http://schemas.openxmlformats.org/presentationml/2006/main" showMasterSp="0" showMasterPhAnim="0">
   <p:cSld>
     <p:spTree>
       <p:nvGrpSpPr>
-        <p:cNvPr id="155" name="Shape 155"/>
+        <p:cNvPr id="1" name="Shape 155"/>
         <p:cNvGrpSpPr/>
         <p:nvPr/>
       </p:nvGrpSpPr>
@@ -1117,9 +1205,11 @@
       <p:sp>
         <p:nvSpPr>
           <p:cNvPr id="156" name="Google Shape;156;g56869cd6db_1_12:notes"/>
-          <p:cNvSpPr/>
+          <p:cNvSpPr>
+            <a:spLocks noGrp="1" noRot="1" noChangeAspect="1"/>
+          </p:cNvSpPr>
           <p:nvPr>
-            <p:ph idx="2" type="sldImg"/>
+            <p:ph type="sldImg" idx="2"/>
           </p:nvPr>
         </p:nvSpPr>
         <p:spPr>
@@ -1128,9 +1218,13 @@
             <a:ext cx="6096000" cy="3429000"/>
           </a:xfrm>
           <a:custGeom>
-            <a:rect b="b" l="l" r="r" t="t"/>
+            <a:avLst/>
+            <a:gdLst/>
+            <a:ahLst/>
+            <a:cxnLst/>
+            <a:rect l="l" t="t" r="r" b="b"/>
             <a:pathLst>
-              <a:path extrusionOk="0" h="120000" w="120000">
+              <a:path w="120000" h="120000" extrusionOk="0">
                 <a:moveTo>
                   <a:pt x="0" y="0"/>
                 </a:moveTo>
@@ -1152,9 +1246,11 @@
       <p:sp>
         <p:nvSpPr>
           <p:cNvPr id="157" name="Google Shape;157;g56869cd6db_1_12:notes"/>
-          <p:cNvSpPr txBox="1"/>
+          <p:cNvSpPr txBox="1">
+            <a:spLocks noGrp="1"/>
+          </p:cNvSpPr>
           <p:nvPr>
-            <p:ph idx="1" type="body"/>
+            <p:ph type="body" idx="1"/>
           </p:nvPr>
         </p:nvSpPr>
         <p:spPr>
@@ -1167,12 +1263,12 @@
           </a:prstGeom>
         </p:spPr>
         <p:txBody>
-          <a:bodyPr anchorCtr="0" anchor="t" bIns="91425" lIns="91425" spcFirstLastPara="1" rIns="91425" wrap="square" tIns="91425">
+          <a:bodyPr spcFirstLastPara="1" wrap="square" lIns="91425" tIns="91425" rIns="91425" bIns="91425" anchor="t" anchorCtr="0">
             <a:noAutofit/>
           </a:bodyPr>
           <a:lstStyle/>
           <a:p>
-            <a:pPr indent="0" lvl="0" marL="0" rtl="0" algn="l">
+            <a:pPr marL="0" lvl="0" indent="0" algn="l" rtl="0">
               <a:spcBef>
                 <a:spcPts val="0"/>
               </a:spcBef>
@@ -1181,9 +1277,6 @@
               </a:spcAft>
               <a:buNone/>
             </a:pPr>
-            <a:r>
-              <a:t/>
-            </a:r>
             <a:endParaRPr/>
           </a:p>
         </p:txBody>
@@ -1197,11 +1290,11 @@
 </file>
 
 <file path=ppt/notesSlides/notesSlide6.xml><?xml version="1.0" encoding="utf-8"?>
-<p:notes xmlns:a="http://schemas.openxmlformats.org/drawingml/2006/main" xmlns:r="http://schemas.openxmlformats.org/officeDocument/2006/relationships" xmlns:mc="http://schemas.openxmlformats.org/markup-compatibility/2006" xmlns:mv="urn:schemas-microsoft-com:mac:vml" xmlns:p="http://schemas.openxmlformats.org/presentationml/2006/main" xmlns:c="http://schemas.openxmlformats.org/drawingml/2006/chart" xmlns:dgm="http://schemas.openxmlformats.org/drawingml/2006/diagram" xmlns:o="urn:schemas-microsoft-com:office:office" xmlns:v="urn:schemas-microsoft-com:vml" xmlns:pvml="urn:schemas-microsoft-com:office:powerpoint" xmlns:com="http://schemas.openxmlformats.org/drawingml/2006/compatibility" xmlns:p14="http://schemas.microsoft.com/office/powerpoint/2010/main" xmlns:p15="http://schemas.microsoft.com/office/powerpoint/2012/main" showMasterPhAnim="0" showMasterSp="0">
+<p:notes xmlns:a="http://schemas.openxmlformats.org/drawingml/2006/main" xmlns:r="http://schemas.openxmlformats.org/officeDocument/2006/relationships" xmlns:p="http://schemas.openxmlformats.org/presentationml/2006/main" showMasterSp="0" showMasterPhAnim="0">
   <p:cSld>
     <p:spTree>
       <p:nvGrpSpPr>
-        <p:cNvPr id="161" name="Shape 161"/>
+        <p:cNvPr id="1" name="Shape 161"/>
         <p:cNvGrpSpPr/>
         <p:nvPr/>
       </p:nvGrpSpPr>
@@ -1216,9 +1309,11 @@
       <p:sp>
         <p:nvSpPr>
           <p:cNvPr id="162" name="Google Shape;162;g56869cd6db_1_17:notes"/>
-          <p:cNvSpPr/>
+          <p:cNvSpPr>
+            <a:spLocks noGrp="1" noRot="1" noChangeAspect="1"/>
+          </p:cNvSpPr>
           <p:nvPr>
-            <p:ph idx="2" type="sldImg"/>
+            <p:ph type="sldImg" idx="2"/>
           </p:nvPr>
         </p:nvSpPr>
         <p:spPr>
@@ -1227,9 +1322,13 @@
             <a:ext cx="6096000" cy="3429000"/>
           </a:xfrm>
           <a:custGeom>
-            <a:rect b="b" l="l" r="r" t="t"/>
+            <a:avLst/>
+            <a:gdLst/>
+            <a:ahLst/>
+            <a:cxnLst/>
+            <a:rect l="l" t="t" r="r" b="b"/>
             <a:pathLst>
-              <a:path extrusionOk="0" h="120000" w="120000">
+              <a:path w="120000" h="120000" extrusionOk="0">
                 <a:moveTo>
                   <a:pt x="0" y="0"/>
                 </a:moveTo>
@@ -1251,9 +1350,11 @@
       <p:sp>
         <p:nvSpPr>
           <p:cNvPr id="163" name="Google Shape;163;g56869cd6db_1_17:notes"/>
-          <p:cNvSpPr txBox="1"/>
+          <p:cNvSpPr txBox="1">
+            <a:spLocks noGrp="1"/>
+          </p:cNvSpPr>
           <p:nvPr>
-            <p:ph idx="1" type="body"/>
+            <p:ph type="body" idx="1"/>
           </p:nvPr>
         </p:nvSpPr>
         <p:spPr>
@@ -1266,12 +1367,12 @@
           </a:prstGeom>
         </p:spPr>
         <p:txBody>
-          <a:bodyPr anchorCtr="0" anchor="t" bIns="91425" lIns="91425" spcFirstLastPara="1" rIns="91425" wrap="square" tIns="91425">
+          <a:bodyPr spcFirstLastPara="1" wrap="square" lIns="91425" tIns="91425" rIns="91425" bIns="91425" anchor="t" anchorCtr="0">
             <a:noAutofit/>
           </a:bodyPr>
           <a:lstStyle/>
           <a:p>
-            <a:pPr indent="0" lvl="0" marL="0" rtl="0" algn="l">
+            <a:pPr marL="0" lvl="0" indent="0" algn="l" rtl="0">
               <a:spcBef>
                 <a:spcPts val="0"/>
               </a:spcBef>
@@ -1280,9 +1381,6 @@
               </a:spcAft>
               <a:buNone/>
             </a:pPr>
-            <a:r>
-              <a:t/>
-            </a:r>
             <a:endParaRPr/>
           </a:p>
         </p:txBody>
@@ -1296,11 +1394,11 @@
 </file>
 
 <file path=ppt/notesSlides/notesSlide7.xml><?xml version="1.0" encoding="utf-8"?>
-<p:notes xmlns:a="http://schemas.openxmlformats.org/drawingml/2006/main" xmlns:r="http://schemas.openxmlformats.org/officeDocument/2006/relationships" xmlns:mc="http://schemas.openxmlformats.org/markup-compatibility/2006" xmlns:mv="urn:schemas-microsoft-com:mac:vml" xmlns:p="http://schemas.openxmlformats.org/presentationml/2006/main" xmlns:c="http://schemas.openxmlformats.org/drawingml/2006/chart" xmlns:dgm="http://schemas.openxmlformats.org/drawingml/2006/diagram" xmlns:o="urn:schemas-microsoft-com:office:office" xmlns:v="urn:schemas-microsoft-com:vml" xmlns:pvml="urn:schemas-microsoft-com:office:powerpoint" xmlns:com="http://schemas.openxmlformats.org/drawingml/2006/compatibility" xmlns:p14="http://schemas.microsoft.com/office/powerpoint/2010/main" xmlns:p15="http://schemas.microsoft.com/office/powerpoint/2012/main" showMasterPhAnim="0" showMasterSp="0">
+<p:notes xmlns:a="http://schemas.openxmlformats.org/drawingml/2006/main" xmlns:r="http://schemas.openxmlformats.org/officeDocument/2006/relationships" xmlns:p="http://schemas.openxmlformats.org/presentationml/2006/main" showMasterSp="0" showMasterPhAnim="0">
   <p:cSld>
     <p:spTree>
       <p:nvGrpSpPr>
-        <p:cNvPr id="167" name="Shape 167"/>
+        <p:cNvPr id="1" name="Shape 167"/>
         <p:cNvGrpSpPr/>
         <p:nvPr/>
       </p:nvGrpSpPr>
@@ -1315,9 +1413,11 @@
       <p:sp>
         <p:nvSpPr>
           <p:cNvPr id="168" name="Google Shape;168;g52725373f2_0_134:notes"/>
-          <p:cNvSpPr/>
+          <p:cNvSpPr>
+            <a:spLocks noGrp="1" noRot="1" noChangeAspect="1"/>
+          </p:cNvSpPr>
           <p:nvPr>
-            <p:ph idx="2" type="sldImg"/>
+            <p:ph type="sldImg" idx="2"/>
           </p:nvPr>
         </p:nvSpPr>
         <p:spPr>
@@ -1326,9 +1426,13 @@
             <a:ext cx="6096000" cy="3429000"/>
           </a:xfrm>
           <a:custGeom>
-            <a:rect b="b" l="l" r="r" t="t"/>
+            <a:avLst/>
+            <a:gdLst/>
+            <a:ahLst/>
+            <a:cxnLst/>
+            <a:rect l="l" t="t" r="r" b="b"/>
             <a:pathLst>
-              <a:path extrusionOk="0" h="120000" w="120000">
+              <a:path w="120000" h="120000" extrusionOk="0">
                 <a:moveTo>
                   <a:pt x="0" y="0"/>
                 </a:moveTo>
@@ -1350,9 +1454,11 @@
       <p:sp>
         <p:nvSpPr>
           <p:cNvPr id="169" name="Google Shape;169;g52725373f2_0_134:notes"/>
-          <p:cNvSpPr txBox="1"/>
+          <p:cNvSpPr txBox="1">
+            <a:spLocks noGrp="1"/>
+          </p:cNvSpPr>
           <p:nvPr>
-            <p:ph idx="1" type="body"/>
+            <p:ph type="body" idx="1"/>
           </p:nvPr>
         </p:nvSpPr>
         <p:spPr>
@@ -1365,12 +1471,12 @@
           </a:prstGeom>
         </p:spPr>
         <p:txBody>
-          <a:bodyPr anchorCtr="0" anchor="t" bIns="91425" lIns="91425" spcFirstLastPara="1" rIns="91425" wrap="square" tIns="91425">
+          <a:bodyPr spcFirstLastPara="1" wrap="square" lIns="91425" tIns="91425" rIns="91425" bIns="91425" anchor="t" anchorCtr="0">
             <a:noAutofit/>
           </a:bodyPr>
           <a:lstStyle/>
           <a:p>
-            <a:pPr indent="0" lvl="0" marL="0" rtl="0" algn="l">
+            <a:pPr marL="0" lvl="0" indent="0" algn="l" rtl="0">
               <a:spcBef>
                 <a:spcPts val="0"/>
               </a:spcBef>
@@ -1379,9 +1485,6 @@
               </a:spcAft>
               <a:buNone/>
             </a:pPr>
-            <a:r>
-              <a:t/>
-            </a:r>
             <a:endParaRPr/>
           </a:p>
         </p:txBody>
@@ -1395,11 +1498,11 @@
 </file>
 
 <file path=ppt/notesSlides/notesSlide8.xml><?xml version="1.0" encoding="utf-8"?>
-<p:notes xmlns:a="http://schemas.openxmlformats.org/drawingml/2006/main" xmlns:r="http://schemas.openxmlformats.org/officeDocument/2006/relationships" xmlns:mc="http://schemas.openxmlformats.org/markup-compatibility/2006" xmlns:mv="urn:schemas-microsoft-com:mac:vml" xmlns:p="http://schemas.openxmlformats.org/presentationml/2006/main" xmlns:c="http://schemas.openxmlformats.org/drawingml/2006/chart" xmlns:dgm="http://schemas.openxmlformats.org/drawingml/2006/diagram" xmlns:o="urn:schemas-microsoft-com:office:office" xmlns:v="urn:schemas-microsoft-com:vml" xmlns:pvml="urn:schemas-microsoft-com:office:powerpoint" xmlns:com="http://schemas.openxmlformats.org/drawingml/2006/compatibility" xmlns:p14="http://schemas.microsoft.com/office/powerpoint/2010/main" xmlns:p15="http://schemas.microsoft.com/office/powerpoint/2012/main" showMasterPhAnim="0" showMasterSp="0">
+<p:notes xmlns:a="http://schemas.openxmlformats.org/drawingml/2006/main" xmlns:r="http://schemas.openxmlformats.org/officeDocument/2006/relationships" xmlns:p="http://schemas.openxmlformats.org/presentationml/2006/main" showMasterSp="0" showMasterPhAnim="0">
   <p:cSld>
     <p:spTree>
       <p:nvGrpSpPr>
-        <p:cNvPr id="173" name="Shape 173"/>
+        <p:cNvPr id="1" name="Shape 173"/>
         <p:cNvGrpSpPr/>
         <p:nvPr/>
       </p:nvGrpSpPr>
@@ -1414,9 +1517,11 @@
       <p:sp>
         <p:nvSpPr>
           <p:cNvPr id="174" name="Google Shape;174;g56869cd6db_1_22:notes"/>
-          <p:cNvSpPr/>
+          <p:cNvSpPr>
+            <a:spLocks noGrp="1" noRot="1" noChangeAspect="1"/>
+          </p:cNvSpPr>
           <p:nvPr>
-            <p:ph idx="2" type="sldImg"/>
+            <p:ph type="sldImg" idx="2"/>
           </p:nvPr>
         </p:nvSpPr>
         <p:spPr>
@@ -1425,9 +1530,13 @@
             <a:ext cx="6096000" cy="3429000"/>
           </a:xfrm>
           <a:custGeom>
-            <a:rect b="b" l="l" r="r" t="t"/>
+            <a:avLst/>
+            <a:gdLst/>
+            <a:ahLst/>
+            <a:cxnLst/>
+            <a:rect l="l" t="t" r="r" b="b"/>
             <a:pathLst>
-              <a:path extrusionOk="0" h="120000" w="120000">
+              <a:path w="120000" h="120000" extrusionOk="0">
                 <a:moveTo>
                   <a:pt x="0" y="0"/>
                 </a:moveTo>
@@ -1449,9 +1558,11 @@
       <p:sp>
         <p:nvSpPr>
           <p:cNvPr id="175" name="Google Shape;175;g56869cd6db_1_22:notes"/>
-          <p:cNvSpPr txBox="1"/>
+          <p:cNvSpPr txBox="1">
+            <a:spLocks noGrp="1"/>
+          </p:cNvSpPr>
           <p:nvPr>
-            <p:ph idx="1" type="body"/>
+            <p:ph type="body" idx="1"/>
           </p:nvPr>
         </p:nvSpPr>
         <p:spPr>
@@ -1464,12 +1575,12 @@
           </a:prstGeom>
         </p:spPr>
         <p:txBody>
-          <a:bodyPr anchorCtr="0" anchor="t" bIns="91425" lIns="91425" spcFirstLastPara="1" rIns="91425" wrap="square" tIns="91425">
+          <a:bodyPr spcFirstLastPara="1" wrap="square" lIns="91425" tIns="91425" rIns="91425" bIns="91425" anchor="t" anchorCtr="0">
             <a:noAutofit/>
           </a:bodyPr>
           <a:lstStyle/>
           <a:p>
-            <a:pPr indent="0" lvl="0" marL="0" rtl="0" algn="l">
+            <a:pPr marL="0" lvl="0" indent="0" algn="l" rtl="0">
               <a:spcBef>
                 <a:spcPts val="0"/>
               </a:spcBef>
@@ -1478,9 +1589,6 @@
               </a:spcAft>
               <a:buNone/>
             </a:pPr>
-            <a:r>
-              <a:t/>
-            </a:r>
             <a:endParaRPr/>
           </a:p>
         </p:txBody>
@@ -1494,11 +1602,11 @@
 </file>
 
 <file path=ppt/notesSlides/notesSlide9.xml><?xml version="1.0" encoding="utf-8"?>
-<p:notes xmlns:a="http://schemas.openxmlformats.org/drawingml/2006/main" xmlns:r="http://schemas.openxmlformats.org/officeDocument/2006/relationships" xmlns:mc="http://schemas.openxmlformats.org/markup-compatibility/2006" xmlns:mv="urn:schemas-microsoft-com:mac:vml" xmlns:p="http://schemas.openxmlformats.org/presentationml/2006/main" xmlns:c="http://schemas.openxmlformats.org/drawingml/2006/chart" xmlns:dgm="http://schemas.openxmlformats.org/drawingml/2006/diagram" xmlns:o="urn:schemas-microsoft-com:office:office" xmlns:v="urn:schemas-microsoft-com:vml" xmlns:pvml="urn:schemas-microsoft-com:office:powerpoint" xmlns:com="http://schemas.openxmlformats.org/drawingml/2006/compatibility" xmlns:p14="http://schemas.microsoft.com/office/powerpoint/2010/main" xmlns:p15="http://schemas.microsoft.com/office/powerpoint/2012/main" showMasterPhAnim="0" showMasterSp="0">
+<p:notes xmlns:a="http://schemas.openxmlformats.org/drawingml/2006/main" xmlns:r="http://schemas.openxmlformats.org/officeDocument/2006/relationships" xmlns:p="http://schemas.openxmlformats.org/presentationml/2006/main" showMasterSp="0" showMasterPhAnim="0">
   <p:cSld>
     <p:spTree>
       <p:nvGrpSpPr>
-        <p:cNvPr id="180" name="Shape 180"/>
+        <p:cNvPr id="1" name="Shape 180"/>
         <p:cNvGrpSpPr/>
         <p:nvPr/>
       </p:nvGrpSpPr>
@@ -1513,9 +1621,11 @@
       <p:sp>
         <p:nvSpPr>
           <p:cNvPr id="181" name="Google Shape;181;g52725373f2_0_140:notes"/>
-          <p:cNvSpPr/>
+          <p:cNvSpPr>
+            <a:spLocks noGrp="1" noRot="1" noChangeAspect="1"/>
+          </p:cNvSpPr>
           <p:nvPr>
-            <p:ph idx="2" type="sldImg"/>
+            <p:ph type="sldImg" idx="2"/>
           </p:nvPr>
         </p:nvSpPr>
         <p:spPr>
@@ -1524,9 +1634,13 @@
             <a:ext cx="6096000" cy="3429000"/>
           </a:xfrm>
           <a:custGeom>
-            <a:rect b="b" l="l" r="r" t="t"/>
+            <a:avLst/>
+            <a:gdLst/>
+            <a:ahLst/>
+            <a:cxnLst/>
+            <a:rect l="l" t="t" r="r" b="b"/>
             <a:pathLst>
-              <a:path extrusionOk="0" h="120000" w="120000">
+              <a:path w="120000" h="120000" extrusionOk="0">
                 <a:moveTo>
                   <a:pt x="0" y="0"/>
                 </a:moveTo>
@@ -1548,9 +1662,11 @@
       <p:sp>
         <p:nvSpPr>
           <p:cNvPr id="182" name="Google Shape;182;g52725373f2_0_140:notes"/>
-          <p:cNvSpPr txBox="1"/>
+          <p:cNvSpPr txBox="1">
+            <a:spLocks noGrp="1"/>
+          </p:cNvSpPr>
           <p:nvPr>
-            <p:ph idx="1" type="body"/>
+            <p:ph type="body" idx="1"/>
           </p:nvPr>
         </p:nvSpPr>
         <p:spPr>
@@ -1563,12 +1679,12 @@
           </a:prstGeom>
         </p:spPr>
         <p:txBody>
-          <a:bodyPr anchorCtr="0" anchor="t" bIns="91425" lIns="91425" spcFirstLastPara="1" rIns="91425" wrap="square" tIns="91425">
+          <a:bodyPr spcFirstLastPara="1" wrap="square" lIns="91425" tIns="91425" rIns="91425" bIns="91425" anchor="t" anchorCtr="0">
             <a:noAutofit/>
           </a:bodyPr>
           <a:lstStyle/>
           <a:p>
-            <a:pPr indent="0" lvl="0" marL="0" rtl="0" algn="l">
+            <a:pPr marL="0" lvl="0" indent="0" algn="l" rtl="0">
               <a:spcBef>
                 <a:spcPts val="0"/>
               </a:spcBef>
@@ -1577,9 +1693,6 @@
               </a:spcAft>
               <a:buNone/>
             </a:pPr>
-            <a:r>
-              <a:t/>
-            </a:r>
             <a:endParaRPr/>
           </a:p>
         </p:txBody>
@@ -1593,18 +1706,19 @@
 </file>
 
 <file path=ppt/slideLayouts/slideLayout1.xml><?xml version="1.0" encoding="utf-8"?>
-<p:sldLayout xmlns:a="http://schemas.openxmlformats.org/drawingml/2006/main" xmlns:r="http://schemas.openxmlformats.org/officeDocument/2006/relationships" xmlns:mc="http://schemas.openxmlformats.org/markup-compatibility/2006" xmlns:mv="urn:schemas-microsoft-com:mac:vml" xmlns:p="http://schemas.openxmlformats.org/presentationml/2006/main" xmlns:c="http://schemas.openxmlformats.org/drawingml/2006/chart" xmlns:dgm="http://schemas.openxmlformats.org/drawingml/2006/diagram" xmlns:o="urn:schemas-microsoft-com:office:office" xmlns:v="urn:schemas-microsoft-com:vml" xmlns:pvml="urn:schemas-microsoft-com:office:powerpoint" xmlns:com="http://schemas.openxmlformats.org/drawingml/2006/compatibility" xmlns:p14="http://schemas.microsoft.com/office/powerpoint/2010/main" xmlns:p15="http://schemas.microsoft.com/office/powerpoint/2012/main" matchingName="Title slide" type="title">
+<p:sldLayout xmlns:a="http://schemas.openxmlformats.org/drawingml/2006/main" xmlns:r="http://schemas.openxmlformats.org/officeDocument/2006/relationships" xmlns:p="http://schemas.openxmlformats.org/presentationml/2006/main" matchingName="Title slide" type="title">
   <p:cSld name="TITLE">
     <p:bg>
       <p:bgPr>
         <a:solidFill>
           <a:schemeClr val="accent6"/>
         </a:solidFill>
+        <a:effectLst/>
       </p:bgPr>
     </p:bg>
     <p:spTree>
       <p:nvGrpSpPr>
-        <p:cNvPr id="9" name="Shape 9"/>
+        <p:cNvPr id="1" name="Shape 9"/>
         <p:cNvGrpSpPr/>
         <p:nvPr/>
       </p:nvGrpSpPr>
@@ -1638,12 +1752,12 @@
           </a:ln>
         </p:spPr>
         <p:txBody>
-          <a:bodyPr anchorCtr="0" anchor="ctr" bIns="91425" lIns="91425" spcFirstLastPara="1" rIns="91425" wrap="square" tIns="91425">
+          <a:bodyPr spcFirstLastPara="1" wrap="square" lIns="91425" tIns="91425" rIns="91425" bIns="91425" anchor="ctr" anchorCtr="0">
             <a:noAutofit/>
           </a:bodyPr>
           <a:lstStyle/>
           <a:p>
-            <a:pPr indent="0" lvl="0" marL="0" rtl="0" algn="l">
+            <a:pPr marL="0" lvl="0" indent="0" algn="l" rtl="0">
               <a:spcBef>
                 <a:spcPts val="0"/>
               </a:spcBef>
@@ -1652,9 +1766,6 @@
               </a:spcAft>
               <a:buNone/>
             </a:pPr>
-            <a:r>
-              <a:t/>
-            </a:r>
             <a:endParaRPr/>
           </a:p>
         </p:txBody>
@@ -1681,12 +1792,12 @@
           </a:ln>
         </p:spPr>
         <p:txBody>
-          <a:bodyPr anchorCtr="0" anchor="ctr" bIns="91425" lIns="91425" spcFirstLastPara="1" rIns="91425" wrap="square" tIns="91425">
+          <a:bodyPr spcFirstLastPara="1" wrap="square" lIns="91425" tIns="91425" rIns="91425" bIns="91425" anchor="ctr" anchorCtr="0">
             <a:noAutofit/>
           </a:bodyPr>
           <a:lstStyle/>
           <a:p>
-            <a:pPr indent="0" lvl="0" marL="0" rtl="0" algn="l">
+            <a:pPr marL="0" lvl="0" indent="0" algn="l" rtl="0">
               <a:spcBef>
                 <a:spcPts val="0"/>
               </a:spcBef>
@@ -1695,9 +1806,6 @@
               </a:spcAft>
               <a:buNone/>
             </a:pPr>
-            <a:r>
-              <a:t/>
-            </a:r>
             <a:endParaRPr/>
           </a:p>
         </p:txBody>
@@ -1724,12 +1832,12 @@
           </a:ln>
         </p:spPr>
         <p:txBody>
-          <a:bodyPr anchorCtr="0" anchor="ctr" bIns="91425" lIns="91425" spcFirstLastPara="1" rIns="91425" wrap="square" tIns="91425">
+          <a:bodyPr spcFirstLastPara="1" wrap="square" lIns="91425" tIns="91425" rIns="91425" bIns="91425" anchor="ctr" anchorCtr="0">
             <a:noAutofit/>
           </a:bodyPr>
           <a:lstStyle/>
           <a:p>
-            <a:pPr indent="0" lvl="0" marL="0" rtl="0" algn="l">
+            <a:pPr marL="0" lvl="0" indent="0" algn="l" rtl="0">
               <a:spcBef>
                 <a:spcPts val="0"/>
               </a:spcBef>
@@ -1738,9 +1846,6 @@
               </a:spcAft>
               <a:buNone/>
             </a:pPr>
-            <a:r>
-              <a:t/>
-            </a:r>
             <a:endParaRPr/>
           </a:p>
         </p:txBody>
@@ -1766,7 +1871,7 @@
             <a:noFill/>
           </a:ln>
           <a:effectLst>
-            <a:outerShdw blurRad="228600" sx="101000" rotWithShape="0" algn="ctr" sy="101000">
+            <a:outerShdw blurRad="228600" sx="101000" sy="101000" algn="ctr" rotWithShape="0">
               <a:srgbClr val="000000">
                 <a:alpha val="40000"/>
               </a:srgbClr>
@@ -1774,12 +1879,12 @@
           </a:effectLst>
         </p:spPr>
         <p:txBody>
-          <a:bodyPr anchorCtr="0" anchor="ctr" bIns="91425" lIns="91425" spcFirstLastPara="1" rIns="91425" wrap="square" tIns="91425">
+          <a:bodyPr spcFirstLastPara="1" wrap="square" lIns="91425" tIns="91425" rIns="91425" bIns="91425" anchor="ctr" anchorCtr="0">
             <a:noAutofit/>
           </a:bodyPr>
           <a:lstStyle/>
           <a:p>
-            <a:pPr indent="0" lvl="0" marL="0" rtl="0" algn="l">
+            <a:pPr marL="0" lvl="0" indent="0" algn="l" rtl="0">
               <a:spcBef>
                 <a:spcPts val="0"/>
               </a:spcBef>
@@ -1788,9 +1893,6 @@
               </a:spcAft>
               <a:buNone/>
             </a:pPr>
-            <a:r>
-              <a:t/>
-            </a:r>
             <a:endParaRPr/>
           </a:p>
         </p:txBody>
@@ -1822,7 +1924,7 @@
             </a:xfrm>
             <a:prstGeom prst="parallelogram">
               <a:avLst>
-                <a:gd fmla="val 153193" name="adj"/>
+                <a:gd name="adj" fmla="val 153193"/>
               </a:avLst>
             </a:prstGeom>
             <a:solidFill>
@@ -1833,12 +1935,12 @@
             </a:ln>
           </p:spPr>
           <p:txBody>
-            <a:bodyPr anchorCtr="0" anchor="ctr" bIns="91425" lIns="91425" spcFirstLastPara="1" rIns="91425" wrap="square" tIns="91425">
+            <a:bodyPr spcFirstLastPara="1" wrap="square" lIns="91425" tIns="91425" rIns="91425" bIns="91425" anchor="ctr" anchorCtr="0">
               <a:noAutofit/>
             </a:bodyPr>
             <a:lstStyle/>
             <a:p>
-              <a:pPr indent="0" lvl="0" marL="0" rtl="0" algn="l">
+              <a:pPr marL="0" lvl="0" indent="0" algn="l" rtl="0">
                 <a:spcBef>
                   <a:spcPts val="0"/>
                 </a:spcBef>
@@ -1847,9 +1949,6 @@
                 </a:spcAft>
                 <a:buNone/>
               </a:pPr>
-              <a:r>
-                <a:t/>
-              </a:r>
               <a:endParaRPr/>
             </a:p>
           </p:txBody>
@@ -1867,7 +1966,7 @@
             </a:xfrm>
             <a:prstGeom prst="parallelogram">
               <a:avLst>
-                <a:gd fmla="val 153193" name="adj"/>
+                <a:gd name="adj" fmla="val 153193"/>
               </a:avLst>
             </a:prstGeom>
             <a:solidFill>
@@ -1878,12 +1977,12 @@
             </a:ln>
           </p:spPr>
           <p:txBody>
-            <a:bodyPr anchorCtr="0" anchor="ctr" bIns="91425" lIns="91425" spcFirstLastPara="1" rIns="91425" wrap="square" tIns="91425">
+            <a:bodyPr spcFirstLastPara="1" wrap="square" lIns="91425" tIns="91425" rIns="91425" bIns="91425" anchor="ctr" anchorCtr="0">
               <a:noAutofit/>
             </a:bodyPr>
             <a:lstStyle/>
             <a:p>
-              <a:pPr indent="0" lvl="0" marL="0" rtl="0" algn="l">
+              <a:pPr marL="0" lvl="0" indent="0" algn="l" rtl="0">
                 <a:spcBef>
                   <a:spcPts val="0"/>
                 </a:spcBef>
@@ -1892,9 +1991,6 @@
                 </a:spcAft>
                 <a:buNone/>
               </a:pPr>
-              <a:r>
-                <a:t/>
-              </a:r>
               <a:endParaRPr/>
             </a:p>
           </p:txBody>
@@ -1912,7 +2008,7 @@
             </a:xfrm>
             <a:prstGeom prst="parallelogram">
               <a:avLst>
-                <a:gd fmla="val 153193" name="adj"/>
+                <a:gd name="adj" fmla="val 153193"/>
               </a:avLst>
             </a:prstGeom>
             <a:solidFill>
@@ -1923,12 +2019,12 @@
             </a:ln>
           </p:spPr>
           <p:txBody>
-            <a:bodyPr anchorCtr="0" anchor="ctr" bIns="91425" lIns="91425" spcFirstLastPara="1" rIns="91425" wrap="square" tIns="91425">
+            <a:bodyPr spcFirstLastPara="1" wrap="square" lIns="91425" tIns="91425" rIns="91425" bIns="91425" anchor="ctr" anchorCtr="0">
               <a:noAutofit/>
             </a:bodyPr>
             <a:lstStyle/>
             <a:p>
-              <a:pPr indent="0" lvl="0" marL="0" rtl="0" algn="l">
+              <a:pPr marL="0" lvl="0" indent="0" algn="l" rtl="0">
                 <a:spcBef>
                   <a:spcPts val="0"/>
                 </a:spcBef>
@@ -1937,9 +2033,6 @@
                 </a:spcAft>
                 <a:buNone/>
               </a:pPr>
-              <a:r>
-                <a:t/>
-              </a:r>
               <a:endParaRPr/>
             </a:p>
           </p:txBody>
@@ -1972,7 +2065,7 @@
             </a:xfrm>
             <a:prstGeom prst="parallelogram">
               <a:avLst>
-                <a:gd fmla="val 153193" name="adj"/>
+                <a:gd name="adj" fmla="val 153193"/>
               </a:avLst>
             </a:prstGeom>
             <a:solidFill>
@@ -1983,12 +2076,12 @@
             </a:ln>
           </p:spPr>
           <p:txBody>
-            <a:bodyPr anchorCtr="0" anchor="ctr" bIns="91425" lIns="91425" spcFirstLastPara="1" rIns="91425" wrap="square" tIns="91425">
+            <a:bodyPr spcFirstLastPara="1" wrap="square" lIns="91425" tIns="91425" rIns="91425" bIns="91425" anchor="ctr" anchorCtr="0">
               <a:noAutofit/>
             </a:bodyPr>
             <a:lstStyle/>
             <a:p>
-              <a:pPr indent="0" lvl="0" marL="0" rtl="0" algn="l">
+              <a:pPr marL="0" lvl="0" indent="0" algn="l" rtl="0">
                 <a:spcBef>
                   <a:spcPts val="0"/>
                 </a:spcBef>
@@ -1997,9 +2090,6 @@
                 </a:spcAft>
                 <a:buNone/>
               </a:pPr>
-              <a:r>
-                <a:t/>
-              </a:r>
               <a:endParaRPr/>
             </a:p>
           </p:txBody>
@@ -2017,7 +2107,7 @@
             </a:xfrm>
             <a:prstGeom prst="parallelogram">
               <a:avLst>
-                <a:gd fmla="val 153193" name="adj"/>
+                <a:gd name="adj" fmla="val 153193"/>
               </a:avLst>
             </a:prstGeom>
             <a:solidFill>
@@ -2028,12 +2118,12 @@
             </a:ln>
           </p:spPr>
           <p:txBody>
-            <a:bodyPr anchorCtr="0" anchor="ctr" bIns="91425" lIns="91425" spcFirstLastPara="1" rIns="91425" wrap="square" tIns="91425">
+            <a:bodyPr spcFirstLastPara="1" wrap="square" lIns="91425" tIns="91425" rIns="91425" bIns="91425" anchor="ctr" anchorCtr="0">
               <a:noAutofit/>
             </a:bodyPr>
             <a:lstStyle/>
             <a:p>
-              <a:pPr indent="0" lvl="0" marL="0" rtl="0" algn="l">
+              <a:pPr marL="0" lvl="0" indent="0" algn="l" rtl="0">
                 <a:spcBef>
                   <a:spcPts val="0"/>
                 </a:spcBef>
@@ -2042,9 +2132,6 @@
                 </a:spcAft>
                 <a:buNone/>
               </a:pPr>
-              <a:r>
-                <a:t/>
-              </a:r>
               <a:endParaRPr/>
             </a:p>
           </p:txBody>
@@ -2062,7 +2149,7 @@
             </a:xfrm>
             <a:prstGeom prst="parallelogram">
               <a:avLst>
-                <a:gd fmla="val 153193" name="adj"/>
+                <a:gd name="adj" fmla="val 153193"/>
               </a:avLst>
             </a:prstGeom>
             <a:solidFill>
@@ -2073,12 +2160,12 @@
             </a:ln>
           </p:spPr>
           <p:txBody>
-            <a:bodyPr anchorCtr="0" anchor="ctr" bIns="91425" lIns="91425" spcFirstLastPara="1" rIns="91425" wrap="square" tIns="91425">
+            <a:bodyPr spcFirstLastPara="1" wrap="square" lIns="91425" tIns="91425" rIns="91425" bIns="91425" anchor="ctr" anchorCtr="0">
               <a:noAutofit/>
             </a:bodyPr>
             <a:lstStyle/>
             <a:p>
-              <a:pPr indent="0" lvl="0" marL="0" rtl="0" algn="l">
+              <a:pPr marL="0" lvl="0" indent="0" algn="l" rtl="0">
                 <a:spcBef>
                   <a:spcPts val="0"/>
                 </a:spcBef>
@@ -2087,9 +2174,6 @@
                 </a:spcAft>
                 <a:buNone/>
               </a:pPr>
-              <a:r>
-                <a:t/>
-              </a:r>
               <a:endParaRPr/>
             </a:p>
           </p:txBody>
@@ -2122,7 +2206,7 @@
             </a:xfrm>
             <a:prstGeom prst="parallelogram">
               <a:avLst>
-                <a:gd fmla="val 158024" name="adj"/>
+                <a:gd name="adj" fmla="val 158024"/>
               </a:avLst>
             </a:prstGeom>
             <a:solidFill>
@@ -2133,12 +2217,12 @@
             </a:ln>
           </p:spPr>
           <p:txBody>
-            <a:bodyPr anchorCtr="0" anchor="ctr" bIns="91425" lIns="91425" spcFirstLastPara="1" rIns="91425" wrap="square" tIns="91425">
+            <a:bodyPr spcFirstLastPara="1" wrap="square" lIns="91425" tIns="91425" rIns="91425" bIns="91425" anchor="ctr" anchorCtr="0">
               <a:noAutofit/>
             </a:bodyPr>
             <a:lstStyle/>
             <a:p>
-              <a:pPr indent="0" lvl="0" marL="0" rtl="0" algn="l">
+              <a:pPr marL="0" lvl="0" indent="0" algn="l" rtl="0">
                 <a:spcBef>
                   <a:spcPts val="0"/>
                 </a:spcBef>
@@ -2147,9 +2231,6 @@
                 </a:spcAft>
                 <a:buNone/>
               </a:pPr>
-              <a:r>
-                <a:t/>
-              </a:r>
               <a:endParaRPr/>
             </a:p>
           </p:txBody>
@@ -2167,7 +2248,7 @@
             </a:xfrm>
             <a:prstGeom prst="parallelogram">
               <a:avLst>
-                <a:gd fmla="val 158024" name="adj"/>
+                <a:gd name="adj" fmla="val 158024"/>
               </a:avLst>
             </a:prstGeom>
             <a:solidFill>
@@ -2178,12 +2259,12 @@
             </a:ln>
           </p:spPr>
           <p:txBody>
-            <a:bodyPr anchorCtr="0" anchor="ctr" bIns="91425" lIns="91425" spcFirstLastPara="1" rIns="91425" wrap="square" tIns="91425">
+            <a:bodyPr spcFirstLastPara="1" wrap="square" lIns="91425" tIns="91425" rIns="91425" bIns="91425" anchor="ctr" anchorCtr="0">
               <a:noAutofit/>
             </a:bodyPr>
             <a:lstStyle/>
             <a:p>
-              <a:pPr indent="0" lvl="0" marL="0" rtl="0" algn="l">
+              <a:pPr marL="0" lvl="0" indent="0" algn="l" rtl="0">
                 <a:spcBef>
                   <a:spcPts val="0"/>
                 </a:spcBef>
@@ -2192,9 +2273,6 @@
                 </a:spcAft>
                 <a:buNone/>
               </a:pPr>
-              <a:r>
-                <a:t/>
-              </a:r>
               <a:endParaRPr/>
             </a:p>
           </p:txBody>
@@ -2212,7 +2290,7 @@
             </a:xfrm>
             <a:prstGeom prst="parallelogram">
               <a:avLst>
-                <a:gd fmla="val 158024" name="adj"/>
+                <a:gd name="adj" fmla="val 158024"/>
               </a:avLst>
             </a:prstGeom>
             <a:solidFill>
@@ -2223,12 +2301,12 @@
             </a:ln>
           </p:spPr>
           <p:txBody>
-            <a:bodyPr anchorCtr="0" anchor="ctr" bIns="91425" lIns="91425" spcFirstLastPara="1" rIns="91425" wrap="square" tIns="91425">
+            <a:bodyPr spcFirstLastPara="1" wrap="square" lIns="91425" tIns="91425" rIns="91425" bIns="91425" anchor="ctr" anchorCtr="0">
               <a:noAutofit/>
             </a:bodyPr>
             <a:lstStyle/>
             <a:p>
-              <a:pPr indent="0" lvl="0" marL="0" rtl="0" algn="l">
+              <a:pPr marL="0" lvl="0" indent="0" algn="l" rtl="0">
                 <a:spcBef>
                   <a:spcPts val="0"/>
                 </a:spcBef>
@@ -2237,9 +2315,6 @@
                 </a:spcAft>
                 <a:buNone/>
               </a:pPr>
-              <a:r>
-                <a:t/>
-              </a:r>
               <a:endParaRPr/>
             </a:p>
           </p:txBody>
@@ -2272,7 +2347,7 @@
             </a:xfrm>
             <a:prstGeom prst="parallelogram">
               <a:avLst>
-                <a:gd fmla="val 158024" name="adj"/>
+                <a:gd name="adj" fmla="val 158024"/>
               </a:avLst>
             </a:prstGeom>
             <a:solidFill>
@@ -2283,12 +2358,12 @@
             </a:ln>
           </p:spPr>
           <p:txBody>
-            <a:bodyPr anchorCtr="0" anchor="ctr" bIns="91425" lIns="91425" spcFirstLastPara="1" rIns="91425" wrap="square" tIns="91425">
+            <a:bodyPr spcFirstLastPara="1" wrap="square" lIns="91425" tIns="91425" rIns="91425" bIns="91425" anchor="ctr" anchorCtr="0">
               <a:noAutofit/>
             </a:bodyPr>
             <a:lstStyle/>
             <a:p>
-              <a:pPr indent="0" lvl="0" marL="0" rtl="0" algn="l">
+              <a:pPr marL="0" lvl="0" indent="0" algn="l" rtl="0">
                 <a:spcBef>
                   <a:spcPts val="0"/>
                 </a:spcBef>
@@ -2297,9 +2372,6 @@
                 </a:spcAft>
                 <a:buNone/>
               </a:pPr>
-              <a:r>
-                <a:t/>
-              </a:r>
               <a:endParaRPr/>
             </a:p>
           </p:txBody>
@@ -2317,7 +2389,7 @@
             </a:xfrm>
             <a:prstGeom prst="parallelogram">
               <a:avLst>
-                <a:gd fmla="val 158024" name="adj"/>
+                <a:gd name="adj" fmla="val 158024"/>
               </a:avLst>
             </a:prstGeom>
             <a:solidFill>
@@ -2328,12 +2400,12 @@
             </a:ln>
           </p:spPr>
           <p:txBody>
-            <a:bodyPr anchorCtr="0" anchor="ctr" bIns="91425" lIns="91425" spcFirstLastPara="1" rIns="91425" wrap="square" tIns="91425">
+            <a:bodyPr spcFirstLastPara="1" wrap="square" lIns="91425" tIns="91425" rIns="91425" bIns="91425" anchor="ctr" anchorCtr="0">
               <a:noAutofit/>
             </a:bodyPr>
             <a:lstStyle/>
             <a:p>
-              <a:pPr indent="0" lvl="0" marL="0" rtl="0" algn="l">
+              <a:pPr marL="0" lvl="0" indent="0" algn="l" rtl="0">
                 <a:spcBef>
                   <a:spcPts val="0"/>
                 </a:spcBef>
@@ -2342,9 +2414,6 @@
                 </a:spcAft>
                 <a:buNone/>
               </a:pPr>
-              <a:r>
-                <a:t/>
-              </a:r>
               <a:endParaRPr/>
             </a:p>
           </p:txBody>
@@ -2362,7 +2431,7 @@
             </a:xfrm>
             <a:prstGeom prst="parallelogram">
               <a:avLst>
-                <a:gd fmla="val 158024" name="adj"/>
+                <a:gd name="adj" fmla="val 158024"/>
               </a:avLst>
             </a:prstGeom>
             <a:solidFill>
@@ -2373,12 +2442,12 @@
             </a:ln>
           </p:spPr>
           <p:txBody>
-            <a:bodyPr anchorCtr="0" anchor="ctr" bIns="91425" lIns="91425" spcFirstLastPara="1" rIns="91425" wrap="square" tIns="91425">
+            <a:bodyPr spcFirstLastPara="1" wrap="square" lIns="91425" tIns="91425" rIns="91425" bIns="91425" anchor="ctr" anchorCtr="0">
               <a:noAutofit/>
             </a:bodyPr>
             <a:lstStyle/>
             <a:p>
-              <a:pPr indent="0" lvl="0" marL="0" rtl="0" algn="l">
+              <a:pPr marL="0" lvl="0" indent="0" algn="l" rtl="0">
                 <a:spcBef>
                   <a:spcPts val="0"/>
                 </a:spcBef>
@@ -2387,9 +2456,6 @@
                 </a:spcAft>
                 <a:buNone/>
               </a:pPr>
-              <a:r>
-                <a:t/>
-              </a:r>
               <a:endParaRPr/>
             </a:p>
           </p:txBody>
@@ -2422,7 +2488,7 @@
             </a:xfrm>
             <a:prstGeom prst="parallelogram">
               <a:avLst>
-                <a:gd fmla="val 158024" name="adj"/>
+                <a:gd name="adj" fmla="val 158024"/>
               </a:avLst>
             </a:prstGeom>
             <a:solidFill>
@@ -2433,12 +2499,12 @@
             </a:ln>
           </p:spPr>
           <p:txBody>
-            <a:bodyPr anchorCtr="0" anchor="ctr" bIns="91425" lIns="91425" spcFirstLastPara="1" rIns="91425" wrap="square" tIns="91425">
+            <a:bodyPr spcFirstLastPara="1" wrap="square" lIns="91425" tIns="91425" rIns="91425" bIns="91425" anchor="ctr" anchorCtr="0">
               <a:noAutofit/>
             </a:bodyPr>
             <a:lstStyle/>
             <a:p>
-              <a:pPr indent="0" lvl="0" marL="0" rtl="0" algn="l">
+              <a:pPr marL="0" lvl="0" indent="0" algn="l" rtl="0">
                 <a:spcBef>
                   <a:spcPts val="0"/>
                 </a:spcBef>
@@ -2447,9 +2513,6 @@
                 </a:spcAft>
                 <a:buNone/>
               </a:pPr>
-              <a:r>
-                <a:t/>
-              </a:r>
               <a:endParaRPr/>
             </a:p>
           </p:txBody>
@@ -2467,7 +2530,7 @@
             </a:xfrm>
             <a:prstGeom prst="parallelogram">
               <a:avLst>
-                <a:gd fmla="val 158024" name="adj"/>
+                <a:gd name="adj" fmla="val 158024"/>
               </a:avLst>
             </a:prstGeom>
             <a:solidFill>
@@ -2478,12 +2541,12 @@
             </a:ln>
           </p:spPr>
           <p:txBody>
-            <a:bodyPr anchorCtr="0" anchor="ctr" bIns="91425" lIns="91425" spcFirstLastPara="1" rIns="91425" wrap="square" tIns="91425">
+            <a:bodyPr spcFirstLastPara="1" wrap="square" lIns="91425" tIns="91425" rIns="91425" bIns="91425" anchor="ctr" anchorCtr="0">
               <a:noAutofit/>
             </a:bodyPr>
             <a:lstStyle/>
             <a:p>
-              <a:pPr indent="0" lvl="0" marL="0" rtl="0" algn="l">
+              <a:pPr marL="0" lvl="0" indent="0" algn="l" rtl="0">
                 <a:spcBef>
                   <a:spcPts val="0"/>
                 </a:spcBef>
@@ -2492,9 +2555,6 @@
                 </a:spcAft>
                 <a:buNone/>
               </a:pPr>
-              <a:r>
-                <a:t/>
-              </a:r>
               <a:endParaRPr/>
             </a:p>
           </p:txBody>
@@ -2512,7 +2572,7 @@
             </a:xfrm>
             <a:prstGeom prst="parallelogram">
               <a:avLst>
-                <a:gd fmla="val 158024" name="adj"/>
+                <a:gd name="adj" fmla="val 158024"/>
               </a:avLst>
             </a:prstGeom>
             <a:solidFill>
@@ -2523,12 +2583,12 @@
             </a:ln>
           </p:spPr>
           <p:txBody>
-            <a:bodyPr anchorCtr="0" anchor="ctr" bIns="91425" lIns="91425" spcFirstLastPara="1" rIns="91425" wrap="square" tIns="91425">
+            <a:bodyPr spcFirstLastPara="1" wrap="square" lIns="91425" tIns="91425" rIns="91425" bIns="91425" anchor="ctr" anchorCtr="0">
               <a:noAutofit/>
             </a:bodyPr>
             <a:lstStyle/>
             <a:p>
-              <a:pPr indent="0" lvl="0" marL="0" rtl="0" algn="l">
+              <a:pPr marL="0" lvl="0" indent="0" algn="l" rtl="0">
                 <a:spcBef>
                   <a:spcPts val="0"/>
                 </a:spcBef>
@@ -2537,9 +2597,6 @@
                 </a:spcAft>
                 <a:buNone/>
               </a:pPr>
-              <a:r>
-                <a:t/>
-              </a:r>
               <a:endParaRPr/>
             </a:p>
           </p:txBody>
@@ -2548,7 +2605,9 @@
       <p:sp>
         <p:nvSpPr>
           <p:cNvPr id="34" name="Google Shape;34;p2"/>
-          <p:cNvSpPr txBox="1"/>
+          <p:cNvSpPr txBox="1">
+            <a:spLocks noGrp="1"/>
+          </p:cNvSpPr>
           <p:nvPr>
             <p:ph type="ctrTitle"/>
           </p:nvPr>
@@ -2563,7 +2622,7 @@
           </a:prstGeom>
         </p:spPr>
         <p:txBody>
-          <a:bodyPr anchorCtr="0" anchor="ctr" bIns="91425" lIns="91425" spcFirstLastPara="1" rIns="91425" wrap="square" tIns="91425"/>
+          <a:bodyPr spcFirstLastPara="1" wrap="square" lIns="91425" tIns="91425" rIns="91425" bIns="91425" anchor="ctr" anchorCtr="0"/>
           <a:lstStyle>
             <a:lvl1pPr lvl="0" algn="ctr">
               <a:spcBef>
@@ -2665,15 +2724,19 @@
               <a:defRPr sz="3800"/>
             </a:lvl9pPr>
           </a:lstStyle>
-          <a:p/>
+          <a:p>
+            <a:endParaRPr/>
+          </a:p>
         </p:txBody>
       </p:sp>
       <p:sp>
         <p:nvSpPr>
           <p:cNvPr id="35" name="Google Shape;35;p2"/>
-          <p:cNvSpPr txBox="1"/>
+          <p:cNvSpPr txBox="1">
+            <a:spLocks noGrp="1"/>
+          </p:cNvSpPr>
           <p:nvPr>
-            <p:ph idx="1" type="subTitle"/>
+            <p:ph type="subTitle" idx="1"/>
           </p:nvPr>
         </p:nvSpPr>
         <p:spPr>
@@ -2686,7 +2749,7 @@
           </a:prstGeom>
         </p:spPr>
         <p:txBody>
-          <a:bodyPr anchorCtr="0" anchor="t" bIns="91425" lIns="91425" spcFirstLastPara="1" rIns="91425" wrap="square" tIns="91425"/>
+          <a:bodyPr spcFirstLastPara="1" wrap="square" lIns="91425" tIns="91425" rIns="91425" bIns="91425" anchor="t" anchorCtr="0"/>
           <a:lstStyle>
             <a:lvl1pPr lvl="0" algn="ctr">
               <a:lnSpc>
@@ -2878,15 +2941,19 @@
               </a:defRPr>
             </a:lvl9pPr>
           </a:lstStyle>
-          <a:p/>
+          <a:p>
+            <a:endParaRPr/>
+          </a:p>
         </p:txBody>
       </p:sp>
       <p:sp>
         <p:nvSpPr>
           <p:cNvPr id="36" name="Google Shape;36;p2"/>
-          <p:cNvSpPr txBox="1"/>
+          <p:cNvSpPr txBox="1">
+            <a:spLocks noGrp="1"/>
+          </p:cNvSpPr>
           <p:nvPr>
-            <p:ph idx="12" type="sldNum"/>
+            <p:ph type="sldNum" idx="12"/>
           </p:nvPr>
         </p:nvSpPr>
         <p:spPr>
@@ -2899,7 +2966,7 @@
           </a:prstGeom>
         </p:spPr>
         <p:txBody>
-          <a:bodyPr anchorCtr="0" anchor="ctr" bIns="91425" lIns="91425" spcFirstLastPara="1" rIns="91425" wrap="square" tIns="91425">
+          <a:bodyPr spcFirstLastPara="1" wrap="square" lIns="91425" tIns="91425" rIns="91425" bIns="91425" anchor="ctr" anchorCtr="0">
             <a:noAutofit/>
           </a:bodyPr>
           <a:lstStyle>
@@ -2941,7 +3008,7 @@
             </a:lvl9pPr>
           </a:lstStyle>
           <a:p>
-            <a:pPr indent="0" lvl="0" marL="0" rtl="0" algn="r">
+            <a:pPr marL="0" lvl="0" indent="0" algn="r" rtl="0">
               <a:spcBef>
                 <a:spcPts val="0"/>
               </a:spcBef>
@@ -2967,18 +3034,19 @@
 </file>
 
 <file path=ppt/slideLayouts/slideLayout10.xml><?xml version="1.0" encoding="utf-8"?>
-<p:sldLayout xmlns:a="http://schemas.openxmlformats.org/drawingml/2006/main" xmlns:r="http://schemas.openxmlformats.org/officeDocument/2006/relationships" xmlns:mc="http://schemas.openxmlformats.org/markup-compatibility/2006" xmlns:mv="urn:schemas-microsoft-com:mac:vml" xmlns:p="http://schemas.openxmlformats.org/presentationml/2006/main" xmlns:c="http://schemas.openxmlformats.org/drawingml/2006/chart" xmlns:dgm="http://schemas.openxmlformats.org/drawingml/2006/diagram" xmlns:o="urn:schemas-microsoft-com:office:office" xmlns:v="urn:schemas-microsoft-com:vml" xmlns:pvml="urn:schemas-microsoft-com:office:powerpoint" xmlns:com="http://schemas.openxmlformats.org/drawingml/2006/compatibility" xmlns:p14="http://schemas.microsoft.com/office/powerpoint/2010/main" xmlns:p15="http://schemas.microsoft.com/office/powerpoint/2012/main" matchingName="Big number">
+<p:sldLayout xmlns:a="http://schemas.openxmlformats.org/drawingml/2006/main" xmlns:r="http://schemas.openxmlformats.org/officeDocument/2006/relationships" xmlns:p="http://schemas.openxmlformats.org/presentationml/2006/main" matchingName="Big number">
   <p:cSld name="BIG_NUMBER">
     <p:bg>
       <p:bgPr>
         <a:solidFill>
           <a:schemeClr val="accent3"/>
         </a:solidFill>
+        <a:effectLst/>
       </p:bgPr>
     </p:bg>
     <p:spTree>
       <p:nvGrpSpPr>
-        <p:cNvPr id="109" name="Shape 109"/>
+        <p:cNvPr id="1" name="Shape 109"/>
         <p:cNvGrpSpPr/>
         <p:nvPr/>
       </p:nvGrpSpPr>
@@ -3012,12 +3080,12 @@
           </a:ln>
         </p:spPr>
         <p:txBody>
-          <a:bodyPr anchorCtr="0" anchor="ctr" bIns="91425" lIns="91425" spcFirstLastPara="1" rIns="91425" wrap="square" tIns="91425">
+          <a:bodyPr spcFirstLastPara="1" wrap="square" lIns="91425" tIns="91425" rIns="91425" bIns="91425" anchor="ctr" anchorCtr="0">
             <a:noAutofit/>
           </a:bodyPr>
           <a:lstStyle/>
           <a:p>
-            <a:pPr indent="0" lvl="0" marL="0" rtl="0" algn="l">
+            <a:pPr marL="0" lvl="0" indent="0" algn="l" rtl="0">
               <a:spcBef>
                 <a:spcPts val="0"/>
               </a:spcBef>
@@ -3026,9 +3094,6 @@
               </a:spcAft>
               <a:buNone/>
             </a:pPr>
-            <a:r>
-              <a:t/>
-            </a:r>
             <a:endParaRPr/>
           </a:p>
         </p:txBody>
@@ -3060,7 +3125,7 @@
             </a:xfrm>
             <a:prstGeom prst="parallelogram">
               <a:avLst>
-                <a:gd fmla="val 158024" name="adj"/>
+                <a:gd name="adj" fmla="val 158024"/>
               </a:avLst>
             </a:prstGeom>
             <a:solidFill>
@@ -3071,12 +3136,12 @@
             </a:ln>
           </p:spPr>
           <p:txBody>
-            <a:bodyPr anchorCtr="0" anchor="ctr" bIns="91425" lIns="91425" spcFirstLastPara="1" rIns="91425" wrap="square" tIns="91425">
+            <a:bodyPr spcFirstLastPara="1" wrap="square" lIns="91425" tIns="91425" rIns="91425" bIns="91425" anchor="ctr" anchorCtr="0">
               <a:noAutofit/>
             </a:bodyPr>
             <a:lstStyle/>
             <a:p>
-              <a:pPr indent="0" lvl="0" marL="0" rtl="0" algn="l">
+              <a:pPr marL="0" lvl="0" indent="0" algn="l" rtl="0">
                 <a:spcBef>
                   <a:spcPts val="0"/>
                 </a:spcBef>
@@ -3085,9 +3150,6 @@
                 </a:spcAft>
                 <a:buNone/>
               </a:pPr>
-              <a:r>
-                <a:t/>
-              </a:r>
               <a:endParaRPr/>
             </a:p>
           </p:txBody>
@@ -3105,7 +3167,7 @@
             </a:xfrm>
             <a:prstGeom prst="parallelogram">
               <a:avLst>
-                <a:gd fmla="val 158024" name="adj"/>
+                <a:gd name="adj" fmla="val 158024"/>
               </a:avLst>
             </a:prstGeom>
             <a:solidFill>
@@ -3116,12 +3178,12 @@
             </a:ln>
           </p:spPr>
           <p:txBody>
-            <a:bodyPr anchorCtr="0" anchor="ctr" bIns="91425" lIns="91425" spcFirstLastPara="1" rIns="91425" wrap="square" tIns="91425">
+            <a:bodyPr spcFirstLastPara="1" wrap="square" lIns="91425" tIns="91425" rIns="91425" bIns="91425" anchor="ctr" anchorCtr="0">
               <a:noAutofit/>
             </a:bodyPr>
             <a:lstStyle/>
             <a:p>
-              <a:pPr indent="0" lvl="0" marL="0" rtl="0" algn="l">
+              <a:pPr marL="0" lvl="0" indent="0" algn="l" rtl="0">
                 <a:spcBef>
                   <a:spcPts val="0"/>
                 </a:spcBef>
@@ -3130,9 +3192,6 @@
                 </a:spcAft>
                 <a:buNone/>
               </a:pPr>
-              <a:r>
-                <a:t/>
-              </a:r>
               <a:endParaRPr/>
             </a:p>
           </p:txBody>
@@ -3150,7 +3209,7 @@
             </a:xfrm>
             <a:prstGeom prst="parallelogram">
               <a:avLst>
-                <a:gd fmla="val 158024" name="adj"/>
+                <a:gd name="adj" fmla="val 158024"/>
               </a:avLst>
             </a:prstGeom>
             <a:solidFill>
@@ -3161,12 +3220,12 @@
             </a:ln>
           </p:spPr>
           <p:txBody>
-            <a:bodyPr anchorCtr="0" anchor="ctr" bIns="91425" lIns="91425" spcFirstLastPara="1" rIns="91425" wrap="square" tIns="91425">
+            <a:bodyPr spcFirstLastPara="1" wrap="square" lIns="91425" tIns="91425" rIns="91425" bIns="91425" anchor="ctr" anchorCtr="0">
               <a:noAutofit/>
             </a:bodyPr>
             <a:lstStyle/>
             <a:p>
-              <a:pPr indent="0" lvl="0" marL="0" rtl="0" algn="l">
+              <a:pPr marL="0" lvl="0" indent="0" algn="l" rtl="0">
                 <a:spcBef>
                   <a:spcPts val="0"/>
                 </a:spcBef>
@@ -3175,9 +3234,6 @@
                 </a:spcAft>
                 <a:buNone/>
               </a:pPr>
-              <a:r>
-                <a:t/>
-              </a:r>
               <a:endParaRPr/>
             </a:p>
           </p:txBody>
@@ -3210,7 +3266,7 @@
             </a:xfrm>
             <a:prstGeom prst="parallelogram">
               <a:avLst>
-                <a:gd fmla="val 158024" name="adj"/>
+                <a:gd name="adj" fmla="val 158024"/>
               </a:avLst>
             </a:prstGeom>
             <a:solidFill>
@@ -3221,12 +3277,12 @@
             </a:ln>
           </p:spPr>
           <p:txBody>
-            <a:bodyPr anchorCtr="0" anchor="ctr" bIns="91425" lIns="91425" spcFirstLastPara="1" rIns="91425" wrap="square" tIns="91425">
+            <a:bodyPr spcFirstLastPara="1" wrap="square" lIns="91425" tIns="91425" rIns="91425" bIns="91425" anchor="ctr" anchorCtr="0">
               <a:noAutofit/>
             </a:bodyPr>
             <a:lstStyle/>
             <a:p>
-              <a:pPr indent="0" lvl="0" marL="0" rtl="0" algn="l">
+              <a:pPr marL="0" lvl="0" indent="0" algn="l" rtl="0">
                 <a:spcBef>
                   <a:spcPts val="0"/>
                 </a:spcBef>
@@ -3235,9 +3291,6 @@
                 </a:spcAft>
                 <a:buNone/>
               </a:pPr>
-              <a:r>
-                <a:t/>
-              </a:r>
               <a:endParaRPr/>
             </a:p>
           </p:txBody>
@@ -3255,7 +3308,7 @@
             </a:xfrm>
             <a:prstGeom prst="parallelogram">
               <a:avLst>
-                <a:gd fmla="val 158024" name="adj"/>
+                <a:gd name="adj" fmla="val 158024"/>
               </a:avLst>
             </a:prstGeom>
             <a:solidFill>
@@ -3266,12 +3319,12 @@
             </a:ln>
           </p:spPr>
           <p:txBody>
-            <a:bodyPr anchorCtr="0" anchor="ctr" bIns="91425" lIns="91425" spcFirstLastPara="1" rIns="91425" wrap="square" tIns="91425">
+            <a:bodyPr spcFirstLastPara="1" wrap="square" lIns="91425" tIns="91425" rIns="91425" bIns="91425" anchor="ctr" anchorCtr="0">
               <a:noAutofit/>
             </a:bodyPr>
             <a:lstStyle/>
             <a:p>
-              <a:pPr indent="0" lvl="0" marL="0" rtl="0" algn="l">
+              <a:pPr marL="0" lvl="0" indent="0" algn="l" rtl="0">
                 <a:spcBef>
                   <a:spcPts val="0"/>
                 </a:spcBef>
@@ -3280,9 +3333,6 @@
                 </a:spcAft>
                 <a:buNone/>
               </a:pPr>
-              <a:r>
-                <a:t/>
-              </a:r>
               <a:endParaRPr/>
             </a:p>
           </p:txBody>
@@ -3300,7 +3350,7 @@
             </a:xfrm>
             <a:prstGeom prst="parallelogram">
               <a:avLst>
-                <a:gd fmla="val 158024" name="adj"/>
+                <a:gd name="adj" fmla="val 158024"/>
               </a:avLst>
             </a:prstGeom>
             <a:solidFill>
@@ -3311,12 +3361,12 @@
             </a:ln>
           </p:spPr>
           <p:txBody>
-            <a:bodyPr anchorCtr="0" anchor="ctr" bIns="91425" lIns="91425" spcFirstLastPara="1" rIns="91425" wrap="square" tIns="91425">
+            <a:bodyPr spcFirstLastPara="1" wrap="square" lIns="91425" tIns="91425" rIns="91425" bIns="91425" anchor="ctr" anchorCtr="0">
               <a:noAutofit/>
             </a:bodyPr>
             <a:lstStyle/>
             <a:p>
-              <a:pPr indent="0" lvl="0" marL="0" rtl="0" algn="l">
+              <a:pPr marL="0" lvl="0" indent="0" algn="l" rtl="0">
                 <a:spcBef>
                   <a:spcPts val="0"/>
                 </a:spcBef>
@@ -3325,9 +3375,6 @@
                 </a:spcAft>
                 <a:buNone/>
               </a:pPr>
-              <a:r>
-                <a:t/>
-              </a:r>
               <a:endParaRPr/>
             </a:p>
           </p:txBody>
@@ -3336,9 +3383,11 @@
       <p:sp>
         <p:nvSpPr>
           <p:cNvPr id="119" name="Google Shape;119;p11"/>
-          <p:cNvSpPr txBox="1"/>
+          <p:cNvSpPr txBox="1">
+            <a:spLocks noGrp="1"/>
+          </p:cNvSpPr>
           <p:nvPr>
-            <p:ph hasCustomPrompt="1" type="title"/>
+            <p:ph type="title" hasCustomPrompt="1"/>
           </p:nvPr>
         </p:nvSpPr>
         <p:spPr>
@@ -3351,7 +3400,7 @@
           </a:prstGeom>
         </p:spPr>
         <p:txBody>
-          <a:bodyPr anchorCtr="0" anchor="ctr" bIns="91425" lIns="91425" spcFirstLastPara="1" rIns="91425" wrap="square" tIns="91425"/>
+          <a:bodyPr spcFirstLastPara="1" wrap="square" lIns="91425" tIns="91425" rIns="91425" bIns="91425" anchor="ctr" anchorCtr="0"/>
           <a:lstStyle>
             <a:lvl1pPr lvl="0" algn="ctr">
               <a:spcBef>
@@ -3526,9 +3575,11 @@
       <p:sp>
         <p:nvSpPr>
           <p:cNvPr id="120" name="Google Shape;120;p11"/>
-          <p:cNvSpPr txBox="1"/>
+          <p:cNvSpPr txBox="1">
+            <a:spLocks noGrp="1"/>
+          </p:cNvSpPr>
           <p:nvPr>
-            <p:ph idx="1" type="body"/>
+            <p:ph type="body" idx="1"/>
           </p:nvPr>
         </p:nvSpPr>
         <p:spPr>
@@ -3541,9 +3592,9 @@
           </a:prstGeom>
         </p:spPr>
         <p:txBody>
-          <a:bodyPr anchorCtr="0" anchor="t" bIns="91425" lIns="91425" spcFirstLastPara="1" rIns="91425" wrap="square" tIns="91425"/>
+          <a:bodyPr spcFirstLastPara="1" wrap="square" lIns="91425" tIns="91425" rIns="91425" bIns="91425" anchor="t" anchorCtr="0"/>
           <a:lstStyle>
-            <a:lvl1pPr indent="-311150" lvl="0" marL="457200" algn="ctr">
+            <a:lvl1pPr marL="457200" lvl="0" indent="-311150" algn="ctr">
               <a:spcBef>
                 <a:spcPts val="0"/>
               </a:spcBef>
@@ -3554,7 +3605,7 @@
               <a:buChar char="●"/>
               <a:defRPr/>
             </a:lvl1pPr>
-            <a:lvl2pPr indent="-298450" lvl="1" marL="914400" algn="ctr">
+            <a:lvl2pPr marL="914400" lvl="1" indent="-298450" algn="ctr">
               <a:spcBef>
                 <a:spcPts val="1600"/>
               </a:spcBef>
@@ -3565,7 +3616,7 @@
               <a:buChar char="○"/>
               <a:defRPr/>
             </a:lvl2pPr>
-            <a:lvl3pPr indent="-298450" lvl="2" marL="1371600" algn="ctr">
+            <a:lvl3pPr marL="1371600" lvl="2" indent="-298450" algn="ctr">
               <a:spcBef>
                 <a:spcPts val="1600"/>
               </a:spcBef>
@@ -3576,7 +3627,7 @@
               <a:buChar char="■"/>
               <a:defRPr/>
             </a:lvl3pPr>
-            <a:lvl4pPr indent="-298450" lvl="3" marL="1828800" algn="ctr">
+            <a:lvl4pPr marL="1828800" lvl="3" indent="-298450" algn="ctr">
               <a:spcBef>
                 <a:spcPts val="1600"/>
               </a:spcBef>
@@ -3587,7 +3638,7 @@
               <a:buChar char="●"/>
               <a:defRPr/>
             </a:lvl4pPr>
-            <a:lvl5pPr indent="-298450" lvl="4" marL="2286000" algn="ctr">
+            <a:lvl5pPr marL="2286000" lvl="4" indent="-298450" algn="ctr">
               <a:spcBef>
                 <a:spcPts val="1600"/>
               </a:spcBef>
@@ -3598,7 +3649,7 @@
               <a:buChar char="○"/>
               <a:defRPr/>
             </a:lvl5pPr>
-            <a:lvl6pPr indent="-298450" lvl="5" marL="2743200" algn="ctr">
+            <a:lvl6pPr marL="2743200" lvl="5" indent="-298450" algn="ctr">
               <a:spcBef>
                 <a:spcPts val="1600"/>
               </a:spcBef>
@@ -3609,7 +3660,7 @@
               <a:buChar char="■"/>
               <a:defRPr/>
             </a:lvl6pPr>
-            <a:lvl7pPr indent="-298450" lvl="6" marL="3200400" algn="ctr">
+            <a:lvl7pPr marL="3200400" lvl="6" indent="-298450" algn="ctr">
               <a:spcBef>
                 <a:spcPts val="1600"/>
               </a:spcBef>
@@ -3620,7 +3671,7 @@
               <a:buChar char="●"/>
               <a:defRPr/>
             </a:lvl7pPr>
-            <a:lvl8pPr indent="-298450" lvl="7" marL="3657600" algn="ctr">
+            <a:lvl8pPr marL="3657600" lvl="7" indent="-298450" algn="ctr">
               <a:spcBef>
                 <a:spcPts val="1600"/>
               </a:spcBef>
@@ -3631,7 +3682,7 @@
               <a:buChar char="○"/>
               <a:defRPr/>
             </a:lvl8pPr>
-            <a:lvl9pPr indent="-298450" lvl="8" marL="4114800" algn="ctr">
+            <a:lvl9pPr marL="4114800" lvl="8" indent="-298450" algn="ctr">
               <a:spcBef>
                 <a:spcPts val="1600"/>
               </a:spcBef>
@@ -3643,15 +3694,19 @@
               <a:defRPr/>
             </a:lvl9pPr>
           </a:lstStyle>
-          <a:p/>
+          <a:p>
+            <a:endParaRPr/>
+          </a:p>
         </p:txBody>
       </p:sp>
       <p:sp>
         <p:nvSpPr>
           <p:cNvPr id="121" name="Google Shape;121;p11"/>
-          <p:cNvSpPr txBox="1"/>
+          <p:cNvSpPr txBox="1">
+            <a:spLocks noGrp="1"/>
+          </p:cNvSpPr>
           <p:nvPr>
-            <p:ph idx="12" type="sldNum"/>
+            <p:ph type="sldNum" idx="12"/>
           </p:nvPr>
         </p:nvSpPr>
         <p:spPr>
@@ -3664,7 +3719,7 @@
           </a:prstGeom>
         </p:spPr>
         <p:txBody>
-          <a:bodyPr anchorCtr="0" anchor="ctr" bIns="91425" lIns="91425" spcFirstLastPara="1" rIns="91425" wrap="square" tIns="91425">
+          <a:bodyPr spcFirstLastPara="1" wrap="square" lIns="91425" tIns="91425" rIns="91425" bIns="91425" anchor="ctr" anchorCtr="0">
             <a:noAutofit/>
           </a:bodyPr>
           <a:lstStyle>
@@ -3706,7 +3761,7 @@
             </a:lvl9pPr>
           </a:lstStyle>
           <a:p>
-            <a:pPr indent="0" lvl="0" marL="0" rtl="0" algn="r">
+            <a:pPr marL="0" lvl="0" indent="0" algn="r" rtl="0">
               <a:spcBef>
                 <a:spcPts val="0"/>
               </a:spcBef>
@@ -3732,11 +3787,11 @@
 </file>
 
 <file path=ppt/slideLayouts/slideLayout11.xml><?xml version="1.0" encoding="utf-8"?>
-<p:sldLayout xmlns:a="http://schemas.openxmlformats.org/drawingml/2006/main" xmlns:r="http://schemas.openxmlformats.org/officeDocument/2006/relationships" xmlns:mc="http://schemas.openxmlformats.org/markup-compatibility/2006" xmlns:mv="urn:schemas-microsoft-com:mac:vml" xmlns:p="http://schemas.openxmlformats.org/presentationml/2006/main" xmlns:c="http://schemas.openxmlformats.org/drawingml/2006/chart" xmlns:dgm="http://schemas.openxmlformats.org/drawingml/2006/diagram" xmlns:o="urn:schemas-microsoft-com:office:office" xmlns:v="urn:schemas-microsoft-com:vml" xmlns:pvml="urn:schemas-microsoft-com:office:powerpoint" xmlns:com="http://schemas.openxmlformats.org/drawingml/2006/compatibility" xmlns:p14="http://schemas.microsoft.com/office/powerpoint/2010/main" xmlns:p15="http://schemas.microsoft.com/office/powerpoint/2012/main" matchingName="Blank" type="blank">
+<p:sldLayout xmlns:a="http://schemas.openxmlformats.org/drawingml/2006/main" xmlns:r="http://schemas.openxmlformats.org/officeDocument/2006/relationships" xmlns:p="http://schemas.openxmlformats.org/presentationml/2006/main" matchingName="Blank" type="blank">
   <p:cSld name="BLANK">
     <p:spTree>
       <p:nvGrpSpPr>
-        <p:cNvPr id="122" name="Shape 122"/>
+        <p:cNvPr id="1" name="Shape 122"/>
         <p:cNvGrpSpPr/>
         <p:nvPr/>
       </p:nvGrpSpPr>
@@ -3751,9 +3806,11 @@
       <p:sp>
         <p:nvSpPr>
           <p:cNvPr id="123" name="Google Shape;123;p12"/>
-          <p:cNvSpPr txBox="1"/>
+          <p:cNvSpPr txBox="1">
+            <a:spLocks noGrp="1"/>
+          </p:cNvSpPr>
           <p:nvPr>
-            <p:ph idx="12" type="sldNum"/>
+            <p:ph type="sldNum" idx="12"/>
           </p:nvPr>
         </p:nvSpPr>
         <p:spPr>
@@ -3766,7 +3823,7 @@
           </a:prstGeom>
         </p:spPr>
         <p:txBody>
-          <a:bodyPr anchorCtr="0" anchor="ctr" bIns="91425" lIns="91425" spcFirstLastPara="1" rIns="91425" wrap="square" tIns="91425">
+          <a:bodyPr spcFirstLastPara="1" wrap="square" lIns="91425" tIns="91425" rIns="91425" bIns="91425" anchor="ctr" anchorCtr="0">
             <a:noAutofit/>
           </a:bodyPr>
           <a:lstStyle>
@@ -3808,7 +3865,7 @@
             </a:lvl9pPr>
           </a:lstStyle>
           <a:p>
-            <a:pPr indent="0" lvl="0" marL="0" rtl="0" algn="r">
+            <a:pPr marL="0" lvl="0" indent="0" algn="r" rtl="0">
               <a:spcBef>
                 <a:spcPts val="0"/>
               </a:spcBef>
@@ -3834,18 +3891,19 @@
 </file>
 
 <file path=ppt/slideLayouts/slideLayout2.xml><?xml version="1.0" encoding="utf-8"?>
-<p:sldLayout xmlns:a="http://schemas.openxmlformats.org/drawingml/2006/main" xmlns:r="http://schemas.openxmlformats.org/officeDocument/2006/relationships" xmlns:mc="http://schemas.openxmlformats.org/markup-compatibility/2006" xmlns:mv="urn:schemas-microsoft-com:mac:vml" xmlns:p="http://schemas.openxmlformats.org/presentationml/2006/main" xmlns:c="http://schemas.openxmlformats.org/drawingml/2006/chart" xmlns:dgm="http://schemas.openxmlformats.org/drawingml/2006/diagram" xmlns:o="urn:schemas-microsoft-com:office:office" xmlns:v="urn:schemas-microsoft-com:vml" xmlns:pvml="urn:schemas-microsoft-com:office:powerpoint" xmlns:com="http://schemas.openxmlformats.org/drawingml/2006/compatibility" xmlns:p14="http://schemas.microsoft.com/office/powerpoint/2010/main" xmlns:p15="http://schemas.microsoft.com/office/powerpoint/2012/main" matchingName="Section header" type="secHead">
+<p:sldLayout xmlns:a="http://schemas.openxmlformats.org/drawingml/2006/main" xmlns:r="http://schemas.openxmlformats.org/officeDocument/2006/relationships" xmlns:p="http://schemas.openxmlformats.org/presentationml/2006/main" matchingName="Section header" type="secHead">
   <p:cSld name="SECTION_HEADER">
     <p:bg>
       <p:bgPr>
         <a:solidFill>
           <a:schemeClr val="accent3"/>
         </a:solidFill>
+        <a:effectLst/>
       </p:bgPr>
     </p:bg>
     <p:spTree>
       <p:nvGrpSpPr>
-        <p:cNvPr id="37" name="Shape 37"/>
+        <p:cNvPr id="1" name="Shape 37"/>
         <p:cNvGrpSpPr/>
         <p:nvPr/>
       </p:nvGrpSpPr>
@@ -3879,12 +3937,12 @@
           </a:ln>
         </p:spPr>
         <p:txBody>
-          <a:bodyPr anchorCtr="0" anchor="ctr" bIns="91425" lIns="91425" spcFirstLastPara="1" rIns="91425" wrap="square" tIns="91425">
+          <a:bodyPr spcFirstLastPara="1" wrap="square" lIns="91425" tIns="91425" rIns="91425" bIns="91425" anchor="ctr" anchorCtr="0">
             <a:noAutofit/>
           </a:bodyPr>
           <a:lstStyle/>
           <a:p>
-            <a:pPr indent="0" lvl="0" marL="0" rtl="0" algn="l">
+            <a:pPr marL="0" lvl="0" indent="0" algn="l" rtl="0">
               <a:spcBef>
                 <a:spcPts val="0"/>
               </a:spcBef>
@@ -3893,9 +3951,6 @@
               </a:spcAft>
               <a:buNone/>
             </a:pPr>
-            <a:r>
-              <a:t/>
-            </a:r>
             <a:endParaRPr/>
           </a:p>
         </p:txBody>
@@ -3927,7 +3982,7 @@
             </a:xfrm>
             <a:prstGeom prst="parallelogram">
               <a:avLst>
-                <a:gd fmla="val 158024" name="adj"/>
+                <a:gd name="adj" fmla="val 158024"/>
               </a:avLst>
             </a:prstGeom>
             <a:solidFill>
@@ -3938,12 +3993,12 @@
             </a:ln>
           </p:spPr>
           <p:txBody>
-            <a:bodyPr anchorCtr="0" anchor="ctr" bIns="91425" lIns="91425" spcFirstLastPara="1" rIns="91425" wrap="square" tIns="91425">
+            <a:bodyPr spcFirstLastPara="1" wrap="square" lIns="91425" tIns="91425" rIns="91425" bIns="91425" anchor="ctr" anchorCtr="0">
               <a:noAutofit/>
             </a:bodyPr>
             <a:lstStyle/>
             <a:p>
-              <a:pPr indent="0" lvl="0" marL="0" rtl="0" algn="l">
+              <a:pPr marL="0" lvl="0" indent="0" algn="l" rtl="0">
                 <a:spcBef>
                   <a:spcPts val="0"/>
                 </a:spcBef>
@@ -3952,9 +4007,6 @@
                 </a:spcAft>
                 <a:buNone/>
               </a:pPr>
-              <a:r>
-                <a:t/>
-              </a:r>
               <a:endParaRPr/>
             </a:p>
           </p:txBody>
@@ -3972,7 +4024,7 @@
             </a:xfrm>
             <a:prstGeom prst="parallelogram">
               <a:avLst>
-                <a:gd fmla="val 158024" name="adj"/>
+                <a:gd name="adj" fmla="val 158024"/>
               </a:avLst>
             </a:prstGeom>
             <a:solidFill>
@@ -3983,12 +4035,12 @@
             </a:ln>
           </p:spPr>
           <p:txBody>
-            <a:bodyPr anchorCtr="0" anchor="ctr" bIns="91425" lIns="91425" spcFirstLastPara="1" rIns="91425" wrap="square" tIns="91425">
+            <a:bodyPr spcFirstLastPara="1" wrap="square" lIns="91425" tIns="91425" rIns="91425" bIns="91425" anchor="ctr" anchorCtr="0">
               <a:noAutofit/>
             </a:bodyPr>
             <a:lstStyle/>
             <a:p>
-              <a:pPr indent="0" lvl="0" marL="0" rtl="0" algn="l">
+              <a:pPr marL="0" lvl="0" indent="0" algn="l" rtl="0">
                 <a:spcBef>
                   <a:spcPts val="0"/>
                 </a:spcBef>
@@ -3997,9 +4049,6 @@
                 </a:spcAft>
                 <a:buNone/>
               </a:pPr>
-              <a:r>
-                <a:t/>
-              </a:r>
               <a:endParaRPr/>
             </a:p>
           </p:txBody>
@@ -4017,7 +4066,7 @@
             </a:xfrm>
             <a:prstGeom prst="parallelogram">
               <a:avLst>
-                <a:gd fmla="val 158024" name="adj"/>
+                <a:gd name="adj" fmla="val 158024"/>
               </a:avLst>
             </a:prstGeom>
             <a:solidFill>
@@ -4028,12 +4077,12 @@
             </a:ln>
           </p:spPr>
           <p:txBody>
-            <a:bodyPr anchorCtr="0" anchor="ctr" bIns="91425" lIns="91425" spcFirstLastPara="1" rIns="91425" wrap="square" tIns="91425">
+            <a:bodyPr spcFirstLastPara="1" wrap="square" lIns="91425" tIns="91425" rIns="91425" bIns="91425" anchor="ctr" anchorCtr="0">
               <a:noAutofit/>
             </a:bodyPr>
             <a:lstStyle/>
             <a:p>
-              <a:pPr indent="0" lvl="0" marL="0" rtl="0" algn="l">
+              <a:pPr marL="0" lvl="0" indent="0" algn="l" rtl="0">
                 <a:spcBef>
                   <a:spcPts val="0"/>
                 </a:spcBef>
@@ -4042,9 +4091,6 @@
                 </a:spcAft>
                 <a:buNone/>
               </a:pPr>
-              <a:r>
-                <a:t/>
-              </a:r>
               <a:endParaRPr/>
             </a:p>
           </p:txBody>
@@ -4077,7 +4123,7 @@
             </a:xfrm>
             <a:prstGeom prst="parallelogram">
               <a:avLst>
-                <a:gd fmla="val 158024" name="adj"/>
+                <a:gd name="adj" fmla="val 158024"/>
               </a:avLst>
             </a:prstGeom>
             <a:solidFill>
@@ -4088,12 +4134,12 @@
             </a:ln>
           </p:spPr>
           <p:txBody>
-            <a:bodyPr anchorCtr="0" anchor="ctr" bIns="91425" lIns="91425" spcFirstLastPara="1" rIns="91425" wrap="square" tIns="91425">
+            <a:bodyPr spcFirstLastPara="1" wrap="square" lIns="91425" tIns="91425" rIns="91425" bIns="91425" anchor="ctr" anchorCtr="0">
               <a:noAutofit/>
             </a:bodyPr>
             <a:lstStyle/>
             <a:p>
-              <a:pPr indent="0" lvl="0" marL="0" rtl="0" algn="l">
+              <a:pPr marL="0" lvl="0" indent="0" algn="l" rtl="0">
                 <a:spcBef>
                   <a:spcPts val="0"/>
                 </a:spcBef>
@@ -4102,9 +4148,6 @@
                 </a:spcAft>
                 <a:buNone/>
               </a:pPr>
-              <a:r>
-                <a:t/>
-              </a:r>
               <a:endParaRPr/>
             </a:p>
           </p:txBody>
@@ -4122,7 +4165,7 @@
             </a:xfrm>
             <a:prstGeom prst="parallelogram">
               <a:avLst>
-                <a:gd fmla="val 158024" name="adj"/>
+                <a:gd name="adj" fmla="val 158024"/>
               </a:avLst>
             </a:prstGeom>
             <a:solidFill>
@@ -4133,12 +4176,12 @@
             </a:ln>
           </p:spPr>
           <p:txBody>
-            <a:bodyPr anchorCtr="0" anchor="ctr" bIns="91425" lIns="91425" spcFirstLastPara="1" rIns="91425" wrap="square" tIns="91425">
+            <a:bodyPr spcFirstLastPara="1" wrap="square" lIns="91425" tIns="91425" rIns="91425" bIns="91425" anchor="ctr" anchorCtr="0">
               <a:noAutofit/>
             </a:bodyPr>
             <a:lstStyle/>
             <a:p>
-              <a:pPr indent="0" lvl="0" marL="0" rtl="0" algn="l">
+              <a:pPr marL="0" lvl="0" indent="0" algn="l" rtl="0">
                 <a:spcBef>
                   <a:spcPts val="0"/>
                 </a:spcBef>
@@ -4147,9 +4190,6 @@
                 </a:spcAft>
                 <a:buNone/>
               </a:pPr>
-              <a:r>
-                <a:t/>
-              </a:r>
               <a:endParaRPr/>
             </a:p>
           </p:txBody>
@@ -4167,7 +4207,7 @@
             </a:xfrm>
             <a:prstGeom prst="parallelogram">
               <a:avLst>
-                <a:gd fmla="val 158024" name="adj"/>
+                <a:gd name="adj" fmla="val 158024"/>
               </a:avLst>
             </a:prstGeom>
             <a:solidFill>
@@ -4178,12 +4218,12 @@
             </a:ln>
           </p:spPr>
           <p:txBody>
-            <a:bodyPr anchorCtr="0" anchor="ctr" bIns="91425" lIns="91425" spcFirstLastPara="1" rIns="91425" wrap="square" tIns="91425">
+            <a:bodyPr spcFirstLastPara="1" wrap="square" lIns="91425" tIns="91425" rIns="91425" bIns="91425" anchor="ctr" anchorCtr="0">
               <a:noAutofit/>
             </a:bodyPr>
             <a:lstStyle/>
             <a:p>
-              <a:pPr indent="0" lvl="0" marL="0" rtl="0" algn="l">
+              <a:pPr marL="0" lvl="0" indent="0" algn="l" rtl="0">
                 <a:spcBef>
                   <a:spcPts val="0"/>
                 </a:spcBef>
@@ -4192,9 +4232,6 @@
                 </a:spcAft>
                 <a:buNone/>
               </a:pPr>
-              <a:r>
-                <a:t/>
-              </a:r>
               <a:endParaRPr/>
             </a:p>
           </p:txBody>
@@ -4203,7 +4240,9 @@
       <p:sp>
         <p:nvSpPr>
           <p:cNvPr id="47" name="Google Shape;47;p3"/>
-          <p:cNvSpPr txBox="1"/>
+          <p:cNvSpPr txBox="1">
+            <a:spLocks noGrp="1"/>
+          </p:cNvSpPr>
           <p:nvPr>
             <p:ph type="title"/>
           </p:nvPr>
@@ -4218,7 +4257,7 @@
           </a:prstGeom>
         </p:spPr>
         <p:txBody>
-          <a:bodyPr anchorCtr="0" anchor="ctr" bIns="91425" lIns="91425" spcFirstLastPara="1" rIns="91425" wrap="square" tIns="91425"/>
+          <a:bodyPr spcFirstLastPara="1" wrap="square" lIns="91425" tIns="91425" rIns="91425" bIns="91425" anchor="ctr" anchorCtr="0"/>
           <a:lstStyle>
             <a:lvl1pPr lvl="0" algn="ctr">
               <a:spcBef>
@@ -4383,15 +4422,19 @@
               </a:defRPr>
             </a:lvl9pPr>
           </a:lstStyle>
-          <a:p/>
+          <a:p>
+            <a:endParaRPr/>
+          </a:p>
         </p:txBody>
       </p:sp>
       <p:sp>
         <p:nvSpPr>
           <p:cNvPr id="48" name="Google Shape;48;p3"/>
-          <p:cNvSpPr txBox="1"/>
+          <p:cNvSpPr txBox="1">
+            <a:spLocks noGrp="1"/>
+          </p:cNvSpPr>
           <p:nvPr>
-            <p:ph idx="12" type="sldNum"/>
+            <p:ph type="sldNum" idx="12"/>
           </p:nvPr>
         </p:nvSpPr>
         <p:spPr>
@@ -4404,7 +4447,7 @@
           </a:prstGeom>
         </p:spPr>
         <p:txBody>
-          <a:bodyPr anchorCtr="0" anchor="ctr" bIns="91425" lIns="91425" spcFirstLastPara="1" rIns="91425" wrap="square" tIns="91425">
+          <a:bodyPr spcFirstLastPara="1" wrap="square" lIns="91425" tIns="91425" rIns="91425" bIns="91425" anchor="ctr" anchorCtr="0">
             <a:noAutofit/>
           </a:bodyPr>
           <a:lstStyle>
@@ -4446,7 +4489,7 @@
             </a:lvl9pPr>
           </a:lstStyle>
           <a:p>
-            <a:pPr indent="0" lvl="0" marL="0" rtl="0" algn="r">
+            <a:pPr marL="0" lvl="0" indent="0" algn="r" rtl="0">
               <a:spcBef>
                 <a:spcPts val="0"/>
               </a:spcBef>
@@ -4472,18 +4515,19 @@
 </file>
 
 <file path=ppt/slideLayouts/slideLayout3.xml><?xml version="1.0" encoding="utf-8"?>
-<p:sldLayout xmlns:a="http://schemas.openxmlformats.org/drawingml/2006/main" xmlns:r="http://schemas.openxmlformats.org/officeDocument/2006/relationships" xmlns:mc="http://schemas.openxmlformats.org/markup-compatibility/2006" xmlns:mv="urn:schemas-microsoft-com:mac:vml" xmlns:p="http://schemas.openxmlformats.org/presentationml/2006/main" xmlns:c="http://schemas.openxmlformats.org/drawingml/2006/chart" xmlns:dgm="http://schemas.openxmlformats.org/drawingml/2006/diagram" xmlns:o="urn:schemas-microsoft-com:office:office" xmlns:v="urn:schemas-microsoft-com:vml" xmlns:pvml="urn:schemas-microsoft-com:office:powerpoint" xmlns:com="http://schemas.openxmlformats.org/drawingml/2006/compatibility" xmlns:p14="http://schemas.microsoft.com/office/powerpoint/2010/main" xmlns:p15="http://schemas.microsoft.com/office/powerpoint/2012/main" matchingName="Title and body" type="tx">
+<p:sldLayout xmlns:a="http://schemas.openxmlformats.org/drawingml/2006/main" xmlns:r="http://schemas.openxmlformats.org/officeDocument/2006/relationships" xmlns:p="http://schemas.openxmlformats.org/presentationml/2006/main" matchingName="Title and body" type="tx">
   <p:cSld name="TITLE_AND_BODY">
     <p:bg>
       <p:bgPr>
         <a:solidFill>
           <a:schemeClr val="dk2"/>
         </a:solidFill>
+        <a:effectLst/>
       </p:bgPr>
     </p:bg>
     <p:spTree>
       <p:nvGrpSpPr>
-        <p:cNvPr id="49" name="Shape 49"/>
+        <p:cNvPr id="1" name="Shape 49"/>
         <p:cNvGrpSpPr/>
         <p:nvPr/>
       </p:nvGrpSpPr>
@@ -4517,12 +4561,12 @@
           </a:ln>
         </p:spPr>
         <p:txBody>
-          <a:bodyPr anchorCtr="0" anchor="ctr" bIns="91425" lIns="91425" spcFirstLastPara="1" rIns="91425" wrap="square" tIns="91425">
+          <a:bodyPr spcFirstLastPara="1" wrap="square" lIns="91425" tIns="91425" rIns="91425" bIns="91425" anchor="ctr" anchorCtr="0">
             <a:noAutofit/>
           </a:bodyPr>
           <a:lstStyle/>
           <a:p>
-            <a:pPr indent="0" lvl="0" marL="0" rtl="0" algn="l">
+            <a:pPr marL="0" lvl="0" indent="0" algn="l" rtl="0">
               <a:spcBef>
                 <a:spcPts val="0"/>
               </a:spcBef>
@@ -4531,9 +4575,6 @@
               </a:spcAft>
               <a:buNone/>
             </a:pPr>
-            <a:r>
-              <a:t/>
-            </a:r>
             <a:endParaRPr/>
           </a:p>
         </p:txBody>
@@ -4560,12 +4601,12 @@
           </a:ln>
         </p:spPr>
         <p:txBody>
-          <a:bodyPr anchorCtr="0" anchor="ctr" bIns="91425" lIns="91425" spcFirstLastPara="1" rIns="91425" wrap="square" tIns="91425">
+          <a:bodyPr spcFirstLastPara="1" wrap="square" lIns="91425" tIns="91425" rIns="91425" bIns="91425" anchor="ctr" anchorCtr="0">
             <a:noAutofit/>
           </a:bodyPr>
           <a:lstStyle/>
           <a:p>
-            <a:pPr indent="0" lvl="0" marL="0" rtl="0" algn="l">
+            <a:pPr marL="0" lvl="0" indent="0" algn="l" rtl="0">
               <a:spcBef>
                 <a:spcPts val="0"/>
               </a:spcBef>
@@ -4574,9 +4615,6 @@
               </a:spcAft>
               <a:buNone/>
             </a:pPr>
-            <a:r>
-              <a:t/>
-            </a:r>
             <a:endParaRPr/>
           </a:p>
         </p:txBody>
@@ -4602,7 +4640,7 @@
             <a:noFill/>
           </a:ln>
           <a:effectLst>
-            <a:outerShdw blurRad="228600" sx="101000" rotWithShape="0" algn="ctr" sy="101000">
+            <a:outerShdw blurRad="228600" sx="101000" sy="101000" algn="ctr" rotWithShape="0">
               <a:srgbClr val="000000">
                 <a:alpha val="40000"/>
               </a:srgbClr>
@@ -4610,12 +4648,12 @@
           </a:effectLst>
         </p:spPr>
         <p:txBody>
-          <a:bodyPr anchorCtr="0" anchor="ctr" bIns="91425" lIns="91425" spcFirstLastPara="1" rIns="91425" wrap="square" tIns="91425">
+          <a:bodyPr spcFirstLastPara="1" wrap="square" lIns="91425" tIns="91425" rIns="91425" bIns="91425" anchor="ctr" anchorCtr="0">
             <a:noAutofit/>
           </a:bodyPr>
           <a:lstStyle/>
           <a:p>
-            <a:pPr indent="0" lvl="0" marL="0" rtl="0" algn="l">
+            <a:pPr marL="0" lvl="0" indent="0" algn="l" rtl="0">
               <a:spcBef>
                 <a:spcPts val="0"/>
               </a:spcBef>
@@ -4624,9 +4662,6 @@
               </a:spcAft>
               <a:buNone/>
             </a:pPr>
-            <a:r>
-              <a:t/>
-            </a:r>
             <a:endParaRPr/>
           </a:p>
         </p:txBody>
@@ -4634,7 +4669,9 @@
       <p:sp>
         <p:nvSpPr>
           <p:cNvPr id="53" name="Google Shape;53;p4"/>
-          <p:cNvSpPr txBox="1"/>
+          <p:cNvSpPr txBox="1">
+            <a:spLocks noGrp="1"/>
+          </p:cNvSpPr>
           <p:nvPr>
             <p:ph type="title"/>
           </p:nvPr>
@@ -4649,7 +4686,7 @@
           </a:prstGeom>
         </p:spPr>
         <p:txBody>
-          <a:bodyPr anchorCtr="0" anchor="t" bIns="91425" lIns="91425" spcFirstLastPara="1" rIns="91425" wrap="square" tIns="91425"/>
+          <a:bodyPr spcFirstLastPara="1" wrap="square" lIns="91425" tIns="91425" rIns="91425" bIns="91425" anchor="t" anchorCtr="0"/>
           <a:lstStyle>
             <a:lvl1pPr lvl="0">
               <a:spcBef>
@@ -4751,15 +4788,19 @@
               <a:defRPr sz="3000"/>
             </a:lvl9pPr>
           </a:lstStyle>
-          <a:p/>
+          <a:p>
+            <a:endParaRPr/>
+          </a:p>
         </p:txBody>
       </p:sp>
       <p:sp>
         <p:nvSpPr>
           <p:cNvPr id="54" name="Google Shape;54;p4"/>
-          <p:cNvSpPr txBox="1"/>
+          <p:cNvSpPr txBox="1">
+            <a:spLocks noGrp="1"/>
+          </p:cNvSpPr>
           <p:nvPr>
-            <p:ph idx="1" type="body"/>
+            <p:ph type="body" idx="1"/>
           </p:nvPr>
         </p:nvSpPr>
         <p:spPr>
@@ -4772,9 +4813,9 @@
           </a:prstGeom>
         </p:spPr>
         <p:txBody>
-          <a:bodyPr anchorCtr="0" anchor="t" bIns="91425" lIns="91425" spcFirstLastPara="1" rIns="91425" wrap="square" tIns="91425"/>
+          <a:bodyPr spcFirstLastPara="1" wrap="square" lIns="91425" tIns="91425" rIns="91425" bIns="91425" anchor="t" anchorCtr="0"/>
           <a:lstStyle>
-            <a:lvl1pPr indent="-311150" lvl="0" marL="457200">
+            <a:lvl1pPr marL="457200" lvl="0" indent="-311150">
               <a:spcBef>
                 <a:spcPts val="0"/>
               </a:spcBef>
@@ -4785,7 +4826,7 @@
               <a:buChar char="●"/>
               <a:defRPr/>
             </a:lvl1pPr>
-            <a:lvl2pPr indent="-298450" lvl="1" marL="914400">
+            <a:lvl2pPr marL="914400" lvl="1" indent="-298450">
               <a:spcBef>
                 <a:spcPts val="1600"/>
               </a:spcBef>
@@ -4796,7 +4837,7 @@
               <a:buChar char="○"/>
               <a:defRPr/>
             </a:lvl2pPr>
-            <a:lvl3pPr indent="-298450" lvl="2" marL="1371600">
+            <a:lvl3pPr marL="1371600" lvl="2" indent="-298450">
               <a:spcBef>
                 <a:spcPts val="1600"/>
               </a:spcBef>
@@ -4807,7 +4848,7 @@
               <a:buChar char="■"/>
               <a:defRPr/>
             </a:lvl3pPr>
-            <a:lvl4pPr indent="-298450" lvl="3" marL="1828800">
+            <a:lvl4pPr marL="1828800" lvl="3" indent="-298450">
               <a:spcBef>
                 <a:spcPts val="1600"/>
               </a:spcBef>
@@ -4818,7 +4859,7 @@
               <a:buChar char="●"/>
               <a:defRPr/>
             </a:lvl4pPr>
-            <a:lvl5pPr indent="-298450" lvl="4" marL="2286000">
+            <a:lvl5pPr marL="2286000" lvl="4" indent="-298450">
               <a:spcBef>
                 <a:spcPts val="1600"/>
               </a:spcBef>
@@ -4829,7 +4870,7 @@
               <a:buChar char="○"/>
               <a:defRPr/>
             </a:lvl5pPr>
-            <a:lvl6pPr indent="-298450" lvl="5" marL="2743200">
+            <a:lvl6pPr marL="2743200" lvl="5" indent="-298450">
               <a:spcBef>
                 <a:spcPts val="1600"/>
               </a:spcBef>
@@ -4840,7 +4881,7 @@
               <a:buChar char="■"/>
               <a:defRPr/>
             </a:lvl6pPr>
-            <a:lvl7pPr indent="-298450" lvl="6" marL="3200400">
+            <a:lvl7pPr marL="3200400" lvl="6" indent="-298450">
               <a:spcBef>
                 <a:spcPts val="1600"/>
               </a:spcBef>
@@ -4851,7 +4892,7 @@
               <a:buChar char="●"/>
               <a:defRPr/>
             </a:lvl7pPr>
-            <a:lvl8pPr indent="-298450" lvl="7" marL="3657600">
+            <a:lvl8pPr marL="3657600" lvl="7" indent="-298450">
               <a:spcBef>
                 <a:spcPts val="1600"/>
               </a:spcBef>
@@ -4862,7 +4903,7 @@
               <a:buChar char="○"/>
               <a:defRPr/>
             </a:lvl8pPr>
-            <a:lvl9pPr indent="-298450" lvl="8" marL="4114800">
+            <a:lvl9pPr marL="4114800" lvl="8" indent="-298450">
               <a:spcBef>
                 <a:spcPts val="1600"/>
               </a:spcBef>
@@ -4874,15 +4915,19 @@
               <a:defRPr/>
             </a:lvl9pPr>
           </a:lstStyle>
-          <a:p/>
+          <a:p>
+            <a:endParaRPr/>
+          </a:p>
         </p:txBody>
       </p:sp>
       <p:sp>
         <p:nvSpPr>
           <p:cNvPr id="55" name="Google Shape;55;p4"/>
-          <p:cNvSpPr txBox="1"/>
+          <p:cNvSpPr txBox="1">
+            <a:spLocks noGrp="1"/>
+          </p:cNvSpPr>
           <p:nvPr>
-            <p:ph idx="12" type="sldNum"/>
+            <p:ph type="sldNum" idx="12"/>
           </p:nvPr>
         </p:nvSpPr>
         <p:spPr>
@@ -4895,7 +4940,7 @@
           </a:prstGeom>
         </p:spPr>
         <p:txBody>
-          <a:bodyPr anchorCtr="0" anchor="ctr" bIns="91425" lIns="91425" spcFirstLastPara="1" rIns="91425" wrap="square" tIns="91425">
+          <a:bodyPr spcFirstLastPara="1" wrap="square" lIns="91425" tIns="91425" rIns="91425" bIns="91425" anchor="ctr" anchorCtr="0">
             <a:noAutofit/>
           </a:bodyPr>
           <a:lstStyle>
@@ -4937,7 +4982,7 @@
             </a:lvl9pPr>
           </a:lstStyle>
           <a:p>
-            <a:pPr indent="0" lvl="0" marL="0" rtl="0" algn="r">
+            <a:pPr marL="0" lvl="0" indent="0" algn="r" rtl="0">
               <a:spcBef>
                 <a:spcPts val="0"/>
               </a:spcBef>
@@ -4963,18 +5008,19 @@
 </file>
 
 <file path=ppt/slideLayouts/slideLayout4.xml><?xml version="1.0" encoding="utf-8"?>
-<p:sldLayout xmlns:a="http://schemas.openxmlformats.org/drawingml/2006/main" xmlns:r="http://schemas.openxmlformats.org/officeDocument/2006/relationships" xmlns:mc="http://schemas.openxmlformats.org/markup-compatibility/2006" xmlns:mv="urn:schemas-microsoft-com:mac:vml" xmlns:p="http://schemas.openxmlformats.org/presentationml/2006/main" xmlns:c="http://schemas.openxmlformats.org/drawingml/2006/chart" xmlns:dgm="http://schemas.openxmlformats.org/drawingml/2006/diagram" xmlns:o="urn:schemas-microsoft-com:office:office" xmlns:v="urn:schemas-microsoft-com:vml" xmlns:pvml="urn:schemas-microsoft-com:office:powerpoint" xmlns:com="http://schemas.openxmlformats.org/drawingml/2006/compatibility" xmlns:p14="http://schemas.microsoft.com/office/powerpoint/2010/main" xmlns:p15="http://schemas.microsoft.com/office/powerpoint/2012/main" matchingName="Title and two columns" type="twoColTx">
+<p:sldLayout xmlns:a="http://schemas.openxmlformats.org/drawingml/2006/main" xmlns:r="http://schemas.openxmlformats.org/officeDocument/2006/relationships" xmlns:p="http://schemas.openxmlformats.org/presentationml/2006/main" matchingName="Title and two columns" type="twoColTx">
   <p:cSld name="TITLE_AND_TWO_COLUMNS">
     <p:bg>
       <p:bgPr>
         <a:solidFill>
           <a:schemeClr val="dk2"/>
         </a:solidFill>
+        <a:effectLst/>
       </p:bgPr>
     </p:bg>
     <p:spTree>
       <p:nvGrpSpPr>
-        <p:cNvPr id="56" name="Shape 56"/>
+        <p:cNvPr id="1" name="Shape 56"/>
         <p:cNvGrpSpPr/>
         <p:nvPr/>
       </p:nvGrpSpPr>
@@ -5008,12 +5054,12 @@
           </a:ln>
         </p:spPr>
         <p:txBody>
-          <a:bodyPr anchorCtr="0" anchor="ctr" bIns="91425" lIns="91425" spcFirstLastPara="1" rIns="91425" wrap="square" tIns="91425">
+          <a:bodyPr spcFirstLastPara="1" wrap="square" lIns="91425" tIns="91425" rIns="91425" bIns="91425" anchor="ctr" anchorCtr="0">
             <a:noAutofit/>
           </a:bodyPr>
           <a:lstStyle/>
           <a:p>
-            <a:pPr indent="0" lvl="0" marL="0" rtl="0" algn="l">
+            <a:pPr marL="0" lvl="0" indent="0" algn="l" rtl="0">
               <a:spcBef>
                 <a:spcPts val="0"/>
               </a:spcBef>
@@ -5022,9 +5068,6 @@
               </a:spcAft>
               <a:buNone/>
             </a:pPr>
-            <a:r>
-              <a:t/>
-            </a:r>
             <a:endParaRPr/>
           </a:p>
         </p:txBody>
@@ -5051,12 +5094,12 @@
           </a:ln>
         </p:spPr>
         <p:txBody>
-          <a:bodyPr anchorCtr="0" anchor="ctr" bIns="91425" lIns="91425" spcFirstLastPara="1" rIns="91425" wrap="square" tIns="91425">
+          <a:bodyPr spcFirstLastPara="1" wrap="square" lIns="91425" tIns="91425" rIns="91425" bIns="91425" anchor="ctr" anchorCtr="0">
             <a:noAutofit/>
           </a:bodyPr>
           <a:lstStyle/>
           <a:p>
-            <a:pPr indent="0" lvl="0" marL="0" rtl="0" algn="l">
+            <a:pPr marL="0" lvl="0" indent="0" algn="l" rtl="0">
               <a:spcBef>
                 <a:spcPts val="0"/>
               </a:spcBef>
@@ -5065,9 +5108,6 @@
               </a:spcAft>
               <a:buNone/>
             </a:pPr>
-            <a:r>
-              <a:t/>
-            </a:r>
             <a:endParaRPr/>
           </a:p>
         </p:txBody>
@@ -5093,7 +5133,7 @@
             <a:noFill/>
           </a:ln>
           <a:effectLst>
-            <a:outerShdw blurRad="228600" sx="101000" rotWithShape="0" algn="ctr" sy="101000">
+            <a:outerShdw blurRad="228600" sx="101000" sy="101000" algn="ctr" rotWithShape="0">
               <a:srgbClr val="000000">
                 <a:alpha val="40000"/>
               </a:srgbClr>
@@ -5101,12 +5141,12 @@
           </a:effectLst>
         </p:spPr>
         <p:txBody>
-          <a:bodyPr anchorCtr="0" anchor="ctr" bIns="91425" lIns="91425" spcFirstLastPara="1" rIns="91425" wrap="square" tIns="91425">
+          <a:bodyPr spcFirstLastPara="1" wrap="square" lIns="91425" tIns="91425" rIns="91425" bIns="91425" anchor="ctr" anchorCtr="0">
             <a:noAutofit/>
           </a:bodyPr>
           <a:lstStyle/>
           <a:p>
-            <a:pPr indent="0" lvl="0" marL="0" rtl="0" algn="l">
+            <a:pPr marL="0" lvl="0" indent="0" algn="l" rtl="0">
               <a:spcBef>
                 <a:spcPts val="0"/>
               </a:spcBef>
@@ -5115,9 +5155,6 @@
               </a:spcAft>
               <a:buNone/>
             </a:pPr>
-            <a:r>
-              <a:t/>
-            </a:r>
             <a:endParaRPr/>
           </a:p>
         </p:txBody>
@@ -5125,7 +5162,9 @@
       <p:sp>
         <p:nvSpPr>
           <p:cNvPr id="60" name="Google Shape;60;p5"/>
-          <p:cNvSpPr txBox="1"/>
+          <p:cNvSpPr txBox="1">
+            <a:spLocks noGrp="1"/>
+          </p:cNvSpPr>
           <p:nvPr>
             <p:ph type="title"/>
           </p:nvPr>
@@ -5140,7 +5179,7 @@
           </a:prstGeom>
         </p:spPr>
         <p:txBody>
-          <a:bodyPr anchorCtr="0" anchor="t" bIns="91425" lIns="91425" spcFirstLastPara="1" rIns="91425" wrap="square" tIns="91425"/>
+          <a:bodyPr spcFirstLastPara="1" wrap="square" lIns="91425" tIns="91425" rIns="91425" bIns="91425" anchor="t" anchorCtr="0"/>
           <a:lstStyle>
             <a:lvl1pPr lvl="0">
               <a:spcBef>
@@ -5242,15 +5281,19 @@
               <a:defRPr sz="3000"/>
             </a:lvl9pPr>
           </a:lstStyle>
-          <a:p/>
+          <a:p>
+            <a:endParaRPr/>
+          </a:p>
         </p:txBody>
       </p:sp>
       <p:sp>
         <p:nvSpPr>
           <p:cNvPr id="61" name="Google Shape;61;p5"/>
-          <p:cNvSpPr txBox="1"/>
+          <p:cNvSpPr txBox="1">
+            <a:spLocks noGrp="1"/>
+          </p:cNvSpPr>
           <p:nvPr>
-            <p:ph idx="1" type="body"/>
+            <p:ph type="body" idx="1"/>
           </p:nvPr>
         </p:nvSpPr>
         <p:spPr>
@@ -5263,9 +5306,9 @@
           </a:prstGeom>
         </p:spPr>
         <p:txBody>
-          <a:bodyPr anchorCtr="0" anchor="t" bIns="91425" lIns="91425" spcFirstLastPara="1" rIns="91425" wrap="square" tIns="91425"/>
+          <a:bodyPr spcFirstLastPara="1" wrap="square" lIns="91425" tIns="91425" rIns="91425" bIns="91425" anchor="t" anchorCtr="0"/>
           <a:lstStyle>
-            <a:lvl1pPr indent="-311150" lvl="0" marL="457200">
+            <a:lvl1pPr marL="457200" lvl="0" indent="-311150">
               <a:spcBef>
                 <a:spcPts val="0"/>
               </a:spcBef>
@@ -5276,7 +5319,7 @@
               <a:buChar char="●"/>
               <a:defRPr/>
             </a:lvl1pPr>
-            <a:lvl2pPr indent="-298450" lvl="1" marL="914400">
+            <a:lvl2pPr marL="914400" lvl="1" indent="-298450">
               <a:spcBef>
                 <a:spcPts val="1600"/>
               </a:spcBef>
@@ -5287,7 +5330,7 @@
               <a:buChar char="○"/>
               <a:defRPr/>
             </a:lvl2pPr>
-            <a:lvl3pPr indent="-298450" lvl="2" marL="1371600">
+            <a:lvl3pPr marL="1371600" lvl="2" indent="-298450">
               <a:spcBef>
                 <a:spcPts val="1600"/>
               </a:spcBef>
@@ -5298,7 +5341,7 @@
               <a:buChar char="■"/>
               <a:defRPr/>
             </a:lvl3pPr>
-            <a:lvl4pPr indent="-298450" lvl="3" marL="1828800">
+            <a:lvl4pPr marL="1828800" lvl="3" indent="-298450">
               <a:spcBef>
                 <a:spcPts val="1600"/>
               </a:spcBef>
@@ -5309,7 +5352,7 @@
               <a:buChar char="●"/>
               <a:defRPr/>
             </a:lvl4pPr>
-            <a:lvl5pPr indent="-298450" lvl="4" marL="2286000">
+            <a:lvl5pPr marL="2286000" lvl="4" indent="-298450">
               <a:spcBef>
                 <a:spcPts val="1600"/>
               </a:spcBef>
@@ -5320,7 +5363,7 @@
               <a:buChar char="○"/>
               <a:defRPr/>
             </a:lvl5pPr>
-            <a:lvl6pPr indent="-298450" lvl="5" marL="2743200">
+            <a:lvl6pPr marL="2743200" lvl="5" indent="-298450">
               <a:spcBef>
                 <a:spcPts val="1600"/>
               </a:spcBef>
@@ -5331,7 +5374,7 @@
               <a:buChar char="■"/>
               <a:defRPr/>
             </a:lvl6pPr>
-            <a:lvl7pPr indent="-298450" lvl="6" marL="3200400">
+            <a:lvl7pPr marL="3200400" lvl="6" indent="-298450">
               <a:spcBef>
                 <a:spcPts val="1600"/>
               </a:spcBef>
@@ -5342,7 +5385,7 @@
               <a:buChar char="●"/>
               <a:defRPr/>
             </a:lvl7pPr>
-            <a:lvl8pPr indent="-298450" lvl="7" marL="3657600">
+            <a:lvl8pPr marL="3657600" lvl="7" indent="-298450">
               <a:spcBef>
                 <a:spcPts val="1600"/>
               </a:spcBef>
@@ -5353,7 +5396,7 @@
               <a:buChar char="○"/>
               <a:defRPr/>
             </a:lvl8pPr>
-            <a:lvl9pPr indent="-298450" lvl="8" marL="4114800">
+            <a:lvl9pPr marL="4114800" lvl="8" indent="-298450">
               <a:spcBef>
                 <a:spcPts val="1600"/>
               </a:spcBef>
@@ -5365,15 +5408,19 @@
               <a:defRPr/>
             </a:lvl9pPr>
           </a:lstStyle>
-          <a:p/>
+          <a:p>
+            <a:endParaRPr/>
+          </a:p>
         </p:txBody>
       </p:sp>
       <p:sp>
         <p:nvSpPr>
           <p:cNvPr id="62" name="Google Shape;62;p5"/>
-          <p:cNvSpPr txBox="1"/>
+          <p:cNvSpPr txBox="1">
+            <a:spLocks noGrp="1"/>
+          </p:cNvSpPr>
           <p:nvPr>
-            <p:ph idx="2" type="body"/>
+            <p:ph type="body" idx="2"/>
           </p:nvPr>
         </p:nvSpPr>
         <p:spPr>
@@ -5386,9 +5433,9 @@
           </a:prstGeom>
         </p:spPr>
         <p:txBody>
-          <a:bodyPr anchorCtr="0" anchor="t" bIns="91425" lIns="91425" spcFirstLastPara="1" rIns="91425" wrap="square" tIns="91425"/>
+          <a:bodyPr spcFirstLastPara="1" wrap="square" lIns="91425" tIns="91425" rIns="91425" bIns="91425" anchor="t" anchorCtr="0"/>
           <a:lstStyle>
-            <a:lvl1pPr indent="-311150" lvl="0" marL="457200">
+            <a:lvl1pPr marL="457200" lvl="0" indent="-311150">
               <a:spcBef>
                 <a:spcPts val="0"/>
               </a:spcBef>
@@ -5399,7 +5446,7 @@
               <a:buChar char="●"/>
               <a:defRPr/>
             </a:lvl1pPr>
-            <a:lvl2pPr indent="-298450" lvl="1" marL="914400">
+            <a:lvl2pPr marL="914400" lvl="1" indent="-298450">
               <a:spcBef>
                 <a:spcPts val="1600"/>
               </a:spcBef>
@@ -5410,7 +5457,7 @@
               <a:buChar char="○"/>
               <a:defRPr/>
             </a:lvl2pPr>
-            <a:lvl3pPr indent="-298450" lvl="2" marL="1371600">
+            <a:lvl3pPr marL="1371600" lvl="2" indent="-298450">
               <a:spcBef>
                 <a:spcPts val="1600"/>
               </a:spcBef>
@@ -5421,7 +5468,7 @@
               <a:buChar char="■"/>
               <a:defRPr/>
             </a:lvl3pPr>
-            <a:lvl4pPr indent="-298450" lvl="3" marL="1828800">
+            <a:lvl4pPr marL="1828800" lvl="3" indent="-298450">
               <a:spcBef>
                 <a:spcPts val="1600"/>
               </a:spcBef>
@@ -5432,7 +5479,7 @@
               <a:buChar char="●"/>
               <a:defRPr/>
             </a:lvl4pPr>
-            <a:lvl5pPr indent="-298450" lvl="4" marL="2286000">
+            <a:lvl5pPr marL="2286000" lvl="4" indent="-298450">
               <a:spcBef>
                 <a:spcPts val="1600"/>
               </a:spcBef>
@@ -5443,7 +5490,7 @@
               <a:buChar char="○"/>
               <a:defRPr/>
             </a:lvl5pPr>
-            <a:lvl6pPr indent="-298450" lvl="5" marL="2743200">
+            <a:lvl6pPr marL="2743200" lvl="5" indent="-298450">
               <a:spcBef>
                 <a:spcPts val="1600"/>
               </a:spcBef>
@@ -5454,7 +5501,7 @@
               <a:buChar char="■"/>
               <a:defRPr/>
             </a:lvl6pPr>
-            <a:lvl7pPr indent="-298450" lvl="6" marL="3200400">
+            <a:lvl7pPr marL="3200400" lvl="6" indent="-298450">
               <a:spcBef>
                 <a:spcPts val="1600"/>
               </a:spcBef>
@@ -5465,7 +5512,7 @@
               <a:buChar char="●"/>
               <a:defRPr/>
             </a:lvl7pPr>
-            <a:lvl8pPr indent="-298450" lvl="7" marL="3657600">
+            <a:lvl8pPr marL="3657600" lvl="7" indent="-298450">
               <a:spcBef>
                 <a:spcPts val="1600"/>
               </a:spcBef>
@@ -5476,7 +5523,7 @@
               <a:buChar char="○"/>
               <a:defRPr/>
             </a:lvl8pPr>
-            <a:lvl9pPr indent="-298450" lvl="8" marL="4114800">
+            <a:lvl9pPr marL="4114800" lvl="8" indent="-298450">
               <a:spcBef>
                 <a:spcPts val="1600"/>
               </a:spcBef>
@@ -5488,15 +5535,19 @@
               <a:defRPr/>
             </a:lvl9pPr>
           </a:lstStyle>
-          <a:p/>
+          <a:p>
+            <a:endParaRPr/>
+          </a:p>
         </p:txBody>
       </p:sp>
       <p:sp>
         <p:nvSpPr>
           <p:cNvPr id="63" name="Google Shape;63;p5"/>
-          <p:cNvSpPr txBox="1"/>
+          <p:cNvSpPr txBox="1">
+            <a:spLocks noGrp="1"/>
+          </p:cNvSpPr>
           <p:nvPr>
-            <p:ph idx="12" type="sldNum"/>
+            <p:ph type="sldNum" idx="12"/>
           </p:nvPr>
         </p:nvSpPr>
         <p:spPr>
@@ -5509,7 +5560,7 @@
           </a:prstGeom>
         </p:spPr>
         <p:txBody>
-          <a:bodyPr anchorCtr="0" anchor="ctr" bIns="91425" lIns="91425" spcFirstLastPara="1" rIns="91425" wrap="square" tIns="91425">
+          <a:bodyPr spcFirstLastPara="1" wrap="square" lIns="91425" tIns="91425" rIns="91425" bIns="91425" anchor="ctr" anchorCtr="0">
             <a:noAutofit/>
           </a:bodyPr>
           <a:lstStyle>
@@ -5551,7 +5602,7 @@
             </a:lvl9pPr>
           </a:lstStyle>
           <a:p>
-            <a:pPr indent="0" lvl="0" marL="0" rtl="0" algn="r">
+            <a:pPr marL="0" lvl="0" indent="0" algn="r" rtl="0">
               <a:spcBef>
                 <a:spcPts val="0"/>
               </a:spcBef>
@@ -5577,18 +5628,19 @@
 </file>
 
 <file path=ppt/slideLayouts/slideLayout5.xml><?xml version="1.0" encoding="utf-8"?>
-<p:sldLayout xmlns:a="http://schemas.openxmlformats.org/drawingml/2006/main" xmlns:r="http://schemas.openxmlformats.org/officeDocument/2006/relationships" xmlns:mc="http://schemas.openxmlformats.org/markup-compatibility/2006" xmlns:mv="urn:schemas-microsoft-com:mac:vml" xmlns:p="http://schemas.openxmlformats.org/presentationml/2006/main" xmlns:c="http://schemas.openxmlformats.org/drawingml/2006/chart" xmlns:dgm="http://schemas.openxmlformats.org/drawingml/2006/diagram" xmlns:o="urn:schemas-microsoft-com:office:office" xmlns:v="urn:schemas-microsoft-com:vml" xmlns:pvml="urn:schemas-microsoft-com:office:powerpoint" xmlns:com="http://schemas.openxmlformats.org/drawingml/2006/compatibility" xmlns:p14="http://schemas.microsoft.com/office/powerpoint/2010/main" xmlns:p15="http://schemas.microsoft.com/office/powerpoint/2012/main" matchingName="Title only" type="titleOnly">
+<p:sldLayout xmlns:a="http://schemas.openxmlformats.org/drawingml/2006/main" xmlns:r="http://schemas.openxmlformats.org/officeDocument/2006/relationships" xmlns:p="http://schemas.openxmlformats.org/presentationml/2006/main" matchingName="Title only" type="titleOnly">
   <p:cSld name="TITLE_ONLY">
     <p:bg>
       <p:bgPr>
         <a:solidFill>
           <a:schemeClr val="dk2"/>
         </a:solidFill>
+        <a:effectLst/>
       </p:bgPr>
     </p:bg>
     <p:spTree>
       <p:nvGrpSpPr>
-        <p:cNvPr id="64" name="Shape 64"/>
+        <p:cNvPr id="1" name="Shape 64"/>
         <p:cNvGrpSpPr/>
         <p:nvPr/>
       </p:nvGrpSpPr>
@@ -5622,12 +5674,12 @@
           </a:ln>
         </p:spPr>
         <p:txBody>
-          <a:bodyPr anchorCtr="0" anchor="ctr" bIns="91425" lIns="91425" spcFirstLastPara="1" rIns="91425" wrap="square" tIns="91425">
+          <a:bodyPr spcFirstLastPara="1" wrap="square" lIns="91425" tIns="91425" rIns="91425" bIns="91425" anchor="ctr" anchorCtr="0">
             <a:noAutofit/>
           </a:bodyPr>
           <a:lstStyle/>
           <a:p>
-            <a:pPr indent="0" lvl="0" marL="0" rtl="0" algn="l">
+            <a:pPr marL="0" lvl="0" indent="0" algn="l" rtl="0">
               <a:spcBef>
                 <a:spcPts val="0"/>
               </a:spcBef>
@@ -5636,9 +5688,6 @@
               </a:spcAft>
               <a:buNone/>
             </a:pPr>
-            <a:r>
-              <a:t/>
-            </a:r>
             <a:endParaRPr/>
           </a:p>
         </p:txBody>
@@ -5665,12 +5714,12 @@
           </a:ln>
         </p:spPr>
         <p:txBody>
-          <a:bodyPr anchorCtr="0" anchor="ctr" bIns="91425" lIns="91425" spcFirstLastPara="1" rIns="91425" wrap="square" tIns="91425">
+          <a:bodyPr spcFirstLastPara="1" wrap="square" lIns="91425" tIns="91425" rIns="91425" bIns="91425" anchor="ctr" anchorCtr="0">
             <a:noAutofit/>
           </a:bodyPr>
           <a:lstStyle/>
           <a:p>
-            <a:pPr indent="0" lvl="0" marL="0" rtl="0" algn="l">
+            <a:pPr marL="0" lvl="0" indent="0" algn="l" rtl="0">
               <a:spcBef>
                 <a:spcPts val="0"/>
               </a:spcBef>
@@ -5679,9 +5728,6 @@
               </a:spcAft>
               <a:buNone/>
             </a:pPr>
-            <a:r>
-              <a:t/>
-            </a:r>
             <a:endParaRPr/>
           </a:p>
         </p:txBody>
@@ -5707,7 +5753,7 @@
             <a:noFill/>
           </a:ln>
           <a:effectLst>
-            <a:outerShdw blurRad="228600" sx="101000" rotWithShape="0" algn="ctr" sy="101000">
+            <a:outerShdw blurRad="228600" sx="101000" sy="101000" algn="ctr" rotWithShape="0">
               <a:srgbClr val="000000">
                 <a:alpha val="40000"/>
               </a:srgbClr>
@@ -5715,12 +5761,12 @@
           </a:effectLst>
         </p:spPr>
         <p:txBody>
-          <a:bodyPr anchorCtr="0" anchor="ctr" bIns="91425" lIns="91425" spcFirstLastPara="1" rIns="91425" wrap="square" tIns="91425">
+          <a:bodyPr spcFirstLastPara="1" wrap="square" lIns="91425" tIns="91425" rIns="91425" bIns="91425" anchor="ctr" anchorCtr="0">
             <a:noAutofit/>
           </a:bodyPr>
           <a:lstStyle/>
           <a:p>
-            <a:pPr indent="0" lvl="0" marL="0" rtl="0" algn="l">
+            <a:pPr marL="0" lvl="0" indent="0" algn="l" rtl="0">
               <a:spcBef>
                 <a:spcPts val="0"/>
               </a:spcBef>
@@ -5729,9 +5775,6 @@
               </a:spcAft>
               <a:buNone/>
             </a:pPr>
-            <a:r>
-              <a:t/>
-            </a:r>
             <a:endParaRPr/>
           </a:p>
         </p:txBody>
@@ -5739,7 +5782,9 @@
       <p:sp>
         <p:nvSpPr>
           <p:cNvPr id="68" name="Google Shape;68;p6"/>
-          <p:cNvSpPr txBox="1"/>
+          <p:cNvSpPr txBox="1">
+            <a:spLocks noGrp="1"/>
+          </p:cNvSpPr>
           <p:nvPr>
             <p:ph type="title"/>
           </p:nvPr>
@@ -5754,7 +5799,7 @@
           </a:prstGeom>
         </p:spPr>
         <p:txBody>
-          <a:bodyPr anchorCtr="0" anchor="t" bIns="91425" lIns="91425" spcFirstLastPara="1" rIns="91425" wrap="square" tIns="91425"/>
+          <a:bodyPr spcFirstLastPara="1" wrap="square" lIns="91425" tIns="91425" rIns="91425" bIns="91425" anchor="t" anchorCtr="0"/>
           <a:lstStyle>
             <a:lvl1pPr lvl="0">
               <a:spcBef>
@@ -5856,15 +5901,19 @@
               <a:defRPr sz="3000"/>
             </a:lvl9pPr>
           </a:lstStyle>
-          <a:p/>
+          <a:p>
+            <a:endParaRPr/>
+          </a:p>
         </p:txBody>
       </p:sp>
       <p:sp>
         <p:nvSpPr>
           <p:cNvPr id="69" name="Google Shape;69;p6"/>
-          <p:cNvSpPr txBox="1"/>
+          <p:cNvSpPr txBox="1">
+            <a:spLocks noGrp="1"/>
+          </p:cNvSpPr>
           <p:nvPr>
-            <p:ph idx="12" type="sldNum"/>
+            <p:ph type="sldNum" idx="12"/>
           </p:nvPr>
         </p:nvSpPr>
         <p:spPr>
@@ -5877,7 +5926,7 @@
           </a:prstGeom>
         </p:spPr>
         <p:txBody>
-          <a:bodyPr anchorCtr="0" anchor="ctr" bIns="91425" lIns="91425" spcFirstLastPara="1" rIns="91425" wrap="square" tIns="91425">
+          <a:bodyPr spcFirstLastPara="1" wrap="square" lIns="91425" tIns="91425" rIns="91425" bIns="91425" anchor="ctr" anchorCtr="0">
             <a:noAutofit/>
           </a:bodyPr>
           <a:lstStyle>
@@ -5919,7 +5968,7 @@
             </a:lvl9pPr>
           </a:lstStyle>
           <a:p>
-            <a:pPr indent="0" lvl="0" marL="0" rtl="0" algn="r">
+            <a:pPr marL="0" lvl="0" indent="0" algn="r" rtl="0">
               <a:spcBef>
                 <a:spcPts val="0"/>
               </a:spcBef>
@@ -5945,18 +5994,19 @@
 </file>
 
 <file path=ppt/slideLayouts/slideLayout6.xml><?xml version="1.0" encoding="utf-8"?>
-<p:sldLayout xmlns:a="http://schemas.openxmlformats.org/drawingml/2006/main" xmlns:r="http://schemas.openxmlformats.org/officeDocument/2006/relationships" xmlns:mc="http://schemas.openxmlformats.org/markup-compatibility/2006" xmlns:mv="urn:schemas-microsoft-com:mac:vml" xmlns:p="http://schemas.openxmlformats.org/presentationml/2006/main" xmlns:c="http://schemas.openxmlformats.org/drawingml/2006/chart" xmlns:dgm="http://schemas.openxmlformats.org/drawingml/2006/diagram" xmlns:o="urn:schemas-microsoft-com:office:office" xmlns:v="urn:schemas-microsoft-com:vml" xmlns:pvml="urn:schemas-microsoft-com:office:powerpoint" xmlns:com="http://schemas.openxmlformats.org/drawingml/2006/compatibility" xmlns:p14="http://schemas.microsoft.com/office/powerpoint/2010/main" xmlns:p15="http://schemas.microsoft.com/office/powerpoint/2012/main" matchingName="One column text">
+<p:sldLayout xmlns:a="http://schemas.openxmlformats.org/drawingml/2006/main" xmlns:r="http://schemas.openxmlformats.org/officeDocument/2006/relationships" xmlns:p="http://schemas.openxmlformats.org/presentationml/2006/main" matchingName="One column text">
   <p:cSld name="ONE_COLUMN_TEXT">
     <p:bg>
       <p:bgPr>
         <a:solidFill>
           <a:schemeClr val="accent3"/>
         </a:solidFill>
+        <a:effectLst/>
       </p:bgPr>
     </p:bg>
     <p:spTree>
       <p:nvGrpSpPr>
-        <p:cNvPr id="70" name="Shape 70"/>
+        <p:cNvPr id="1" name="Shape 70"/>
         <p:cNvGrpSpPr/>
         <p:nvPr/>
       </p:nvGrpSpPr>
@@ -5990,12 +6040,12 @@
           </a:ln>
         </p:spPr>
         <p:txBody>
-          <a:bodyPr anchorCtr="0" anchor="ctr" bIns="91425" lIns="91425" spcFirstLastPara="1" rIns="91425" wrap="square" tIns="91425">
+          <a:bodyPr spcFirstLastPara="1" wrap="square" lIns="91425" tIns="91425" rIns="91425" bIns="91425" anchor="ctr" anchorCtr="0">
             <a:noAutofit/>
           </a:bodyPr>
           <a:lstStyle/>
           <a:p>
-            <a:pPr indent="0" lvl="0" marL="0" rtl="0" algn="l">
+            <a:pPr marL="0" lvl="0" indent="0" algn="l" rtl="0">
               <a:spcBef>
                 <a:spcPts val="0"/>
               </a:spcBef>
@@ -6004,9 +6054,6 @@
               </a:spcAft>
               <a:buNone/>
             </a:pPr>
-            <a:r>
-              <a:t/>
-            </a:r>
             <a:endParaRPr/>
           </a:p>
         </p:txBody>
@@ -6033,12 +6080,12 @@
           </a:ln>
         </p:spPr>
         <p:txBody>
-          <a:bodyPr anchorCtr="0" anchor="ctr" bIns="91425" lIns="91425" spcFirstLastPara="1" rIns="91425" wrap="square" tIns="91425">
+          <a:bodyPr spcFirstLastPara="1" wrap="square" lIns="91425" tIns="91425" rIns="91425" bIns="91425" anchor="ctr" anchorCtr="0">
             <a:noAutofit/>
           </a:bodyPr>
           <a:lstStyle/>
           <a:p>
-            <a:pPr indent="0" lvl="0" marL="0" rtl="0" algn="l">
+            <a:pPr marL="0" lvl="0" indent="0" algn="l" rtl="0">
               <a:spcBef>
                 <a:spcPts val="0"/>
               </a:spcBef>
@@ -6047,9 +6094,6 @@
               </a:spcAft>
               <a:buNone/>
             </a:pPr>
-            <a:r>
-              <a:t/>
-            </a:r>
             <a:endParaRPr/>
           </a:p>
         </p:txBody>
@@ -6075,7 +6119,7 @@
             <a:noFill/>
           </a:ln>
           <a:effectLst>
-            <a:outerShdw blurRad="228600" sx="101000" rotWithShape="0" algn="ctr" sy="101000">
+            <a:outerShdw blurRad="228600" sx="101000" sy="101000" algn="ctr" rotWithShape="0">
               <a:srgbClr val="000000">
                 <a:alpha val="40000"/>
               </a:srgbClr>
@@ -6083,12 +6127,12 @@
           </a:effectLst>
         </p:spPr>
         <p:txBody>
-          <a:bodyPr anchorCtr="0" anchor="ctr" bIns="91425" lIns="91425" spcFirstLastPara="1" rIns="91425" wrap="square" tIns="91425">
+          <a:bodyPr spcFirstLastPara="1" wrap="square" lIns="91425" tIns="91425" rIns="91425" bIns="91425" anchor="ctr" anchorCtr="0">
             <a:noAutofit/>
           </a:bodyPr>
           <a:lstStyle/>
           <a:p>
-            <a:pPr indent="0" lvl="0" marL="0" rtl="0" algn="l">
+            <a:pPr marL="0" lvl="0" indent="0" algn="l" rtl="0">
               <a:spcBef>
                 <a:spcPts val="0"/>
               </a:spcBef>
@@ -6097,9 +6141,6 @@
               </a:spcAft>
               <a:buNone/>
             </a:pPr>
-            <a:r>
-              <a:t/>
-            </a:r>
             <a:endParaRPr/>
           </a:p>
         </p:txBody>
@@ -6107,7 +6148,9 @@
       <p:sp>
         <p:nvSpPr>
           <p:cNvPr id="74" name="Google Shape;74;p7"/>
-          <p:cNvSpPr txBox="1"/>
+          <p:cNvSpPr txBox="1">
+            <a:spLocks noGrp="1"/>
+          </p:cNvSpPr>
           <p:nvPr>
             <p:ph type="title"/>
           </p:nvPr>
@@ -6122,7 +6165,7 @@
           </a:prstGeom>
         </p:spPr>
         <p:txBody>
-          <a:bodyPr anchorCtr="0" anchor="t" bIns="91425" lIns="91425" spcFirstLastPara="1" rIns="91425" wrap="square" tIns="91425"/>
+          <a:bodyPr spcFirstLastPara="1" wrap="square" lIns="91425" tIns="91425" rIns="91425" bIns="91425" anchor="t" anchorCtr="0"/>
           <a:lstStyle>
             <a:lvl1pPr lvl="0">
               <a:spcBef>
@@ -6224,15 +6267,19 @@
               <a:defRPr sz="3000"/>
             </a:lvl9pPr>
           </a:lstStyle>
-          <a:p/>
+          <a:p>
+            <a:endParaRPr/>
+          </a:p>
         </p:txBody>
       </p:sp>
       <p:sp>
         <p:nvSpPr>
           <p:cNvPr id="75" name="Google Shape;75;p7"/>
-          <p:cNvSpPr txBox="1"/>
+          <p:cNvSpPr txBox="1">
+            <a:spLocks noGrp="1"/>
+          </p:cNvSpPr>
           <p:nvPr>
-            <p:ph idx="1" type="body"/>
+            <p:ph type="body" idx="1"/>
           </p:nvPr>
         </p:nvSpPr>
         <p:spPr>
@@ -6245,9 +6292,9 @@
           </a:prstGeom>
         </p:spPr>
         <p:txBody>
-          <a:bodyPr anchorCtr="0" anchor="t" bIns="91425" lIns="91425" spcFirstLastPara="1" rIns="91425" wrap="square" tIns="91425"/>
+          <a:bodyPr spcFirstLastPara="1" wrap="square" lIns="91425" tIns="91425" rIns="91425" bIns="91425" anchor="t" anchorCtr="0"/>
           <a:lstStyle>
-            <a:lvl1pPr indent="-311150" lvl="0" marL="457200">
+            <a:lvl1pPr marL="457200" lvl="0" indent="-311150">
               <a:spcBef>
                 <a:spcPts val="0"/>
               </a:spcBef>
@@ -6258,7 +6305,7 @@
               <a:buChar char="●"/>
               <a:defRPr/>
             </a:lvl1pPr>
-            <a:lvl2pPr indent="-298450" lvl="1" marL="914400">
+            <a:lvl2pPr marL="914400" lvl="1" indent="-298450">
               <a:spcBef>
                 <a:spcPts val="1600"/>
               </a:spcBef>
@@ -6269,7 +6316,7 @@
               <a:buChar char="○"/>
               <a:defRPr/>
             </a:lvl2pPr>
-            <a:lvl3pPr indent="-298450" lvl="2" marL="1371600">
+            <a:lvl3pPr marL="1371600" lvl="2" indent="-298450">
               <a:spcBef>
                 <a:spcPts val="1600"/>
               </a:spcBef>
@@ -6280,7 +6327,7 @@
               <a:buChar char="■"/>
               <a:defRPr/>
             </a:lvl3pPr>
-            <a:lvl4pPr indent="-298450" lvl="3" marL="1828800">
+            <a:lvl4pPr marL="1828800" lvl="3" indent="-298450">
               <a:spcBef>
                 <a:spcPts val="1600"/>
               </a:spcBef>
@@ -6291,7 +6338,7 @@
               <a:buChar char="●"/>
               <a:defRPr/>
             </a:lvl4pPr>
-            <a:lvl5pPr indent="-298450" lvl="4" marL="2286000">
+            <a:lvl5pPr marL="2286000" lvl="4" indent="-298450">
               <a:spcBef>
                 <a:spcPts val="1600"/>
               </a:spcBef>
@@ -6302,7 +6349,7 @@
               <a:buChar char="○"/>
               <a:defRPr/>
             </a:lvl5pPr>
-            <a:lvl6pPr indent="-298450" lvl="5" marL="2743200">
+            <a:lvl6pPr marL="2743200" lvl="5" indent="-298450">
               <a:spcBef>
                 <a:spcPts val="1600"/>
               </a:spcBef>
@@ -6313,7 +6360,7 @@
               <a:buChar char="■"/>
               <a:defRPr/>
             </a:lvl6pPr>
-            <a:lvl7pPr indent="-298450" lvl="6" marL="3200400">
+            <a:lvl7pPr marL="3200400" lvl="6" indent="-298450">
               <a:spcBef>
                 <a:spcPts val="1600"/>
               </a:spcBef>
@@ -6324,7 +6371,7 @@
               <a:buChar char="●"/>
               <a:defRPr/>
             </a:lvl7pPr>
-            <a:lvl8pPr indent="-298450" lvl="7" marL="3657600">
+            <a:lvl8pPr marL="3657600" lvl="7" indent="-298450">
               <a:spcBef>
                 <a:spcPts val="1600"/>
               </a:spcBef>
@@ -6335,7 +6382,7 @@
               <a:buChar char="○"/>
               <a:defRPr/>
             </a:lvl8pPr>
-            <a:lvl9pPr indent="-298450" lvl="8" marL="4114800">
+            <a:lvl9pPr marL="4114800" lvl="8" indent="-298450">
               <a:spcBef>
                 <a:spcPts val="1600"/>
               </a:spcBef>
@@ -6347,15 +6394,19 @@
               <a:defRPr/>
             </a:lvl9pPr>
           </a:lstStyle>
-          <a:p/>
+          <a:p>
+            <a:endParaRPr/>
+          </a:p>
         </p:txBody>
       </p:sp>
       <p:sp>
         <p:nvSpPr>
           <p:cNvPr id="76" name="Google Shape;76;p7"/>
-          <p:cNvSpPr txBox="1"/>
+          <p:cNvSpPr txBox="1">
+            <a:spLocks noGrp="1"/>
+          </p:cNvSpPr>
           <p:nvPr>
-            <p:ph idx="12" type="sldNum"/>
+            <p:ph type="sldNum" idx="12"/>
           </p:nvPr>
         </p:nvSpPr>
         <p:spPr>
@@ -6368,7 +6419,7 @@
           </a:prstGeom>
         </p:spPr>
         <p:txBody>
-          <a:bodyPr anchorCtr="0" anchor="ctr" bIns="91425" lIns="91425" spcFirstLastPara="1" rIns="91425" wrap="square" tIns="91425">
+          <a:bodyPr spcFirstLastPara="1" wrap="square" lIns="91425" tIns="91425" rIns="91425" bIns="91425" anchor="ctr" anchorCtr="0">
             <a:noAutofit/>
           </a:bodyPr>
           <a:lstStyle>
@@ -6410,7 +6461,7 @@
             </a:lvl9pPr>
           </a:lstStyle>
           <a:p>
-            <a:pPr indent="0" lvl="0" marL="0" rtl="0" algn="r">
+            <a:pPr marL="0" lvl="0" indent="0" algn="r" rtl="0">
               <a:spcBef>
                 <a:spcPts val="0"/>
               </a:spcBef>
@@ -6436,18 +6487,19 @@
 </file>
 
 <file path=ppt/slideLayouts/slideLayout7.xml><?xml version="1.0" encoding="utf-8"?>
-<p:sldLayout xmlns:a="http://schemas.openxmlformats.org/drawingml/2006/main" xmlns:r="http://schemas.openxmlformats.org/officeDocument/2006/relationships" xmlns:mc="http://schemas.openxmlformats.org/markup-compatibility/2006" xmlns:mv="urn:schemas-microsoft-com:mac:vml" xmlns:p="http://schemas.openxmlformats.org/presentationml/2006/main" xmlns:c="http://schemas.openxmlformats.org/drawingml/2006/chart" xmlns:dgm="http://schemas.openxmlformats.org/drawingml/2006/diagram" xmlns:o="urn:schemas-microsoft-com:office:office" xmlns:v="urn:schemas-microsoft-com:vml" xmlns:pvml="urn:schemas-microsoft-com:office:powerpoint" xmlns:com="http://schemas.openxmlformats.org/drawingml/2006/compatibility" xmlns:p14="http://schemas.microsoft.com/office/powerpoint/2010/main" xmlns:p15="http://schemas.microsoft.com/office/powerpoint/2012/main" matchingName="Main point">
+<p:sldLayout xmlns:a="http://schemas.openxmlformats.org/drawingml/2006/main" xmlns:r="http://schemas.openxmlformats.org/officeDocument/2006/relationships" xmlns:p="http://schemas.openxmlformats.org/presentationml/2006/main" matchingName="Main point">
   <p:cSld name="MAIN_POINT">
     <p:bg>
       <p:bgPr>
         <a:solidFill>
           <a:schemeClr val="accent1"/>
         </a:solidFill>
+        <a:effectLst/>
       </p:bgPr>
     </p:bg>
     <p:spTree>
       <p:nvGrpSpPr>
-        <p:cNvPr id="77" name="Shape 77"/>
+        <p:cNvPr id="1" name="Shape 77"/>
         <p:cNvGrpSpPr/>
         <p:nvPr/>
       </p:nvGrpSpPr>
@@ -6481,12 +6533,12 @@
           </a:ln>
         </p:spPr>
         <p:txBody>
-          <a:bodyPr anchorCtr="0" anchor="ctr" bIns="91425" lIns="91425" spcFirstLastPara="1" rIns="91425" wrap="square" tIns="91425">
+          <a:bodyPr spcFirstLastPara="1" wrap="square" lIns="91425" tIns="91425" rIns="91425" bIns="91425" anchor="ctr" anchorCtr="0">
             <a:noAutofit/>
           </a:bodyPr>
           <a:lstStyle/>
           <a:p>
-            <a:pPr indent="0" lvl="0" marL="0" rtl="0" algn="l">
+            <a:pPr marL="0" lvl="0" indent="0" algn="l" rtl="0">
               <a:spcBef>
                 <a:spcPts val="0"/>
               </a:spcBef>
@@ -6495,9 +6547,6 @@
               </a:spcAft>
               <a:buNone/>
             </a:pPr>
-            <a:r>
-              <a:t/>
-            </a:r>
             <a:endParaRPr/>
           </a:p>
         </p:txBody>
@@ -6524,12 +6573,12 @@
           </a:ln>
         </p:spPr>
         <p:txBody>
-          <a:bodyPr anchorCtr="0" anchor="ctr" bIns="91425" lIns="91425" spcFirstLastPara="1" rIns="91425" wrap="square" tIns="91425">
+          <a:bodyPr spcFirstLastPara="1" wrap="square" lIns="91425" tIns="91425" rIns="91425" bIns="91425" anchor="ctr" anchorCtr="0">
             <a:noAutofit/>
           </a:bodyPr>
           <a:lstStyle/>
           <a:p>
-            <a:pPr indent="0" lvl="0" marL="0" rtl="0" algn="l">
+            <a:pPr marL="0" lvl="0" indent="0" algn="l" rtl="0">
               <a:spcBef>
                 <a:spcPts val="0"/>
               </a:spcBef>
@@ -6538,9 +6587,6 @@
               </a:spcAft>
               <a:buNone/>
             </a:pPr>
-            <a:r>
-              <a:t/>
-            </a:r>
             <a:endParaRPr/>
           </a:p>
         </p:txBody>
@@ -6572,7 +6618,7 @@
             </a:xfrm>
             <a:prstGeom prst="parallelogram">
               <a:avLst>
-                <a:gd fmla="val 153193" name="adj"/>
+                <a:gd name="adj" fmla="val 153193"/>
               </a:avLst>
             </a:prstGeom>
             <a:solidFill>
@@ -6583,12 +6629,12 @@
             </a:ln>
           </p:spPr>
           <p:txBody>
-            <a:bodyPr anchorCtr="0" anchor="ctr" bIns="91425" lIns="91425" spcFirstLastPara="1" rIns="91425" wrap="square" tIns="91425">
+            <a:bodyPr spcFirstLastPara="1" wrap="square" lIns="91425" tIns="91425" rIns="91425" bIns="91425" anchor="ctr" anchorCtr="0">
               <a:noAutofit/>
             </a:bodyPr>
             <a:lstStyle/>
             <a:p>
-              <a:pPr indent="0" lvl="0" marL="0" rtl="0" algn="l">
+              <a:pPr marL="0" lvl="0" indent="0" algn="l" rtl="0">
                 <a:spcBef>
                   <a:spcPts val="0"/>
                 </a:spcBef>
@@ -6597,9 +6643,6 @@
                 </a:spcAft>
                 <a:buNone/>
               </a:pPr>
-              <a:r>
-                <a:t/>
-              </a:r>
               <a:endParaRPr/>
             </a:p>
           </p:txBody>
@@ -6617,7 +6660,7 @@
             </a:xfrm>
             <a:prstGeom prst="parallelogram">
               <a:avLst>
-                <a:gd fmla="val 153193" name="adj"/>
+                <a:gd name="adj" fmla="val 153193"/>
               </a:avLst>
             </a:prstGeom>
             <a:solidFill>
@@ -6628,12 +6671,12 @@
             </a:ln>
           </p:spPr>
           <p:txBody>
-            <a:bodyPr anchorCtr="0" anchor="ctr" bIns="91425" lIns="91425" spcFirstLastPara="1" rIns="91425" wrap="square" tIns="91425">
+            <a:bodyPr spcFirstLastPara="1" wrap="square" lIns="91425" tIns="91425" rIns="91425" bIns="91425" anchor="ctr" anchorCtr="0">
               <a:noAutofit/>
             </a:bodyPr>
             <a:lstStyle/>
             <a:p>
-              <a:pPr indent="0" lvl="0" marL="0" rtl="0" algn="l">
+              <a:pPr marL="0" lvl="0" indent="0" algn="l" rtl="0">
                 <a:spcBef>
                   <a:spcPts val="0"/>
                 </a:spcBef>
@@ -6642,9 +6685,6 @@
                 </a:spcAft>
                 <a:buNone/>
               </a:pPr>
-              <a:r>
-                <a:t/>
-              </a:r>
               <a:endParaRPr/>
             </a:p>
           </p:txBody>
@@ -6662,7 +6702,7 @@
             </a:xfrm>
             <a:prstGeom prst="parallelogram">
               <a:avLst>
-                <a:gd fmla="val 153193" name="adj"/>
+                <a:gd name="adj" fmla="val 153193"/>
               </a:avLst>
             </a:prstGeom>
             <a:solidFill>
@@ -6673,12 +6713,12 @@
             </a:ln>
           </p:spPr>
           <p:txBody>
-            <a:bodyPr anchorCtr="0" anchor="ctr" bIns="91425" lIns="91425" spcFirstLastPara="1" rIns="91425" wrap="square" tIns="91425">
+            <a:bodyPr spcFirstLastPara="1" wrap="square" lIns="91425" tIns="91425" rIns="91425" bIns="91425" anchor="ctr" anchorCtr="0">
               <a:noAutofit/>
             </a:bodyPr>
             <a:lstStyle/>
             <a:p>
-              <a:pPr indent="0" lvl="0" marL="0" rtl="0" algn="l">
+              <a:pPr marL="0" lvl="0" indent="0" algn="l" rtl="0">
                 <a:spcBef>
                   <a:spcPts val="0"/>
                 </a:spcBef>
@@ -6687,9 +6727,6 @@
                 </a:spcAft>
                 <a:buNone/>
               </a:pPr>
-              <a:r>
-                <a:t/>
-              </a:r>
               <a:endParaRPr/>
             </a:p>
           </p:txBody>
@@ -6716,7 +6753,7 @@
             <a:noFill/>
           </a:ln>
           <a:effectLst>
-            <a:outerShdw blurRad="228600" sx="101000" rotWithShape="0" algn="ctr" sy="101000">
+            <a:outerShdw blurRad="228600" sx="101000" sy="101000" algn="ctr" rotWithShape="0">
               <a:srgbClr val="000000">
                 <a:alpha val="40000"/>
               </a:srgbClr>
@@ -6724,12 +6761,12 @@
           </a:effectLst>
         </p:spPr>
         <p:txBody>
-          <a:bodyPr anchorCtr="0" anchor="ctr" bIns="91425" lIns="91425" spcFirstLastPara="1" rIns="91425" wrap="square" tIns="91425">
+          <a:bodyPr spcFirstLastPara="1" wrap="square" lIns="91425" tIns="91425" rIns="91425" bIns="91425" anchor="ctr" anchorCtr="0">
             <a:noAutofit/>
           </a:bodyPr>
           <a:lstStyle/>
           <a:p>
-            <a:pPr indent="0" lvl="0" marL="0" rtl="0" algn="l">
+            <a:pPr marL="0" lvl="0" indent="0" algn="l" rtl="0">
               <a:spcBef>
                 <a:spcPts val="0"/>
               </a:spcBef>
@@ -6738,9 +6775,6 @@
               </a:spcAft>
               <a:buNone/>
             </a:pPr>
-            <a:r>
-              <a:t/>
-            </a:r>
             <a:endParaRPr/>
           </a:p>
         </p:txBody>
@@ -6772,7 +6806,7 @@
             </a:xfrm>
             <a:prstGeom prst="parallelogram">
               <a:avLst>
-                <a:gd fmla="val 158024" name="adj"/>
+                <a:gd name="adj" fmla="val 158024"/>
               </a:avLst>
             </a:prstGeom>
             <a:solidFill>
@@ -6783,12 +6817,12 @@
             </a:ln>
           </p:spPr>
           <p:txBody>
-            <a:bodyPr anchorCtr="0" anchor="ctr" bIns="91425" lIns="91425" spcFirstLastPara="1" rIns="91425" wrap="square" tIns="91425">
+            <a:bodyPr spcFirstLastPara="1" wrap="square" lIns="91425" tIns="91425" rIns="91425" bIns="91425" anchor="ctr" anchorCtr="0">
               <a:noAutofit/>
             </a:bodyPr>
             <a:lstStyle/>
             <a:p>
-              <a:pPr indent="0" lvl="0" marL="0" rtl="0" algn="l">
+              <a:pPr marL="0" lvl="0" indent="0" algn="l" rtl="0">
                 <a:spcBef>
                   <a:spcPts val="0"/>
                 </a:spcBef>
@@ -6797,9 +6831,6 @@
                 </a:spcAft>
                 <a:buNone/>
               </a:pPr>
-              <a:r>
-                <a:t/>
-              </a:r>
               <a:endParaRPr/>
             </a:p>
           </p:txBody>
@@ -6817,7 +6848,7 @@
             </a:xfrm>
             <a:prstGeom prst="parallelogram">
               <a:avLst>
-                <a:gd fmla="val 158024" name="adj"/>
+                <a:gd name="adj" fmla="val 158024"/>
               </a:avLst>
             </a:prstGeom>
             <a:solidFill>
@@ -6828,12 +6859,12 @@
             </a:ln>
           </p:spPr>
           <p:txBody>
-            <a:bodyPr anchorCtr="0" anchor="ctr" bIns="91425" lIns="91425" spcFirstLastPara="1" rIns="91425" wrap="square" tIns="91425">
+            <a:bodyPr spcFirstLastPara="1" wrap="square" lIns="91425" tIns="91425" rIns="91425" bIns="91425" anchor="ctr" anchorCtr="0">
               <a:noAutofit/>
             </a:bodyPr>
             <a:lstStyle/>
             <a:p>
-              <a:pPr indent="0" lvl="0" marL="0" rtl="0" algn="l">
+              <a:pPr marL="0" lvl="0" indent="0" algn="l" rtl="0">
                 <a:spcBef>
                   <a:spcPts val="0"/>
                 </a:spcBef>
@@ -6842,9 +6873,6 @@
                 </a:spcAft>
                 <a:buNone/>
               </a:pPr>
-              <a:r>
-                <a:t/>
-              </a:r>
               <a:endParaRPr/>
             </a:p>
           </p:txBody>
@@ -6862,7 +6890,7 @@
             </a:xfrm>
             <a:prstGeom prst="parallelogram">
               <a:avLst>
-                <a:gd fmla="val 158024" name="adj"/>
+                <a:gd name="adj" fmla="val 158024"/>
               </a:avLst>
             </a:prstGeom>
             <a:solidFill>
@@ -6873,12 +6901,12 @@
             </a:ln>
           </p:spPr>
           <p:txBody>
-            <a:bodyPr anchorCtr="0" anchor="ctr" bIns="91425" lIns="91425" spcFirstLastPara="1" rIns="91425" wrap="square" tIns="91425">
+            <a:bodyPr spcFirstLastPara="1" wrap="square" lIns="91425" tIns="91425" rIns="91425" bIns="91425" anchor="ctr" anchorCtr="0">
               <a:noAutofit/>
             </a:bodyPr>
             <a:lstStyle/>
             <a:p>
-              <a:pPr indent="0" lvl="0" marL="0" rtl="0" algn="l">
+              <a:pPr marL="0" lvl="0" indent="0" algn="l" rtl="0">
                 <a:spcBef>
                   <a:spcPts val="0"/>
                 </a:spcBef>
@@ -6887,9 +6915,6 @@
                 </a:spcAft>
                 <a:buNone/>
               </a:pPr>
-              <a:r>
-                <a:t/>
-              </a:r>
               <a:endParaRPr/>
             </a:p>
           </p:txBody>
@@ -6922,7 +6947,7 @@
             </a:xfrm>
             <a:prstGeom prst="parallelogram">
               <a:avLst>
-                <a:gd fmla="val 158024" name="adj"/>
+                <a:gd name="adj" fmla="val 158024"/>
               </a:avLst>
             </a:prstGeom>
             <a:solidFill>
@@ -6933,12 +6958,12 @@
             </a:ln>
           </p:spPr>
           <p:txBody>
-            <a:bodyPr anchorCtr="0" anchor="ctr" bIns="91425" lIns="91425" spcFirstLastPara="1" rIns="91425" wrap="square" tIns="91425">
+            <a:bodyPr spcFirstLastPara="1" wrap="square" lIns="91425" tIns="91425" rIns="91425" bIns="91425" anchor="ctr" anchorCtr="0">
               <a:noAutofit/>
             </a:bodyPr>
             <a:lstStyle/>
             <a:p>
-              <a:pPr indent="0" lvl="0" marL="0" rtl="0" algn="l">
+              <a:pPr marL="0" lvl="0" indent="0" algn="l" rtl="0">
                 <a:spcBef>
                   <a:spcPts val="0"/>
                 </a:spcBef>
@@ -6947,9 +6972,6 @@
                 </a:spcAft>
                 <a:buNone/>
               </a:pPr>
-              <a:r>
-                <a:t/>
-              </a:r>
               <a:endParaRPr/>
             </a:p>
           </p:txBody>
@@ -6967,7 +6989,7 @@
             </a:xfrm>
             <a:prstGeom prst="parallelogram">
               <a:avLst>
-                <a:gd fmla="val 158024" name="adj"/>
+                <a:gd name="adj" fmla="val 158024"/>
               </a:avLst>
             </a:prstGeom>
             <a:solidFill>
@@ -6978,12 +7000,12 @@
             </a:ln>
           </p:spPr>
           <p:txBody>
-            <a:bodyPr anchorCtr="0" anchor="ctr" bIns="91425" lIns="91425" spcFirstLastPara="1" rIns="91425" wrap="square" tIns="91425">
+            <a:bodyPr spcFirstLastPara="1" wrap="square" lIns="91425" tIns="91425" rIns="91425" bIns="91425" anchor="ctr" anchorCtr="0">
               <a:noAutofit/>
             </a:bodyPr>
             <a:lstStyle/>
             <a:p>
-              <a:pPr indent="0" lvl="0" marL="0" rtl="0" algn="l">
+              <a:pPr marL="0" lvl="0" indent="0" algn="l" rtl="0">
                 <a:spcBef>
                   <a:spcPts val="0"/>
                 </a:spcBef>
@@ -6992,9 +7014,6 @@
                 </a:spcAft>
                 <a:buNone/>
               </a:pPr>
-              <a:r>
-                <a:t/>
-              </a:r>
               <a:endParaRPr/>
             </a:p>
           </p:txBody>
@@ -7012,7 +7031,7 @@
             </a:xfrm>
             <a:prstGeom prst="parallelogram">
               <a:avLst>
-                <a:gd fmla="val 158024" name="adj"/>
+                <a:gd name="adj" fmla="val 158024"/>
               </a:avLst>
             </a:prstGeom>
             <a:solidFill>
@@ -7023,12 +7042,12 @@
             </a:ln>
           </p:spPr>
           <p:txBody>
-            <a:bodyPr anchorCtr="0" anchor="ctr" bIns="91425" lIns="91425" spcFirstLastPara="1" rIns="91425" wrap="square" tIns="91425">
+            <a:bodyPr spcFirstLastPara="1" wrap="square" lIns="91425" tIns="91425" rIns="91425" bIns="91425" anchor="ctr" anchorCtr="0">
               <a:noAutofit/>
             </a:bodyPr>
             <a:lstStyle/>
             <a:p>
-              <a:pPr indent="0" lvl="0" marL="0" rtl="0" algn="l">
+              <a:pPr marL="0" lvl="0" indent="0" algn="l" rtl="0">
                 <a:spcBef>
                   <a:spcPts val="0"/>
                 </a:spcBef>
@@ -7037,9 +7056,6 @@
                 </a:spcAft>
                 <a:buNone/>
               </a:pPr>
-              <a:r>
-                <a:t/>
-              </a:r>
               <a:endParaRPr/>
             </a:p>
           </p:txBody>
@@ -7048,7 +7064,9 @@
       <p:sp>
         <p:nvSpPr>
           <p:cNvPr id="93" name="Google Shape;93;p8"/>
-          <p:cNvSpPr txBox="1"/>
+          <p:cNvSpPr txBox="1">
+            <a:spLocks noGrp="1"/>
+          </p:cNvSpPr>
           <p:nvPr>
             <p:ph type="title"/>
           </p:nvPr>
@@ -7063,7 +7081,7 @@
           </a:prstGeom>
         </p:spPr>
         <p:txBody>
-          <a:bodyPr anchorCtr="0" anchor="ctr" bIns="91425" lIns="91425" spcFirstLastPara="1" rIns="91425" wrap="square" tIns="91425"/>
+          <a:bodyPr spcFirstLastPara="1" wrap="square" lIns="91425" tIns="91425" rIns="91425" bIns="91425" anchor="ctr" anchorCtr="0"/>
           <a:lstStyle>
             <a:lvl1pPr lvl="0" algn="ctr">
               <a:spcBef>
@@ -7165,15 +7183,19 @@
               <a:defRPr sz="3200"/>
             </a:lvl9pPr>
           </a:lstStyle>
-          <a:p/>
+          <a:p>
+            <a:endParaRPr/>
+          </a:p>
         </p:txBody>
       </p:sp>
       <p:sp>
         <p:nvSpPr>
           <p:cNvPr id="94" name="Google Shape;94;p8"/>
-          <p:cNvSpPr txBox="1"/>
+          <p:cNvSpPr txBox="1">
+            <a:spLocks noGrp="1"/>
+          </p:cNvSpPr>
           <p:nvPr>
-            <p:ph idx="12" type="sldNum"/>
+            <p:ph type="sldNum" idx="12"/>
           </p:nvPr>
         </p:nvSpPr>
         <p:spPr>
@@ -7186,7 +7208,7 @@
           </a:prstGeom>
         </p:spPr>
         <p:txBody>
-          <a:bodyPr anchorCtr="0" anchor="ctr" bIns="91425" lIns="91425" spcFirstLastPara="1" rIns="91425" wrap="square" tIns="91425">
+          <a:bodyPr spcFirstLastPara="1" wrap="square" lIns="91425" tIns="91425" rIns="91425" bIns="91425" anchor="ctr" anchorCtr="0">
             <a:noAutofit/>
           </a:bodyPr>
           <a:lstStyle>
@@ -7228,7 +7250,7 @@
             </a:lvl9pPr>
           </a:lstStyle>
           <a:p>
-            <a:pPr indent="0" lvl="0" marL="0" rtl="0" algn="r">
+            <a:pPr marL="0" lvl="0" indent="0" algn="r" rtl="0">
               <a:spcBef>
                 <a:spcPts val="0"/>
               </a:spcBef>
@@ -7254,18 +7276,19 @@
 </file>
 
 <file path=ppt/slideLayouts/slideLayout8.xml><?xml version="1.0" encoding="utf-8"?>
-<p:sldLayout xmlns:a="http://schemas.openxmlformats.org/drawingml/2006/main" xmlns:r="http://schemas.openxmlformats.org/officeDocument/2006/relationships" xmlns:mc="http://schemas.openxmlformats.org/markup-compatibility/2006" xmlns:mv="urn:schemas-microsoft-com:mac:vml" xmlns:p="http://schemas.openxmlformats.org/presentationml/2006/main" xmlns:c="http://schemas.openxmlformats.org/drawingml/2006/chart" xmlns:dgm="http://schemas.openxmlformats.org/drawingml/2006/diagram" xmlns:o="urn:schemas-microsoft-com:office:office" xmlns:v="urn:schemas-microsoft-com:vml" xmlns:pvml="urn:schemas-microsoft-com:office:powerpoint" xmlns:com="http://schemas.openxmlformats.org/drawingml/2006/compatibility" xmlns:p14="http://schemas.microsoft.com/office/powerpoint/2010/main" xmlns:p15="http://schemas.microsoft.com/office/powerpoint/2012/main" matchingName="Section title and description">
+<p:sldLayout xmlns:a="http://schemas.openxmlformats.org/drawingml/2006/main" xmlns:r="http://schemas.openxmlformats.org/officeDocument/2006/relationships" xmlns:p="http://schemas.openxmlformats.org/presentationml/2006/main" matchingName="Section title and description">
   <p:cSld name="SECTION_TITLE_AND_DESCRIPTION">
     <p:bg>
       <p:bgPr>
         <a:solidFill>
           <a:schemeClr val="dk2"/>
         </a:solidFill>
+        <a:effectLst/>
       </p:bgPr>
     </p:bg>
     <p:spTree>
       <p:nvGrpSpPr>
-        <p:cNvPr id="95" name="Shape 95"/>
+        <p:cNvPr id="1" name="Shape 95"/>
         <p:cNvGrpSpPr/>
         <p:nvPr/>
       </p:nvGrpSpPr>
@@ -7299,12 +7322,12 @@
           </a:ln>
         </p:spPr>
         <p:txBody>
-          <a:bodyPr anchorCtr="0" anchor="ctr" bIns="91425" lIns="91425" spcFirstLastPara="1" rIns="91425" wrap="square" tIns="91425">
+          <a:bodyPr spcFirstLastPara="1" wrap="square" lIns="91425" tIns="91425" rIns="91425" bIns="91425" anchor="ctr" anchorCtr="0">
             <a:noAutofit/>
           </a:bodyPr>
           <a:lstStyle/>
           <a:p>
-            <a:pPr indent="0" lvl="0" marL="0" rtl="0" algn="l">
+            <a:pPr marL="0" lvl="0" indent="0" algn="l" rtl="0">
               <a:spcBef>
                 <a:spcPts val="0"/>
               </a:spcBef>
@@ -7313,9 +7336,6 @@
               </a:spcAft>
               <a:buNone/>
             </a:pPr>
-            <a:r>
-              <a:t/>
-            </a:r>
             <a:endParaRPr/>
           </a:p>
         </p:txBody>
@@ -7342,12 +7362,12 @@
           </a:ln>
         </p:spPr>
         <p:txBody>
-          <a:bodyPr anchorCtr="0" anchor="ctr" bIns="91425" lIns="91425" spcFirstLastPara="1" rIns="91425" wrap="square" tIns="91425">
+          <a:bodyPr spcFirstLastPara="1" wrap="square" lIns="91425" tIns="91425" rIns="91425" bIns="91425" anchor="ctr" anchorCtr="0">
             <a:noAutofit/>
           </a:bodyPr>
           <a:lstStyle/>
           <a:p>
-            <a:pPr indent="0" lvl="0" marL="0" rtl="0" algn="l">
+            <a:pPr marL="0" lvl="0" indent="0" algn="l" rtl="0">
               <a:spcBef>
                 <a:spcPts val="0"/>
               </a:spcBef>
@@ -7356,9 +7376,6 @@
               </a:spcAft>
               <a:buNone/>
             </a:pPr>
-            <a:r>
-              <a:t/>
-            </a:r>
             <a:endParaRPr/>
           </a:p>
         </p:txBody>
@@ -7384,7 +7401,7 @@
             <a:noFill/>
           </a:ln>
           <a:effectLst>
-            <a:outerShdw blurRad="228600" sx="101000" rotWithShape="0" algn="ctr" sy="101000">
+            <a:outerShdw blurRad="228600" sx="101000" sy="101000" algn="ctr" rotWithShape="0">
               <a:srgbClr val="000000">
                 <a:alpha val="40000"/>
               </a:srgbClr>
@@ -7392,12 +7409,12 @@
           </a:effectLst>
         </p:spPr>
         <p:txBody>
-          <a:bodyPr anchorCtr="0" anchor="ctr" bIns="91425" lIns="91425" spcFirstLastPara="1" rIns="91425" wrap="square" tIns="91425">
+          <a:bodyPr spcFirstLastPara="1" wrap="square" lIns="91425" tIns="91425" rIns="91425" bIns="91425" anchor="ctr" anchorCtr="0">
             <a:noAutofit/>
           </a:bodyPr>
           <a:lstStyle/>
           <a:p>
-            <a:pPr indent="0" lvl="0" marL="0" rtl="0" algn="l">
+            <a:pPr marL="0" lvl="0" indent="0" algn="l" rtl="0">
               <a:spcBef>
                 <a:spcPts val="0"/>
               </a:spcBef>
@@ -7406,9 +7423,6 @@
               </a:spcAft>
               <a:buNone/>
             </a:pPr>
-            <a:r>
-              <a:t/>
-            </a:r>
             <a:endParaRPr/>
           </a:p>
         </p:txBody>
@@ -7416,7 +7430,9 @@
       <p:sp>
         <p:nvSpPr>
           <p:cNvPr id="99" name="Google Shape;99;p9"/>
-          <p:cNvSpPr txBox="1"/>
+          <p:cNvSpPr txBox="1">
+            <a:spLocks noGrp="1"/>
+          </p:cNvSpPr>
           <p:nvPr>
             <p:ph type="title"/>
           </p:nvPr>
@@ -7431,7 +7447,7 @@
           </a:prstGeom>
         </p:spPr>
         <p:txBody>
-          <a:bodyPr anchorCtr="0" anchor="t" bIns="91425" lIns="91425" spcFirstLastPara="1" rIns="91425" wrap="square" tIns="91425"/>
+          <a:bodyPr spcFirstLastPara="1" wrap="square" lIns="91425" tIns="91425" rIns="91425" bIns="91425" anchor="t" anchorCtr="0"/>
           <a:lstStyle>
             <a:lvl1pPr lvl="0">
               <a:spcBef>
@@ -7533,15 +7549,19 @@
               <a:defRPr sz="3000"/>
             </a:lvl9pPr>
           </a:lstStyle>
-          <a:p/>
+          <a:p>
+            <a:endParaRPr/>
+          </a:p>
         </p:txBody>
       </p:sp>
       <p:sp>
         <p:nvSpPr>
           <p:cNvPr id="100" name="Google Shape;100;p9"/>
-          <p:cNvSpPr txBox="1"/>
+          <p:cNvSpPr txBox="1">
+            <a:spLocks noGrp="1"/>
+          </p:cNvSpPr>
           <p:nvPr>
-            <p:ph idx="1" type="subTitle"/>
+            <p:ph type="subTitle" idx="1"/>
           </p:nvPr>
         </p:nvSpPr>
         <p:spPr>
@@ -7554,7 +7574,7 @@
           </a:prstGeom>
         </p:spPr>
         <p:txBody>
-          <a:bodyPr anchorCtr="0" anchor="t" bIns="91425" lIns="91425" spcFirstLastPara="1" rIns="91425" wrap="square" tIns="91425"/>
+          <a:bodyPr spcFirstLastPara="1" wrap="square" lIns="91425" tIns="91425" rIns="91425" bIns="91425" anchor="t" anchorCtr="0"/>
           <a:lstStyle>
             <a:lvl1pPr lvl="0">
               <a:lnSpc>
@@ -7746,15 +7766,19 @@
               </a:defRPr>
             </a:lvl9pPr>
           </a:lstStyle>
-          <a:p/>
+          <a:p>
+            <a:endParaRPr/>
+          </a:p>
         </p:txBody>
       </p:sp>
       <p:sp>
         <p:nvSpPr>
           <p:cNvPr id="101" name="Google Shape;101;p9"/>
-          <p:cNvSpPr txBox="1"/>
+          <p:cNvSpPr txBox="1">
+            <a:spLocks noGrp="1"/>
+          </p:cNvSpPr>
           <p:nvPr>
-            <p:ph idx="2" type="body"/>
+            <p:ph type="body" idx="2"/>
           </p:nvPr>
         </p:nvSpPr>
         <p:spPr>
@@ -7767,9 +7791,9 @@
           </a:prstGeom>
         </p:spPr>
         <p:txBody>
-          <a:bodyPr anchorCtr="0" anchor="t" bIns="91425" lIns="91425" spcFirstLastPara="1" rIns="91425" wrap="square" tIns="91425"/>
+          <a:bodyPr spcFirstLastPara="1" wrap="square" lIns="91425" tIns="91425" rIns="91425" bIns="91425" anchor="t" anchorCtr="0"/>
           <a:lstStyle>
-            <a:lvl1pPr indent="-311150" lvl="0" marL="457200">
+            <a:lvl1pPr marL="457200" lvl="0" indent="-311150">
               <a:spcBef>
                 <a:spcPts val="0"/>
               </a:spcBef>
@@ -7780,7 +7804,7 @@
               <a:buChar char="●"/>
               <a:defRPr/>
             </a:lvl1pPr>
-            <a:lvl2pPr indent="-298450" lvl="1" marL="914400">
+            <a:lvl2pPr marL="914400" lvl="1" indent="-298450">
               <a:spcBef>
                 <a:spcPts val="1600"/>
               </a:spcBef>
@@ -7791,7 +7815,7 @@
               <a:buChar char="○"/>
               <a:defRPr/>
             </a:lvl2pPr>
-            <a:lvl3pPr indent="-298450" lvl="2" marL="1371600">
+            <a:lvl3pPr marL="1371600" lvl="2" indent="-298450">
               <a:spcBef>
                 <a:spcPts val="1600"/>
               </a:spcBef>
@@ -7802,7 +7826,7 @@
               <a:buChar char="■"/>
               <a:defRPr/>
             </a:lvl3pPr>
-            <a:lvl4pPr indent="-298450" lvl="3" marL="1828800">
+            <a:lvl4pPr marL="1828800" lvl="3" indent="-298450">
               <a:spcBef>
                 <a:spcPts val="1600"/>
               </a:spcBef>
@@ -7813,7 +7837,7 @@
               <a:buChar char="●"/>
               <a:defRPr/>
             </a:lvl4pPr>
-            <a:lvl5pPr indent="-298450" lvl="4" marL="2286000">
+            <a:lvl5pPr marL="2286000" lvl="4" indent="-298450">
               <a:spcBef>
                 <a:spcPts val="1600"/>
               </a:spcBef>
@@ -7824,7 +7848,7 @@
               <a:buChar char="○"/>
               <a:defRPr/>
             </a:lvl5pPr>
-            <a:lvl6pPr indent="-298450" lvl="5" marL="2743200">
+            <a:lvl6pPr marL="2743200" lvl="5" indent="-298450">
               <a:spcBef>
                 <a:spcPts val="1600"/>
               </a:spcBef>
@@ -7835,7 +7859,7 @@
               <a:buChar char="■"/>
               <a:defRPr/>
             </a:lvl6pPr>
-            <a:lvl7pPr indent="-298450" lvl="6" marL="3200400">
+            <a:lvl7pPr marL="3200400" lvl="6" indent="-298450">
               <a:spcBef>
                 <a:spcPts val="1600"/>
               </a:spcBef>
@@ -7846,7 +7870,7 @@
               <a:buChar char="●"/>
               <a:defRPr/>
             </a:lvl7pPr>
-            <a:lvl8pPr indent="-298450" lvl="7" marL="3657600">
+            <a:lvl8pPr marL="3657600" lvl="7" indent="-298450">
               <a:spcBef>
                 <a:spcPts val="1600"/>
               </a:spcBef>
@@ -7857,7 +7881,7 @@
               <a:buChar char="○"/>
               <a:defRPr/>
             </a:lvl8pPr>
-            <a:lvl9pPr indent="-298450" lvl="8" marL="4114800">
+            <a:lvl9pPr marL="4114800" lvl="8" indent="-298450">
               <a:spcBef>
                 <a:spcPts val="1600"/>
               </a:spcBef>
@@ -7869,15 +7893,19 @@
               <a:defRPr/>
             </a:lvl9pPr>
           </a:lstStyle>
-          <a:p/>
+          <a:p>
+            <a:endParaRPr/>
+          </a:p>
         </p:txBody>
       </p:sp>
       <p:sp>
         <p:nvSpPr>
           <p:cNvPr id="102" name="Google Shape;102;p9"/>
-          <p:cNvSpPr txBox="1"/>
+          <p:cNvSpPr txBox="1">
+            <a:spLocks noGrp="1"/>
+          </p:cNvSpPr>
           <p:nvPr>
-            <p:ph idx="12" type="sldNum"/>
+            <p:ph type="sldNum" idx="12"/>
           </p:nvPr>
         </p:nvSpPr>
         <p:spPr>
@@ -7890,7 +7918,7 @@
           </a:prstGeom>
         </p:spPr>
         <p:txBody>
-          <a:bodyPr anchorCtr="0" anchor="ctr" bIns="91425" lIns="91425" spcFirstLastPara="1" rIns="91425" wrap="square" tIns="91425">
+          <a:bodyPr spcFirstLastPara="1" wrap="square" lIns="91425" tIns="91425" rIns="91425" bIns="91425" anchor="ctr" anchorCtr="0">
             <a:noAutofit/>
           </a:bodyPr>
           <a:lstStyle>
@@ -7932,7 +7960,7 @@
             </a:lvl9pPr>
           </a:lstStyle>
           <a:p>
-            <a:pPr indent="0" lvl="0" marL="0" rtl="0" algn="r">
+            <a:pPr marL="0" lvl="0" indent="0" algn="r" rtl="0">
               <a:spcBef>
                 <a:spcPts val="0"/>
               </a:spcBef>
@@ -7958,18 +7986,19 @@
 </file>
 
 <file path=ppt/slideLayouts/slideLayout9.xml><?xml version="1.0" encoding="utf-8"?>
-<p:sldLayout xmlns:a="http://schemas.openxmlformats.org/drawingml/2006/main" xmlns:r="http://schemas.openxmlformats.org/officeDocument/2006/relationships" xmlns:mc="http://schemas.openxmlformats.org/markup-compatibility/2006" xmlns:mv="urn:schemas-microsoft-com:mac:vml" xmlns:p="http://schemas.openxmlformats.org/presentationml/2006/main" xmlns:c="http://schemas.openxmlformats.org/drawingml/2006/chart" xmlns:dgm="http://schemas.openxmlformats.org/drawingml/2006/diagram" xmlns:o="urn:schemas-microsoft-com:office:office" xmlns:v="urn:schemas-microsoft-com:vml" xmlns:pvml="urn:schemas-microsoft-com:office:powerpoint" xmlns:com="http://schemas.openxmlformats.org/drawingml/2006/compatibility" xmlns:p14="http://schemas.microsoft.com/office/powerpoint/2010/main" xmlns:p15="http://schemas.microsoft.com/office/powerpoint/2012/main" matchingName="Caption">
+<p:sldLayout xmlns:a="http://schemas.openxmlformats.org/drawingml/2006/main" xmlns:r="http://schemas.openxmlformats.org/officeDocument/2006/relationships" xmlns:p="http://schemas.openxmlformats.org/presentationml/2006/main" matchingName="Caption">
   <p:cSld name="CAPTION_ONLY">
     <p:bg>
       <p:bgPr>
         <a:solidFill>
           <a:schemeClr val="accent1"/>
         </a:solidFill>
+        <a:effectLst/>
       </p:bgPr>
     </p:bg>
     <p:spTree>
       <p:nvGrpSpPr>
-        <p:cNvPr id="103" name="Shape 103"/>
+        <p:cNvPr id="1" name="Shape 103"/>
         <p:cNvGrpSpPr/>
         <p:nvPr/>
       </p:nvGrpSpPr>
@@ -8003,12 +8032,12 @@
           </a:ln>
         </p:spPr>
         <p:txBody>
-          <a:bodyPr anchorCtr="0" anchor="ctr" bIns="91425" lIns="91425" spcFirstLastPara="1" rIns="91425" wrap="square" tIns="91425">
+          <a:bodyPr spcFirstLastPara="1" wrap="square" lIns="91425" tIns="91425" rIns="91425" bIns="91425" anchor="ctr" anchorCtr="0">
             <a:noAutofit/>
           </a:bodyPr>
           <a:lstStyle/>
           <a:p>
-            <a:pPr indent="0" lvl="0" marL="0" rtl="0" algn="l">
+            <a:pPr marL="0" lvl="0" indent="0" algn="l" rtl="0">
               <a:spcBef>
                 <a:spcPts val="0"/>
               </a:spcBef>
@@ -8017,9 +8046,6 @@
               </a:spcAft>
               <a:buNone/>
             </a:pPr>
-            <a:r>
-              <a:t/>
-            </a:r>
             <a:endParaRPr/>
           </a:p>
         </p:txBody>
@@ -8046,12 +8072,12 @@
           </a:ln>
         </p:spPr>
         <p:txBody>
-          <a:bodyPr anchorCtr="0" anchor="ctr" bIns="91425" lIns="91425" spcFirstLastPara="1" rIns="91425" wrap="square" tIns="91425">
+          <a:bodyPr spcFirstLastPara="1" wrap="square" lIns="91425" tIns="91425" rIns="91425" bIns="91425" anchor="ctr" anchorCtr="0">
             <a:noAutofit/>
           </a:bodyPr>
           <a:lstStyle/>
           <a:p>
-            <a:pPr indent="0" lvl="0" marL="0" rtl="0" algn="l">
+            <a:pPr marL="0" lvl="0" indent="0" algn="l" rtl="0">
               <a:spcBef>
                 <a:spcPts val="0"/>
               </a:spcBef>
@@ -8060,9 +8086,6 @@
               </a:spcAft>
               <a:buNone/>
             </a:pPr>
-            <a:r>
-              <a:t/>
-            </a:r>
             <a:endParaRPr/>
           </a:p>
         </p:txBody>
@@ -8088,7 +8111,7 @@
             <a:noFill/>
           </a:ln>
           <a:effectLst>
-            <a:outerShdw blurRad="228600" sx="101000" rotWithShape="0" algn="ctr" sy="101000">
+            <a:outerShdw blurRad="228600" sx="101000" sy="101000" algn="ctr" rotWithShape="0">
               <a:srgbClr val="000000">
                 <a:alpha val="40000"/>
               </a:srgbClr>
@@ -8096,12 +8119,12 @@
           </a:effectLst>
         </p:spPr>
         <p:txBody>
-          <a:bodyPr anchorCtr="0" anchor="ctr" bIns="91425" lIns="91425" spcFirstLastPara="1" rIns="91425" wrap="square" tIns="91425">
+          <a:bodyPr spcFirstLastPara="1" wrap="square" lIns="91425" tIns="91425" rIns="91425" bIns="91425" anchor="ctr" anchorCtr="0">
             <a:noAutofit/>
           </a:bodyPr>
           <a:lstStyle/>
           <a:p>
-            <a:pPr indent="0" lvl="0" marL="0" rtl="0" algn="l">
+            <a:pPr marL="0" lvl="0" indent="0" algn="l" rtl="0">
               <a:spcBef>
                 <a:spcPts val="0"/>
               </a:spcBef>
@@ -8110,9 +8133,6 @@
               </a:spcAft>
               <a:buNone/>
             </a:pPr>
-            <a:r>
-              <a:t/>
-            </a:r>
             <a:endParaRPr/>
           </a:p>
         </p:txBody>
@@ -8120,9 +8140,11 @@
       <p:sp>
         <p:nvSpPr>
           <p:cNvPr id="107" name="Google Shape;107;p10"/>
-          <p:cNvSpPr txBox="1"/>
+          <p:cNvSpPr txBox="1">
+            <a:spLocks noGrp="1"/>
+          </p:cNvSpPr>
           <p:nvPr>
-            <p:ph idx="1" type="body"/>
+            <p:ph type="body" idx="1"/>
           </p:nvPr>
         </p:nvSpPr>
         <p:spPr>
@@ -8135,9 +8157,9 @@
           </a:prstGeom>
         </p:spPr>
         <p:txBody>
-          <a:bodyPr anchorCtr="0" anchor="b" bIns="91425" lIns="91425" spcFirstLastPara="1" rIns="91425" wrap="square" tIns="91425"/>
+          <a:bodyPr spcFirstLastPara="1" wrap="square" lIns="91425" tIns="91425" rIns="91425" bIns="91425" anchor="b" anchorCtr="0"/>
           <a:lstStyle>
-            <a:lvl1pPr indent="-228600" lvl="0" marL="457200">
+            <a:lvl1pPr marL="457200" lvl="0" indent="-228600">
               <a:lnSpc>
                 <a:spcPct val="100000"/>
               </a:lnSpc>
@@ -8152,15 +8174,19 @@
               <a:defRPr/>
             </a:lvl1pPr>
           </a:lstStyle>
-          <a:p/>
+          <a:p>
+            <a:endParaRPr/>
+          </a:p>
         </p:txBody>
       </p:sp>
       <p:sp>
         <p:nvSpPr>
           <p:cNvPr id="108" name="Google Shape;108;p10"/>
-          <p:cNvSpPr txBox="1"/>
+          <p:cNvSpPr txBox="1">
+            <a:spLocks noGrp="1"/>
+          </p:cNvSpPr>
           <p:nvPr>
-            <p:ph idx="12" type="sldNum"/>
+            <p:ph type="sldNum" idx="12"/>
           </p:nvPr>
         </p:nvSpPr>
         <p:spPr>
@@ -8173,7 +8199,7 @@
           </a:prstGeom>
         </p:spPr>
         <p:txBody>
-          <a:bodyPr anchorCtr="0" anchor="ctr" bIns="91425" lIns="91425" spcFirstLastPara="1" rIns="91425" wrap="square" tIns="91425">
+          <a:bodyPr spcFirstLastPara="1" wrap="square" lIns="91425" tIns="91425" rIns="91425" bIns="91425" anchor="ctr" anchorCtr="0">
             <a:noAutofit/>
           </a:bodyPr>
           <a:lstStyle>
@@ -8215,7 +8241,7 @@
             </a:lvl9pPr>
           </a:lstStyle>
           <a:p>
-            <a:pPr indent="0" lvl="0" marL="0" rtl="0" algn="r">
+            <a:pPr marL="0" lvl="0" indent="0" algn="r" rtl="0">
               <a:spcBef>
                 <a:spcPts val="0"/>
               </a:spcBef>
@@ -8241,18 +8267,19 @@
 </file>
 
 <file path=ppt/slideMasters/slideMaster1.xml><?xml version="1.0" encoding="utf-8"?>
-<p:sldMaster xmlns:a="http://schemas.openxmlformats.org/drawingml/2006/main" xmlns:r="http://schemas.openxmlformats.org/officeDocument/2006/relationships" xmlns:mc="http://schemas.openxmlformats.org/markup-compatibility/2006" xmlns:mv="urn:schemas-microsoft-com:mac:vml" xmlns:p="http://schemas.openxmlformats.org/presentationml/2006/main" xmlns:c="http://schemas.openxmlformats.org/drawingml/2006/chart" xmlns:dgm="http://schemas.openxmlformats.org/drawingml/2006/diagram" xmlns:o="urn:schemas-microsoft-com:office:office" xmlns:v="urn:schemas-microsoft-com:vml" xmlns:pvml="urn:schemas-microsoft-com:office:powerpoint" xmlns:com="http://schemas.openxmlformats.org/drawingml/2006/compatibility" xmlns:p14="http://schemas.microsoft.com/office/powerpoint/2010/main" xmlns:p15="http://schemas.microsoft.com/office/powerpoint/2012/main">
+<p:sldMaster xmlns:a="http://schemas.openxmlformats.org/drawingml/2006/main" xmlns:r="http://schemas.openxmlformats.org/officeDocument/2006/relationships" xmlns:p="http://schemas.openxmlformats.org/presentationml/2006/main">
   <p:cSld name="shift">
     <p:bg>
       <p:bgPr>
         <a:solidFill>
           <a:schemeClr val="dk1"/>
         </a:solidFill>
+        <a:effectLst/>
       </p:bgPr>
     </p:bg>
     <p:spTree>
       <p:nvGrpSpPr>
-        <p:cNvPr id="5" name="Shape 5"/>
+        <p:cNvPr id="1" name="Shape 5"/>
         <p:cNvGrpSpPr/>
         <p:nvPr/>
       </p:nvGrpSpPr>
@@ -8267,7 +8294,9 @@
       <p:sp>
         <p:nvSpPr>
           <p:cNvPr id="6" name="Google Shape;6;p1"/>
-          <p:cNvSpPr txBox="1"/>
+          <p:cNvSpPr txBox="1">
+            <a:spLocks noGrp="1"/>
+          </p:cNvSpPr>
           <p:nvPr>
             <p:ph type="title"/>
           </p:nvPr>
@@ -8286,7 +8315,7 @@
           </a:ln>
         </p:spPr>
         <p:txBody>
-          <a:bodyPr anchorCtr="0" anchor="t" bIns="91425" lIns="91425" spcFirstLastPara="1" rIns="91425" wrap="square" tIns="91425"/>
+          <a:bodyPr spcFirstLastPara="1" wrap="square" lIns="91425" tIns="91425" rIns="91425" bIns="91425" anchor="t" anchorCtr="0"/>
           <a:lstStyle>
             <a:lvl1pPr lvl="0">
               <a:spcBef>
@@ -8496,15 +8525,19 @@
               </a:defRPr>
             </a:lvl9pPr>
           </a:lstStyle>
-          <a:p/>
+          <a:p>
+            <a:endParaRPr/>
+          </a:p>
         </p:txBody>
       </p:sp>
       <p:sp>
         <p:nvSpPr>
           <p:cNvPr id="7" name="Google Shape;7;p1"/>
-          <p:cNvSpPr txBox="1"/>
+          <p:cNvSpPr txBox="1">
+            <a:spLocks noGrp="1"/>
+          </p:cNvSpPr>
           <p:nvPr>
-            <p:ph idx="1" type="body"/>
+            <p:ph type="body" idx="1"/>
           </p:nvPr>
         </p:nvSpPr>
         <p:spPr>
@@ -8521,9 +8554,9 @@
           </a:ln>
         </p:spPr>
         <p:txBody>
-          <a:bodyPr anchorCtr="0" anchor="t" bIns="91425" lIns="91425" spcFirstLastPara="1" rIns="91425" wrap="square" tIns="91425"/>
+          <a:bodyPr spcFirstLastPara="1" wrap="square" lIns="91425" tIns="91425" rIns="91425" bIns="91425" anchor="t" anchorCtr="0"/>
           <a:lstStyle>
-            <a:lvl1pPr indent="-311150" lvl="0" marL="457200">
+            <a:lvl1pPr marL="457200" lvl="0" indent="-311150">
               <a:lnSpc>
                 <a:spcPct val="115000"/>
               </a:lnSpc>
@@ -8549,7 +8582,7 @@
                 <a:sym typeface="Calibri"/>
               </a:defRPr>
             </a:lvl1pPr>
-            <a:lvl2pPr indent="-298450" lvl="1" marL="914400">
+            <a:lvl2pPr marL="914400" lvl="1" indent="-298450">
               <a:lnSpc>
                 <a:spcPct val="115000"/>
               </a:lnSpc>
@@ -8575,7 +8608,7 @@
                 <a:sym typeface="Calibri"/>
               </a:defRPr>
             </a:lvl2pPr>
-            <a:lvl3pPr indent="-298450" lvl="2" marL="1371600">
+            <a:lvl3pPr marL="1371600" lvl="2" indent="-298450">
               <a:lnSpc>
                 <a:spcPct val="115000"/>
               </a:lnSpc>
@@ -8601,7 +8634,7 @@
                 <a:sym typeface="Calibri"/>
               </a:defRPr>
             </a:lvl3pPr>
-            <a:lvl4pPr indent="-298450" lvl="3" marL="1828800">
+            <a:lvl4pPr marL="1828800" lvl="3" indent="-298450">
               <a:lnSpc>
                 <a:spcPct val="115000"/>
               </a:lnSpc>
@@ -8627,7 +8660,7 @@
                 <a:sym typeface="Calibri"/>
               </a:defRPr>
             </a:lvl4pPr>
-            <a:lvl5pPr indent="-298450" lvl="4" marL="2286000">
+            <a:lvl5pPr marL="2286000" lvl="4" indent="-298450">
               <a:lnSpc>
                 <a:spcPct val="115000"/>
               </a:lnSpc>
@@ -8653,7 +8686,7 @@
                 <a:sym typeface="Calibri"/>
               </a:defRPr>
             </a:lvl5pPr>
-            <a:lvl6pPr indent="-298450" lvl="5" marL="2743200">
+            <a:lvl6pPr marL="2743200" lvl="5" indent="-298450">
               <a:lnSpc>
                 <a:spcPct val="115000"/>
               </a:lnSpc>
@@ -8679,7 +8712,7 @@
                 <a:sym typeface="Calibri"/>
               </a:defRPr>
             </a:lvl6pPr>
-            <a:lvl7pPr indent="-298450" lvl="6" marL="3200400">
+            <a:lvl7pPr marL="3200400" lvl="6" indent="-298450">
               <a:lnSpc>
                 <a:spcPct val="115000"/>
               </a:lnSpc>
@@ -8705,7 +8738,7 @@
                 <a:sym typeface="Calibri"/>
               </a:defRPr>
             </a:lvl7pPr>
-            <a:lvl8pPr indent="-298450" lvl="7" marL="3657600">
+            <a:lvl8pPr marL="3657600" lvl="7" indent="-298450">
               <a:lnSpc>
                 <a:spcPct val="115000"/>
               </a:lnSpc>
@@ -8731,7 +8764,7 @@
                 <a:sym typeface="Calibri"/>
               </a:defRPr>
             </a:lvl8pPr>
-            <a:lvl9pPr indent="-298450" lvl="8" marL="4114800">
+            <a:lvl9pPr marL="4114800" lvl="8" indent="-298450">
               <a:lnSpc>
                 <a:spcPct val="115000"/>
               </a:lnSpc>
@@ -8758,15 +8791,19 @@
               </a:defRPr>
             </a:lvl9pPr>
           </a:lstStyle>
-          <a:p/>
+          <a:p>
+            <a:endParaRPr/>
+          </a:p>
         </p:txBody>
       </p:sp>
       <p:sp>
         <p:nvSpPr>
           <p:cNvPr id="8" name="Google Shape;8;p1"/>
-          <p:cNvSpPr txBox="1"/>
+          <p:cNvSpPr txBox="1">
+            <a:spLocks noGrp="1"/>
+          </p:cNvSpPr>
           <p:nvPr>
-            <p:ph idx="12" type="sldNum"/>
+            <p:ph type="sldNum" idx="12"/>
           </p:nvPr>
         </p:nvSpPr>
         <p:spPr>
@@ -8783,7 +8820,7 @@
           </a:ln>
         </p:spPr>
         <p:txBody>
-          <a:bodyPr anchorCtr="0" anchor="ctr" bIns="91425" lIns="91425" spcFirstLastPara="1" rIns="91425" wrap="square" tIns="91425">
+          <a:bodyPr spcFirstLastPara="1" wrap="square" lIns="91425" tIns="91425" rIns="91425" bIns="91425" anchor="ctr" anchorCtr="0">
             <a:noAutofit/>
           </a:bodyPr>
           <a:lstStyle>
@@ -8897,7 +8934,7 @@
             </a:lvl9pPr>
           </a:lstStyle>
           <a:p>
-            <a:pPr indent="0" lvl="0" marL="0" rtl="0" algn="r">
+            <a:pPr marL="0" lvl="0" indent="0" algn="r" rtl="0">
               <a:spcBef>
                 <a:spcPts val="0"/>
               </a:spcBef>
@@ -8916,7 +8953,7 @@
       </p:sp>
     </p:spTree>
   </p:cSld>
-  <p:clrMap accent1="accent1" accent2="accent2" accent3="accent3" accent4="accent4" accent5="accent5" accent6="accent6" bg1="lt1" bg2="dk2" tx1="dk1" tx2="lt2" folHlink="folHlink" hlink="hlink"/>
+  <p:clrMap bg1="lt1" tx1="dk1" bg2="dk2" tx2="lt2" accent1="accent1" accent2="accent2" accent3="accent3" accent4="accent4" accent5="accent5" accent6="accent6" hlink="hlink" folHlink="folHlink"/>
   <p:sldLayoutIdLst>
     <p:sldLayoutId id="2147483648" r:id="rId1"/>
     <p:sldLayoutId id="2147483649" r:id="rId2"/>
@@ -8930,10 +8967,10 @@
     <p:sldLayoutId id="2147483657" r:id="rId10"/>
     <p:sldLayoutId id="2147483658" r:id="rId11"/>
   </p:sldLayoutIdLst>
-  <p:hf dt="0" ftr="0" hdr="0" sldNum="0"/>
+  <p:hf sldNum="0" hdr="0" ftr="0" dt="0"/>
   <p:txStyles>
     <p:titleStyle>
-      <a:defPPr lvl="0" marR="0" rtl="0" algn="l">
+      <a:defPPr marR="0" lvl="0" algn="l" rtl="0">
         <a:lnSpc>
           <a:spcPct val="100000"/>
         </a:lnSpc>
@@ -8944,7 +8981,7 @@
           <a:spcPts val="0"/>
         </a:spcAft>
       </a:defPPr>
-      <a:lvl1pPr lvl="0" marR="0" rtl="0" algn="l">
+      <a:lvl1pPr marR="0" lvl="0" algn="l" rtl="0">
         <a:lnSpc>
           <a:spcPct val="100000"/>
         </a:lnSpc>
@@ -8958,7 +8995,7 @@
           <a:srgbClr val="000000"/>
         </a:buClr>
         <a:buFont typeface="Arial"/>
-        <a:defRPr b="0" i="0" sz="1400" u="none" cap="none" strike="noStrike">
+        <a:defRPr sz="1400" b="0" i="0" u="none" strike="noStrike" cap="none">
           <a:solidFill>
             <a:srgbClr val="000000"/>
           </a:solidFill>
@@ -8968,7 +9005,7 @@
           <a:sym typeface="Arial"/>
         </a:defRPr>
       </a:lvl1pPr>
-      <a:lvl2pPr lvl="1" marR="0" rtl="0" algn="l">
+      <a:lvl2pPr marR="0" lvl="1" algn="l" rtl="0">
         <a:lnSpc>
           <a:spcPct val="100000"/>
         </a:lnSpc>
@@ -8982,7 +9019,7 @@
           <a:srgbClr val="000000"/>
         </a:buClr>
         <a:buFont typeface="Arial"/>
-        <a:defRPr b="0" i="0" sz="1400" u="none" cap="none" strike="noStrike">
+        <a:defRPr sz="1400" b="0" i="0" u="none" strike="noStrike" cap="none">
           <a:solidFill>
             <a:srgbClr val="000000"/>
           </a:solidFill>
@@ -8992,7 +9029,7 @@
           <a:sym typeface="Arial"/>
         </a:defRPr>
       </a:lvl2pPr>
-      <a:lvl3pPr lvl="2" marR="0" rtl="0" algn="l">
+      <a:lvl3pPr marR="0" lvl="2" algn="l" rtl="0">
         <a:lnSpc>
           <a:spcPct val="100000"/>
         </a:lnSpc>
@@ -9006,7 +9043,7 @@
           <a:srgbClr val="000000"/>
         </a:buClr>
         <a:buFont typeface="Arial"/>
-        <a:defRPr b="0" i="0" sz="1400" u="none" cap="none" strike="noStrike">
+        <a:defRPr sz="1400" b="0" i="0" u="none" strike="noStrike" cap="none">
           <a:solidFill>
             <a:srgbClr val="000000"/>
           </a:solidFill>
@@ -9016,7 +9053,7 @@
           <a:sym typeface="Arial"/>
         </a:defRPr>
       </a:lvl3pPr>
-      <a:lvl4pPr lvl="3" marR="0" rtl="0" algn="l">
+      <a:lvl4pPr marR="0" lvl="3" algn="l" rtl="0">
         <a:lnSpc>
           <a:spcPct val="100000"/>
         </a:lnSpc>
@@ -9030,7 +9067,7 @@
           <a:srgbClr val="000000"/>
         </a:buClr>
         <a:buFont typeface="Arial"/>
-        <a:defRPr b="0" i="0" sz="1400" u="none" cap="none" strike="noStrike">
+        <a:defRPr sz="1400" b="0" i="0" u="none" strike="noStrike" cap="none">
           <a:solidFill>
             <a:srgbClr val="000000"/>
           </a:solidFill>
@@ -9040,7 +9077,7 @@
           <a:sym typeface="Arial"/>
         </a:defRPr>
       </a:lvl4pPr>
-      <a:lvl5pPr lvl="4" marR="0" rtl="0" algn="l">
+      <a:lvl5pPr marR="0" lvl="4" algn="l" rtl="0">
         <a:lnSpc>
           <a:spcPct val="100000"/>
         </a:lnSpc>
@@ -9054,7 +9091,7 @@
           <a:srgbClr val="000000"/>
         </a:buClr>
         <a:buFont typeface="Arial"/>
-        <a:defRPr b="0" i="0" sz="1400" u="none" cap="none" strike="noStrike">
+        <a:defRPr sz="1400" b="0" i="0" u="none" strike="noStrike" cap="none">
           <a:solidFill>
             <a:srgbClr val="000000"/>
           </a:solidFill>
@@ -9064,7 +9101,7 @@
           <a:sym typeface="Arial"/>
         </a:defRPr>
       </a:lvl5pPr>
-      <a:lvl6pPr lvl="5" marR="0" rtl="0" algn="l">
+      <a:lvl6pPr marR="0" lvl="5" algn="l" rtl="0">
         <a:lnSpc>
           <a:spcPct val="100000"/>
         </a:lnSpc>
@@ -9078,7 +9115,7 @@
           <a:srgbClr val="000000"/>
         </a:buClr>
         <a:buFont typeface="Arial"/>
-        <a:defRPr b="0" i="0" sz="1400" u="none" cap="none" strike="noStrike">
+        <a:defRPr sz="1400" b="0" i="0" u="none" strike="noStrike" cap="none">
           <a:solidFill>
             <a:srgbClr val="000000"/>
           </a:solidFill>
@@ -9088,7 +9125,7 @@
           <a:sym typeface="Arial"/>
         </a:defRPr>
       </a:lvl6pPr>
-      <a:lvl7pPr lvl="6" marR="0" rtl="0" algn="l">
+      <a:lvl7pPr marR="0" lvl="6" algn="l" rtl="0">
         <a:lnSpc>
           <a:spcPct val="100000"/>
         </a:lnSpc>
@@ -9102,7 +9139,7 @@
           <a:srgbClr val="000000"/>
         </a:buClr>
         <a:buFont typeface="Arial"/>
-        <a:defRPr b="0" i="0" sz="1400" u="none" cap="none" strike="noStrike">
+        <a:defRPr sz="1400" b="0" i="0" u="none" strike="noStrike" cap="none">
           <a:solidFill>
             <a:srgbClr val="000000"/>
           </a:solidFill>
@@ -9112,7 +9149,7 @@
           <a:sym typeface="Arial"/>
         </a:defRPr>
       </a:lvl7pPr>
-      <a:lvl8pPr lvl="7" marR="0" rtl="0" algn="l">
+      <a:lvl8pPr marR="0" lvl="7" algn="l" rtl="0">
         <a:lnSpc>
           <a:spcPct val="100000"/>
         </a:lnSpc>
@@ -9126,7 +9163,7 @@
           <a:srgbClr val="000000"/>
         </a:buClr>
         <a:buFont typeface="Arial"/>
-        <a:defRPr b="0" i="0" sz="1400" u="none" cap="none" strike="noStrike">
+        <a:defRPr sz="1400" b="0" i="0" u="none" strike="noStrike" cap="none">
           <a:solidFill>
             <a:srgbClr val="000000"/>
           </a:solidFill>
@@ -9136,7 +9173,7 @@
           <a:sym typeface="Arial"/>
         </a:defRPr>
       </a:lvl8pPr>
-      <a:lvl9pPr lvl="8" marR="0" rtl="0" algn="l">
+      <a:lvl9pPr marR="0" lvl="8" algn="l" rtl="0">
         <a:lnSpc>
           <a:spcPct val="100000"/>
         </a:lnSpc>
@@ -9150,7 +9187,7 @@
           <a:srgbClr val="000000"/>
         </a:buClr>
         <a:buFont typeface="Arial"/>
-        <a:defRPr b="0" i="0" sz="1400" u="none" cap="none" strike="noStrike">
+        <a:defRPr sz="1400" b="0" i="0" u="none" strike="noStrike" cap="none">
           <a:solidFill>
             <a:srgbClr val="000000"/>
           </a:solidFill>
@@ -9162,7 +9199,7 @@
       </a:lvl9pPr>
     </p:titleStyle>
     <p:bodyStyle>
-      <a:defPPr lvl="0" marR="0" rtl="0" algn="l">
+      <a:defPPr marR="0" lvl="0" algn="l" rtl="0">
         <a:lnSpc>
           <a:spcPct val="100000"/>
         </a:lnSpc>
@@ -9173,7 +9210,7 @@
           <a:spcPts val="0"/>
         </a:spcAft>
       </a:defPPr>
-      <a:lvl1pPr lvl="0" marR="0" rtl="0" algn="l">
+      <a:lvl1pPr marR="0" lvl="0" algn="l" rtl="0">
         <a:lnSpc>
           <a:spcPct val="100000"/>
         </a:lnSpc>
@@ -9187,7 +9224,7 @@
           <a:srgbClr val="000000"/>
         </a:buClr>
         <a:buFont typeface="Arial"/>
-        <a:defRPr b="0" i="0" sz="1400" u="none" cap="none" strike="noStrike">
+        <a:defRPr sz="1400" b="0" i="0" u="none" strike="noStrike" cap="none">
           <a:solidFill>
             <a:srgbClr val="000000"/>
           </a:solidFill>
@@ -9197,7 +9234,7 @@
           <a:sym typeface="Arial"/>
         </a:defRPr>
       </a:lvl1pPr>
-      <a:lvl2pPr lvl="1" marR="0" rtl="0" algn="l">
+      <a:lvl2pPr marR="0" lvl="1" algn="l" rtl="0">
         <a:lnSpc>
           <a:spcPct val="100000"/>
         </a:lnSpc>
@@ -9211,7 +9248,7 @@
           <a:srgbClr val="000000"/>
         </a:buClr>
         <a:buFont typeface="Arial"/>
-        <a:defRPr b="0" i="0" sz="1400" u="none" cap="none" strike="noStrike">
+        <a:defRPr sz="1400" b="0" i="0" u="none" strike="noStrike" cap="none">
           <a:solidFill>
             <a:srgbClr val="000000"/>
           </a:solidFill>
@@ -9221,7 +9258,7 @@
           <a:sym typeface="Arial"/>
         </a:defRPr>
       </a:lvl2pPr>
-      <a:lvl3pPr lvl="2" marR="0" rtl="0" algn="l">
+      <a:lvl3pPr marR="0" lvl="2" algn="l" rtl="0">
         <a:lnSpc>
           <a:spcPct val="100000"/>
         </a:lnSpc>
@@ -9235,7 +9272,7 @@
           <a:srgbClr val="000000"/>
         </a:buClr>
         <a:buFont typeface="Arial"/>
-        <a:defRPr b="0" i="0" sz="1400" u="none" cap="none" strike="noStrike">
+        <a:defRPr sz="1400" b="0" i="0" u="none" strike="noStrike" cap="none">
           <a:solidFill>
             <a:srgbClr val="000000"/>
           </a:solidFill>
@@ -9245,7 +9282,7 @@
           <a:sym typeface="Arial"/>
         </a:defRPr>
       </a:lvl3pPr>
-      <a:lvl4pPr lvl="3" marR="0" rtl="0" algn="l">
+      <a:lvl4pPr marR="0" lvl="3" algn="l" rtl="0">
         <a:lnSpc>
           <a:spcPct val="100000"/>
         </a:lnSpc>
@@ -9259,7 +9296,7 @@
           <a:srgbClr val="000000"/>
         </a:buClr>
         <a:buFont typeface="Arial"/>
-        <a:defRPr b="0" i="0" sz="1400" u="none" cap="none" strike="noStrike">
+        <a:defRPr sz="1400" b="0" i="0" u="none" strike="noStrike" cap="none">
           <a:solidFill>
             <a:srgbClr val="000000"/>
           </a:solidFill>
@@ -9269,7 +9306,7 @@
           <a:sym typeface="Arial"/>
         </a:defRPr>
       </a:lvl4pPr>
-      <a:lvl5pPr lvl="4" marR="0" rtl="0" algn="l">
+      <a:lvl5pPr marR="0" lvl="4" algn="l" rtl="0">
         <a:lnSpc>
           <a:spcPct val="100000"/>
         </a:lnSpc>
@@ -9283,7 +9320,7 @@
           <a:srgbClr val="000000"/>
         </a:buClr>
         <a:buFont typeface="Arial"/>
-        <a:defRPr b="0" i="0" sz="1400" u="none" cap="none" strike="noStrike">
+        <a:defRPr sz="1400" b="0" i="0" u="none" strike="noStrike" cap="none">
           <a:solidFill>
             <a:srgbClr val="000000"/>
           </a:solidFill>
@@ -9293,7 +9330,7 @@
           <a:sym typeface="Arial"/>
         </a:defRPr>
       </a:lvl5pPr>
-      <a:lvl6pPr lvl="5" marR="0" rtl="0" algn="l">
+      <a:lvl6pPr marR="0" lvl="5" algn="l" rtl="0">
         <a:lnSpc>
           <a:spcPct val="100000"/>
         </a:lnSpc>
@@ -9307,7 +9344,7 @@
           <a:srgbClr val="000000"/>
         </a:buClr>
         <a:buFont typeface="Arial"/>
-        <a:defRPr b="0" i="0" sz="1400" u="none" cap="none" strike="noStrike">
+        <a:defRPr sz="1400" b="0" i="0" u="none" strike="noStrike" cap="none">
           <a:solidFill>
             <a:srgbClr val="000000"/>
           </a:solidFill>
@@ -9317,7 +9354,7 @@
           <a:sym typeface="Arial"/>
         </a:defRPr>
       </a:lvl6pPr>
-      <a:lvl7pPr lvl="6" marR="0" rtl="0" algn="l">
+      <a:lvl7pPr marR="0" lvl="6" algn="l" rtl="0">
         <a:lnSpc>
           <a:spcPct val="100000"/>
         </a:lnSpc>
@@ -9331,7 +9368,7 @@
           <a:srgbClr val="000000"/>
         </a:buClr>
         <a:buFont typeface="Arial"/>
-        <a:defRPr b="0" i="0" sz="1400" u="none" cap="none" strike="noStrike">
+        <a:defRPr sz="1400" b="0" i="0" u="none" strike="noStrike" cap="none">
           <a:solidFill>
             <a:srgbClr val="000000"/>
           </a:solidFill>
@@ -9341,7 +9378,7 @@
           <a:sym typeface="Arial"/>
         </a:defRPr>
       </a:lvl7pPr>
-      <a:lvl8pPr lvl="7" marR="0" rtl="0" algn="l">
+      <a:lvl8pPr marR="0" lvl="7" algn="l" rtl="0">
         <a:lnSpc>
           <a:spcPct val="100000"/>
         </a:lnSpc>
@@ -9355,7 +9392,7 @@
           <a:srgbClr val="000000"/>
         </a:buClr>
         <a:buFont typeface="Arial"/>
-        <a:defRPr b="0" i="0" sz="1400" u="none" cap="none" strike="noStrike">
+        <a:defRPr sz="1400" b="0" i="0" u="none" strike="noStrike" cap="none">
           <a:solidFill>
             <a:srgbClr val="000000"/>
           </a:solidFill>
@@ -9365,7 +9402,7 @@
           <a:sym typeface="Arial"/>
         </a:defRPr>
       </a:lvl8pPr>
-      <a:lvl9pPr lvl="8" marR="0" rtl="0" algn="l">
+      <a:lvl9pPr marR="0" lvl="8" algn="l" rtl="0">
         <a:lnSpc>
           <a:spcPct val="100000"/>
         </a:lnSpc>
@@ -9379,7 +9416,7 @@
           <a:srgbClr val="000000"/>
         </a:buClr>
         <a:buFont typeface="Arial"/>
-        <a:defRPr b="0" i="0" sz="1400" u="none" cap="none" strike="noStrike">
+        <a:defRPr sz="1400" b="0" i="0" u="none" strike="noStrike" cap="none">
           <a:solidFill>
             <a:srgbClr val="000000"/>
           </a:solidFill>
@@ -9391,7 +9428,7 @@
       </a:lvl9pPr>
     </p:bodyStyle>
     <p:otherStyle>
-      <a:defPPr lvl="0" marR="0" rtl="0" algn="l">
+      <a:defPPr marR="0" lvl="0" algn="l" rtl="0">
         <a:lnSpc>
           <a:spcPct val="100000"/>
         </a:lnSpc>
@@ -9402,7 +9439,7 @@
           <a:spcPts val="0"/>
         </a:spcAft>
       </a:defPPr>
-      <a:lvl1pPr lvl="0" marR="0" rtl="0" algn="l">
+      <a:lvl1pPr marR="0" lvl="0" algn="l" rtl="0">
         <a:lnSpc>
           <a:spcPct val="100000"/>
         </a:lnSpc>
@@ -9416,7 +9453,7 @@
           <a:srgbClr val="000000"/>
         </a:buClr>
         <a:buFont typeface="Arial"/>
-        <a:defRPr b="0" i="0" sz="1400" u="none" cap="none" strike="noStrike">
+        <a:defRPr sz="1400" b="0" i="0" u="none" strike="noStrike" cap="none">
           <a:solidFill>
             <a:srgbClr val="000000"/>
           </a:solidFill>
@@ -9426,7 +9463,7 @@
           <a:sym typeface="Arial"/>
         </a:defRPr>
       </a:lvl1pPr>
-      <a:lvl2pPr lvl="1" marR="0" rtl="0" algn="l">
+      <a:lvl2pPr marR="0" lvl="1" algn="l" rtl="0">
         <a:lnSpc>
           <a:spcPct val="100000"/>
         </a:lnSpc>
@@ -9440,7 +9477,7 @@
           <a:srgbClr val="000000"/>
         </a:buClr>
         <a:buFont typeface="Arial"/>
-        <a:defRPr b="0" i="0" sz="1400" u="none" cap="none" strike="noStrike">
+        <a:defRPr sz="1400" b="0" i="0" u="none" strike="noStrike" cap="none">
           <a:solidFill>
             <a:srgbClr val="000000"/>
           </a:solidFill>
@@ -9450,7 +9487,7 @@
           <a:sym typeface="Arial"/>
         </a:defRPr>
       </a:lvl2pPr>
-      <a:lvl3pPr lvl="2" marR="0" rtl="0" algn="l">
+      <a:lvl3pPr marR="0" lvl="2" algn="l" rtl="0">
         <a:lnSpc>
           <a:spcPct val="100000"/>
         </a:lnSpc>
@@ -9464,7 +9501,7 @@
           <a:srgbClr val="000000"/>
         </a:buClr>
         <a:buFont typeface="Arial"/>
-        <a:defRPr b="0" i="0" sz="1400" u="none" cap="none" strike="noStrike">
+        <a:defRPr sz="1400" b="0" i="0" u="none" strike="noStrike" cap="none">
           <a:solidFill>
             <a:srgbClr val="000000"/>
           </a:solidFill>
@@ -9474,7 +9511,7 @@
           <a:sym typeface="Arial"/>
         </a:defRPr>
       </a:lvl3pPr>
-      <a:lvl4pPr lvl="3" marR="0" rtl="0" algn="l">
+      <a:lvl4pPr marR="0" lvl="3" algn="l" rtl="0">
         <a:lnSpc>
           <a:spcPct val="100000"/>
         </a:lnSpc>
@@ -9488,7 +9525,7 @@
           <a:srgbClr val="000000"/>
         </a:buClr>
         <a:buFont typeface="Arial"/>
-        <a:defRPr b="0" i="0" sz="1400" u="none" cap="none" strike="noStrike">
+        <a:defRPr sz="1400" b="0" i="0" u="none" strike="noStrike" cap="none">
           <a:solidFill>
             <a:srgbClr val="000000"/>
           </a:solidFill>
@@ -9498,7 +9535,7 @@
           <a:sym typeface="Arial"/>
         </a:defRPr>
       </a:lvl4pPr>
-      <a:lvl5pPr lvl="4" marR="0" rtl="0" algn="l">
+      <a:lvl5pPr marR="0" lvl="4" algn="l" rtl="0">
         <a:lnSpc>
           <a:spcPct val="100000"/>
         </a:lnSpc>
@@ -9512,7 +9549,7 @@
           <a:srgbClr val="000000"/>
         </a:buClr>
         <a:buFont typeface="Arial"/>
-        <a:defRPr b="0" i="0" sz="1400" u="none" cap="none" strike="noStrike">
+        <a:defRPr sz="1400" b="0" i="0" u="none" strike="noStrike" cap="none">
           <a:solidFill>
             <a:srgbClr val="000000"/>
           </a:solidFill>
@@ -9522,7 +9559,7 @@
           <a:sym typeface="Arial"/>
         </a:defRPr>
       </a:lvl5pPr>
-      <a:lvl6pPr lvl="5" marR="0" rtl="0" algn="l">
+      <a:lvl6pPr marR="0" lvl="5" algn="l" rtl="0">
         <a:lnSpc>
           <a:spcPct val="100000"/>
         </a:lnSpc>
@@ -9536,7 +9573,7 @@
           <a:srgbClr val="000000"/>
         </a:buClr>
         <a:buFont typeface="Arial"/>
-        <a:defRPr b="0" i="0" sz="1400" u="none" cap="none" strike="noStrike">
+        <a:defRPr sz="1400" b="0" i="0" u="none" strike="noStrike" cap="none">
           <a:solidFill>
             <a:srgbClr val="000000"/>
           </a:solidFill>
@@ -9546,7 +9583,7 @@
           <a:sym typeface="Arial"/>
         </a:defRPr>
       </a:lvl6pPr>
-      <a:lvl7pPr lvl="6" marR="0" rtl="0" algn="l">
+      <a:lvl7pPr marR="0" lvl="6" algn="l" rtl="0">
         <a:lnSpc>
           <a:spcPct val="100000"/>
         </a:lnSpc>
@@ -9560,7 +9597,7 @@
           <a:srgbClr val="000000"/>
         </a:buClr>
         <a:buFont typeface="Arial"/>
-        <a:defRPr b="0" i="0" sz="1400" u="none" cap="none" strike="noStrike">
+        <a:defRPr sz="1400" b="0" i="0" u="none" strike="noStrike" cap="none">
           <a:solidFill>
             <a:srgbClr val="000000"/>
           </a:solidFill>
@@ -9570,7 +9607,7 @@
           <a:sym typeface="Arial"/>
         </a:defRPr>
       </a:lvl7pPr>
-      <a:lvl8pPr lvl="7" marR="0" rtl="0" algn="l">
+      <a:lvl8pPr marR="0" lvl="7" algn="l" rtl="0">
         <a:lnSpc>
           <a:spcPct val="100000"/>
         </a:lnSpc>
@@ -9584,7 +9621,7 @@
           <a:srgbClr val="000000"/>
         </a:buClr>
         <a:buFont typeface="Arial"/>
-        <a:defRPr b="0" i="0" sz="1400" u="none" cap="none" strike="noStrike">
+        <a:defRPr sz="1400" b="0" i="0" u="none" strike="noStrike" cap="none">
           <a:solidFill>
             <a:srgbClr val="000000"/>
           </a:solidFill>
@@ -9594,7 +9631,7 @@
           <a:sym typeface="Arial"/>
         </a:defRPr>
       </a:lvl8pPr>
-      <a:lvl9pPr lvl="8" marR="0" rtl="0" algn="l">
+      <a:lvl9pPr marR="0" lvl="8" algn="l" rtl="0">
         <a:lnSpc>
           <a:spcPct val="100000"/>
         </a:lnSpc>
@@ -9608,7 +9645,7 @@
           <a:srgbClr val="000000"/>
         </a:buClr>
         <a:buFont typeface="Arial"/>
-        <a:defRPr b="0" i="0" sz="1400" u="none" cap="none" strike="noStrike">
+        <a:defRPr sz="1400" b="0" i="0" u="none" strike="noStrike" cap="none">
           <a:solidFill>
             <a:srgbClr val="000000"/>
           </a:solidFill>
@@ -9624,11 +9661,11 @@
 </file>
 
 <file path=ppt/slides/slide1.xml><?xml version="1.0" encoding="utf-8"?>
-<p:sld xmlns:a="http://schemas.openxmlformats.org/drawingml/2006/main" xmlns:r="http://schemas.openxmlformats.org/officeDocument/2006/relationships" xmlns:mc="http://schemas.openxmlformats.org/markup-compatibility/2006" xmlns:mv="urn:schemas-microsoft-com:mac:vml" xmlns:p="http://schemas.openxmlformats.org/presentationml/2006/main" xmlns:c="http://schemas.openxmlformats.org/drawingml/2006/chart" xmlns:dgm="http://schemas.openxmlformats.org/drawingml/2006/diagram" xmlns:o="urn:schemas-microsoft-com:office:office" xmlns:v="urn:schemas-microsoft-com:vml" xmlns:pvml="urn:schemas-microsoft-com:office:powerpoint" xmlns:com="http://schemas.openxmlformats.org/drawingml/2006/compatibility" xmlns:p14="http://schemas.microsoft.com/office/powerpoint/2010/main" xmlns:p15="http://schemas.microsoft.com/office/powerpoint/2012/main">
+<p:sld xmlns:a="http://schemas.openxmlformats.org/drawingml/2006/main" xmlns:r="http://schemas.openxmlformats.org/officeDocument/2006/relationships" xmlns:p="http://schemas.openxmlformats.org/presentationml/2006/main">
   <p:cSld>
     <p:spTree>
       <p:nvGrpSpPr>
-        <p:cNvPr id="127" name="Shape 127"/>
+        <p:cNvPr id="1" name="Shape 127"/>
         <p:cNvGrpSpPr/>
         <p:nvPr/>
       </p:nvGrpSpPr>
@@ -9643,7 +9680,9 @@
       <p:sp>
         <p:nvSpPr>
           <p:cNvPr id="128" name="Google Shape;128;p13"/>
-          <p:cNvSpPr txBox="1"/>
+          <p:cNvSpPr txBox="1">
+            <a:spLocks noGrp="1"/>
+          </p:cNvSpPr>
           <p:nvPr>
             <p:ph type="ctrTitle"/>
           </p:nvPr>
@@ -9658,12 +9697,12 @@
           </a:prstGeom>
         </p:spPr>
         <p:txBody>
-          <a:bodyPr anchorCtr="0" anchor="ctr" bIns="91425" lIns="91425" spcFirstLastPara="1" rIns="91425" wrap="square" tIns="91425">
+          <a:bodyPr spcFirstLastPara="1" wrap="square" lIns="91425" tIns="91425" rIns="91425" bIns="91425" anchor="ctr" anchorCtr="0">
             <a:noAutofit/>
           </a:bodyPr>
           <a:lstStyle/>
           <a:p>
-            <a:pPr indent="0" lvl="0" marL="0" rtl="0" algn="ctr">
+            <a:pPr marL="0" lvl="0" indent="0" algn="ctr" rtl="0">
               <a:spcBef>
                 <a:spcPts val="0"/>
               </a:spcBef>
@@ -9683,9 +9722,11 @@
       <p:sp>
         <p:nvSpPr>
           <p:cNvPr id="129" name="Google Shape;129;p13"/>
-          <p:cNvSpPr txBox="1"/>
+          <p:cNvSpPr txBox="1">
+            <a:spLocks noGrp="1"/>
+          </p:cNvSpPr>
           <p:nvPr>
-            <p:ph idx="1" type="subTitle"/>
+            <p:ph type="subTitle" idx="1"/>
           </p:nvPr>
         </p:nvSpPr>
         <p:spPr>
@@ -9698,12 +9739,12 @@
           </a:prstGeom>
         </p:spPr>
         <p:txBody>
-          <a:bodyPr anchorCtr="0" anchor="t" bIns="91425" lIns="91425" spcFirstLastPara="1" rIns="91425" wrap="square" tIns="91425">
+          <a:bodyPr spcFirstLastPara="1" wrap="square" lIns="91425" tIns="91425" rIns="91425" bIns="91425" anchor="t" anchorCtr="0">
             <a:noAutofit/>
           </a:bodyPr>
           <a:lstStyle/>
           <a:p>
-            <a:pPr indent="0" lvl="0" marL="0" rtl="0" algn="ctr">
+            <a:pPr marL="0" lvl="0" indent="0" algn="ctr" rtl="0">
               <a:spcBef>
                 <a:spcPts val="0"/>
               </a:spcBef>
@@ -9714,11 +9755,7 @@
             </a:pPr>
             <a:r>
               <a:rPr lang="en"/>
-              <a:t>Team member: </a:t>
-            </a:r>
-            <a:r>
-              <a:rPr lang="en"/>
-              <a:t>Ritvik Reddy, Wei Du</a:t>
+              <a:t>Team member: Ritvik Reddy, Wei Du</a:t>
             </a:r>
             <a:endParaRPr/>
           </a:p>
@@ -9732,12 +9769,173 @@
 </p:sld>
 </file>
 
-<file path=ppt/slides/slide2.xml><?xml version="1.0" encoding="utf-8"?>
-<p:sld xmlns:a="http://schemas.openxmlformats.org/drawingml/2006/main" xmlns:r="http://schemas.openxmlformats.org/officeDocument/2006/relationships" xmlns:mc="http://schemas.openxmlformats.org/markup-compatibility/2006" xmlns:mv="urn:schemas-microsoft-com:mac:vml" xmlns:p="http://schemas.openxmlformats.org/presentationml/2006/main" xmlns:c="http://schemas.openxmlformats.org/drawingml/2006/chart" xmlns:dgm="http://schemas.openxmlformats.org/drawingml/2006/diagram" xmlns:o="urn:schemas-microsoft-com:office:office" xmlns:v="urn:schemas-microsoft-com:vml" xmlns:pvml="urn:schemas-microsoft-com:office:powerpoint" xmlns:com="http://schemas.openxmlformats.org/drawingml/2006/compatibility" xmlns:p14="http://schemas.microsoft.com/office/powerpoint/2010/main" xmlns:p15="http://schemas.microsoft.com/office/powerpoint/2012/main">
+<file path=ppt/slides/slide10.xml><?xml version="1.0" encoding="utf-8"?>
+<p:sld xmlns:a="http://schemas.openxmlformats.org/drawingml/2006/main" xmlns:r="http://schemas.openxmlformats.org/officeDocument/2006/relationships" xmlns:p="http://schemas.openxmlformats.org/presentationml/2006/main">
   <p:cSld>
     <p:spTree>
       <p:nvGrpSpPr>
-        <p:cNvPr id="133" name="Shape 133"/>
+        <p:cNvPr id="1" name="Shape 183"/>
+        <p:cNvGrpSpPr/>
+        <p:nvPr/>
+      </p:nvGrpSpPr>
+      <p:grpSpPr>
+        <a:xfrm>
+          <a:off x="0" y="0"/>
+          <a:ext cx="0" cy="0"/>
+          <a:chOff x="0" y="0"/>
+          <a:chExt cx="0" cy="0"/>
+        </a:xfrm>
+      </p:grpSpPr>
+      <p:sp>
+        <p:nvSpPr>
+          <p:cNvPr id="184" name="Google Shape;184;p21"/>
+          <p:cNvSpPr txBox="1">
+            <a:spLocks noGrp="1"/>
+          </p:cNvSpPr>
+          <p:nvPr>
+            <p:ph type="title"/>
+          </p:nvPr>
+        </p:nvSpPr>
+        <p:spPr>
+          <a:xfrm>
+            <a:off x="819150" y="845600"/>
+            <a:ext cx="7505700" cy="954600"/>
+          </a:xfrm>
+          <a:prstGeom prst="rect">
+            <a:avLst/>
+          </a:prstGeom>
+        </p:spPr>
+        <p:txBody>
+          <a:bodyPr spcFirstLastPara="1" wrap="square" lIns="91425" tIns="91425" rIns="91425" bIns="91425" anchor="t" anchorCtr="0">
+            <a:noAutofit/>
+          </a:bodyPr>
+          <a:lstStyle/>
+          <a:p>
+            <a:pPr marL="0" lvl="0" indent="0" algn="l" rtl="0">
+              <a:spcBef>
+                <a:spcPts val="0"/>
+              </a:spcBef>
+              <a:spcAft>
+                <a:spcPts val="0"/>
+              </a:spcAft>
+              <a:buNone/>
+            </a:pPr>
+            <a:r>
+              <a:rPr lang="en"/>
+              <a:t>Conclusion</a:t>
+            </a:r>
+            <a:endParaRPr/>
+          </a:p>
+        </p:txBody>
+      </p:sp>
+      <p:sp>
+        <p:nvSpPr>
+          <p:cNvPr id="185" name="Google Shape;185;p21"/>
+          <p:cNvSpPr txBox="1">
+            <a:spLocks noGrp="1"/>
+          </p:cNvSpPr>
+          <p:nvPr>
+            <p:ph type="body" idx="1"/>
+          </p:nvPr>
+        </p:nvSpPr>
+        <p:spPr>
+          <a:xfrm>
+            <a:off x="777825" y="1990725"/>
+            <a:ext cx="7505700" cy="2448000"/>
+          </a:xfrm>
+          <a:prstGeom prst="rect">
+            <a:avLst/>
+          </a:prstGeom>
+        </p:spPr>
+        <p:txBody>
+          <a:bodyPr spcFirstLastPara="1" wrap="square" lIns="91425" tIns="91425" rIns="91425" bIns="91425" anchor="t" anchorCtr="0">
+            <a:noAutofit/>
+          </a:bodyPr>
+          <a:lstStyle/>
+          <a:p>
+            <a:pPr marL="457200" lvl="0" indent="-342900" algn="l" rtl="0">
+              <a:spcBef>
+                <a:spcPts val="0"/>
+              </a:spcBef>
+              <a:spcAft>
+                <a:spcPts val="0"/>
+              </a:spcAft>
+              <a:buSzPts val="1800"/>
+              <a:buChar char="●"/>
+            </a:pPr>
+            <a:r>
+              <a:rPr lang="en" sz="1800"/>
+              <a:t>This dataset is quite complex for linear regression and the relation of k-NN is hard to observe</a:t>
+            </a:r>
+            <a:endParaRPr sz="1800"/>
+          </a:p>
+          <a:p>
+            <a:pPr marL="457200" lvl="0" indent="-342900" algn="l" rtl="0">
+              <a:spcBef>
+                <a:spcPts val="0"/>
+              </a:spcBef>
+              <a:spcAft>
+                <a:spcPts val="0"/>
+              </a:spcAft>
+              <a:buSzPts val="1800"/>
+              <a:buChar char="●"/>
+            </a:pPr>
+            <a:r>
+              <a:rPr lang="en" sz="1800"/>
+              <a:t>The log scale helps reducing the variance of sqft_living and price</a:t>
+            </a:r>
+            <a:endParaRPr sz="1800"/>
+          </a:p>
+          <a:p>
+            <a:pPr marL="457200" lvl="0" indent="-342900" algn="l" rtl="0">
+              <a:spcBef>
+                <a:spcPts val="0"/>
+              </a:spcBef>
+              <a:spcAft>
+                <a:spcPts val="0"/>
+              </a:spcAft>
+              <a:buSzPts val="1800"/>
+              <a:buChar char="●"/>
+            </a:pPr>
+            <a:r>
+              <a:rPr lang="en" sz="1800"/>
+              <a:t>The random forest tree has better performance but it takes a lot more time</a:t>
+            </a:r>
+            <a:endParaRPr sz="1800"/>
+          </a:p>
+          <a:p>
+            <a:pPr marL="457200" lvl="0" indent="-342900" algn="l" rtl="0">
+              <a:spcBef>
+                <a:spcPts val="0"/>
+              </a:spcBef>
+              <a:spcAft>
+                <a:spcPts val="0"/>
+              </a:spcAft>
+              <a:buSzPts val="1800"/>
+              <a:buChar char="●"/>
+            </a:pPr>
+            <a:r>
+              <a:rPr lang="en" sz="1800"/>
+              <a:t>The tree models are tend to overfit on training dataset, the split of training and testing is very important</a:t>
+            </a:r>
+            <a:endParaRPr sz="1800"/>
+          </a:p>
+        </p:txBody>
+      </p:sp>
+    </p:spTree>
+  </p:cSld>
+  <p:clrMapOvr>
+    <a:masterClrMapping/>
+  </p:clrMapOvr>
+</p:sld>
+</file>
+
+<file path=ppt/slides/slide2.xml><?xml version="1.0" encoding="utf-8"?>
+<p:sld xmlns:a="http://schemas.openxmlformats.org/drawingml/2006/main" xmlns:r="http://schemas.openxmlformats.org/officeDocument/2006/relationships" xmlns:p="http://schemas.openxmlformats.org/presentationml/2006/main">
+  <p:cSld>
+    <p:spTree>
+      <p:nvGrpSpPr>
+        <p:cNvPr id="1" name="Shape 133"/>
         <p:cNvGrpSpPr/>
         <p:nvPr/>
       </p:nvGrpSpPr>
@@ -9752,7 +9950,9 @@
       <p:sp>
         <p:nvSpPr>
           <p:cNvPr id="134" name="Google Shape;134;p14"/>
-          <p:cNvSpPr txBox="1"/>
+          <p:cNvSpPr txBox="1">
+            <a:spLocks noGrp="1"/>
+          </p:cNvSpPr>
           <p:nvPr>
             <p:ph type="title"/>
           </p:nvPr>
@@ -9767,12 +9967,12 @@
           </a:prstGeom>
         </p:spPr>
         <p:txBody>
-          <a:bodyPr anchorCtr="0" anchor="t" bIns="91425" lIns="91425" spcFirstLastPara="1" rIns="91425" wrap="square" tIns="91425">
+          <a:bodyPr spcFirstLastPara="1" wrap="square" lIns="91425" tIns="91425" rIns="91425" bIns="91425" anchor="t" anchorCtr="0">
             <a:noAutofit/>
           </a:bodyPr>
           <a:lstStyle/>
           <a:p>
-            <a:pPr indent="0" lvl="0" marL="0" rtl="0" algn="l">
+            <a:pPr marL="0" lvl="0" indent="0" algn="l" rtl="0">
               <a:spcBef>
                 <a:spcPts val="0"/>
               </a:spcBef>
@@ -9792,9 +9992,11 @@
       <p:sp>
         <p:nvSpPr>
           <p:cNvPr id="135" name="Google Shape;135;p14"/>
-          <p:cNvSpPr txBox="1"/>
+          <p:cNvSpPr txBox="1">
+            <a:spLocks noGrp="1"/>
+          </p:cNvSpPr>
           <p:nvPr>
-            <p:ph idx="1" type="body"/>
+            <p:ph type="body" idx="1"/>
           </p:nvPr>
         </p:nvSpPr>
         <p:spPr>
@@ -9807,12 +10009,12 @@
           </a:prstGeom>
         </p:spPr>
         <p:txBody>
-          <a:bodyPr anchorCtr="0" anchor="t" bIns="91425" lIns="91425" spcFirstLastPara="1" rIns="91425" wrap="square" tIns="91425">
+          <a:bodyPr spcFirstLastPara="1" wrap="square" lIns="91425" tIns="91425" rIns="91425" bIns="91425" anchor="t" anchorCtr="0">
             <a:noAutofit/>
           </a:bodyPr>
           <a:lstStyle/>
           <a:p>
-            <a:pPr indent="0" lvl="0" marL="0" rtl="0" algn="l">
+            <a:pPr marL="0" lvl="0" indent="0" algn="l" rtl="0">
               <a:lnSpc>
                 <a:spcPct val="90000"/>
               </a:lnSpc>
@@ -9844,7 +10046,7 @@
             </a:endParaRPr>
           </a:p>
           <a:p>
-            <a:pPr indent="0" lvl="0" marL="0" rtl="0" algn="l">
+            <a:pPr marL="0" lvl="0" indent="0" algn="l" rtl="0">
               <a:lnSpc>
                 <a:spcPct val="90000"/>
               </a:lnSpc>
@@ -9876,7 +10078,7 @@
             </a:endParaRPr>
           </a:p>
           <a:p>
-            <a:pPr indent="0" lvl="0" marL="0" rtl="0" algn="l">
+            <a:pPr marL="0" lvl="0" indent="0" algn="l" rtl="0">
               <a:lnSpc>
                 <a:spcPct val="90000"/>
               </a:lnSpc>
@@ -9908,7 +10110,7 @@
             </a:endParaRPr>
           </a:p>
           <a:p>
-            <a:pPr indent="0" lvl="0" marL="0" rtl="0" algn="l">
+            <a:pPr marL="0" lvl="0" indent="0" algn="l" rtl="0">
               <a:lnSpc>
                 <a:spcPct val="90000"/>
               </a:lnSpc>
@@ -9940,7 +10142,7 @@
             </a:endParaRPr>
           </a:p>
           <a:p>
-            <a:pPr indent="0" lvl="0" marL="0" rtl="0" algn="l">
+            <a:pPr marL="0" lvl="0" indent="0" algn="l" rtl="0">
               <a:spcBef>
                 <a:spcPts val="0"/>
               </a:spcBef>
@@ -9949,9 +10151,6 @@
               </a:spcAft>
               <a:buNone/>
             </a:pPr>
-            <a:r>
-              <a:t/>
-            </a:r>
             <a:endParaRPr sz="1800"/>
           </a:p>
         </p:txBody>
@@ -9965,11 +10164,11 @@
 </file>
 
 <file path=ppt/slides/slide3.xml><?xml version="1.0" encoding="utf-8"?>
-<p:sld xmlns:a="http://schemas.openxmlformats.org/drawingml/2006/main" xmlns:r="http://schemas.openxmlformats.org/officeDocument/2006/relationships" xmlns:mc="http://schemas.openxmlformats.org/markup-compatibility/2006" xmlns:mv="urn:schemas-microsoft-com:mac:vml" xmlns:p="http://schemas.openxmlformats.org/presentationml/2006/main" xmlns:c="http://schemas.openxmlformats.org/drawingml/2006/chart" xmlns:dgm="http://schemas.openxmlformats.org/drawingml/2006/diagram" xmlns:o="urn:schemas-microsoft-com:office:office" xmlns:v="urn:schemas-microsoft-com:vml" xmlns:pvml="urn:schemas-microsoft-com:office:powerpoint" xmlns:com="http://schemas.openxmlformats.org/drawingml/2006/compatibility" xmlns:p14="http://schemas.microsoft.com/office/powerpoint/2010/main" xmlns:p15="http://schemas.microsoft.com/office/powerpoint/2012/main">
+<p:sld xmlns:a="http://schemas.openxmlformats.org/drawingml/2006/main" xmlns:r="http://schemas.openxmlformats.org/officeDocument/2006/relationships" xmlns:p="http://schemas.openxmlformats.org/presentationml/2006/main">
   <p:cSld>
     <p:spTree>
       <p:nvGrpSpPr>
-        <p:cNvPr id="139" name="Shape 139"/>
+        <p:cNvPr id="1" name="Shape 139"/>
         <p:cNvGrpSpPr/>
         <p:nvPr/>
       </p:nvGrpSpPr>
@@ -9984,7 +10183,9 @@
       <p:sp>
         <p:nvSpPr>
           <p:cNvPr id="140" name="Google Shape;140;p15"/>
-          <p:cNvSpPr txBox="1"/>
+          <p:cNvSpPr txBox="1">
+            <a:spLocks noGrp="1"/>
+          </p:cNvSpPr>
           <p:nvPr>
             <p:ph type="title"/>
           </p:nvPr>
@@ -9999,12 +10200,12 @@
           </a:prstGeom>
         </p:spPr>
         <p:txBody>
-          <a:bodyPr anchorCtr="0" anchor="t" bIns="91425" lIns="91425" spcFirstLastPara="1" rIns="91425" wrap="square" tIns="91425">
+          <a:bodyPr spcFirstLastPara="1" wrap="square" lIns="91425" tIns="91425" rIns="91425" bIns="91425" anchor="t" anchorCtr="0">
             <a:noAutofit/>
           </a:bodyPr>
           <a:lstStyle/>
           <a:p>
-            <a:pPr indent="0" lvl="0" marL="0" rtl="0" algn="l">
+            <a:pPr marL="0" lvl="0" indent="0" algn="l" rtl="0">
               <a:spcBef>
                 <a:spcPts val="0"/>
               </a:spcBef>
@@ -10024,9 +10225,11 @@
       <p:sp>
         <p:nvSpPr>
           <p:cNvPr id="141" name="Google Shape;141;p15"/>
-          <p:cNvSpPr txBox="1"/>
+          <p:cNvSpPr txBox="1">
+            <a:spLocks noGrp="1"/>
+          </p:cNvSpPr>
           <p:nvPr>
-            <p:ph idx="1" type="body"/>
+            <p:ph type="body" idx="1"/>
           </p:nvPr>
         </p:nvSpPr>
         <p:spPr>
@@ -10039,12 +10242,12 @@
           </a:prstGeom>
         </p:spPr>
         <p:txBody>
-          <a:bodyPr anchorCtr="0" anchor="t" bIns="91425" lIns="91425" spcFirstLastPara="1" rIns="91425" wrap="square" tIns="91425">
+          <a:bodyPr spcFirstLastPara="1" wrap="square" lIns="91425" tIns="91425" rIns="91425" bIns="91425" anchor="t" anchorCtr="0">
             <a:noAutofit/>
           </a:bodyPr>
           <a:lstStyle/>
           <a:p>
-            <a:pPr indent="0" lvl="0" marL="0" rtl="0" algn="l">
+            <a:pPr marL="0" lvl="0" indent="0" algn="l" rtl="0">
               <a:spcBef>
                 <a:spcPts val="0"/>
               </a:spcBef>
@@ -10069,7 +10272,7 @@
             <a:endParaRPr sz="1400"/>
           </a:p>
           <a:p>
-            <a:pPr indent="0" lvl="0" marL="0" rtl="0" algn="l">
+            <a:pPr marL="0" lvl="0" indent="0" algn="l" rtl="0">
               <a:spcBef>
                 <a:spcPts val="1600"/>
               </a:spcBef>
@@ -10095,11 +10298,11 @@
 </file>
 
 <file path=ppt/slides/slide4.xml><?xml version="1.0" encoding="utf-8"?>
-<p:sld xmlns:a="http://schemas.openxmlformats.org/drawingml/2006/main" xmlns:r="http://schemas.openxmlformats.org/officeDocument/2006/relationships" xmlns:mc="http://schemas.openxmlformats.org/markup-compatibility/2006" xmlns:mv="urn:schemas-microsoft-com:mac:vml" xmlns:p="http://schemas.openxmlformats.org/presentationml/2006/main" xmlns:c="http://schemas.openxmlformats.org/drawingml/2006/chart" xmlns:dgm="http://schemas.openxmlformats.org/drawingml/2006/diagram" xmlns:o="urn:schemas-microsoft-com:office:office" xmlns:v="urn:schemas-microsoft-com:vml" xmlns:pvml="urn:schemas-microsoft-com:office:powerpoint" xmlns:com="http://schemas.openxmlformats.org/drawingml/2006/compatibility" xmlns:p14="http://schemas.microsoft.com/office/powerpoint/2010/main" xmlns:p15="http://schemas.microsoft.com/office/powerpoint/2012/main">
+<p:sld xmlns:a="http://schemas.openxmlformats.org/drawingml/2006/main" xmlns:r="http://schemas.openxmlformats.org/officeDocument/2006/relationships" xmlns:p="http://schemas.openxmlformats.org/presentationml/2006/main">
   <p:cSld>
     <p:spTree>
       <p:nvGrpSpPr>
-        <p:cNvPr id="145" name="Shape 145"/>
+        <p:cNvPr id="1" name="Shape 145"/>
         <p:cNvGrpSpPr/>
         <p:nvPr/>
       </p:nvGrpSpPr>
@@ -10114,7 +10317,9 @@
       <p:sp>
         <p:nvSpPr>
           <p:cNvPr id="146" name="Google Shape;146;p16"/>
-          <p:cNvSpPr txBox="1"/>
+          <p:cNvSpPr txBox="1">
+            <a:spLocks noGrp="1"/>
+          </p:cNvSpPr>
           <p:nvPr>
             <p:ph type="title"/>
           </p:nvPr>
@@ -10129,12 +10334,12 @@
           </a:prstGeom>
         </p:spPr>
         <p:txBody>
-          <a:bodyPr anchorCtr="0" anchor="t" bIns="91425" lIns="91425" spcFirstLastPara="1" rIns="91425" wrap="square" tIns="91425">
+          <a:bodyPr spcFirstLastPara="1" wrap="square" lIns="91425" tIns="91425" rIns="91425" bIns="91425" anchor="t" anchorCtr="0">
             <a:noAutofit/>
           </a:bodyPr>
           <a:lstStyle/>
           <a:p>
-            <a:pPr indent="0" lvl="0" marL="0" rtl="0" algn="l">
+            <a:pPr marL="0" lvl="0" indent="0" algn="l" rtl="0">
               <a:spcBef>
                 <a:spcPts val="0"/>
               </a:spcBef>
@@ -10154,9 +10359,11 @@
       <p:sp>
         <p:nvSpPr>
           <p:cNvPr id="147" name="Google Shape;147;p16"/>
-          <p:cNvSpPr txBox="1"/>
+          <p:cNvSpPr txBox="1">
+            <a:spLocks noGrp="1"/>
+          </p:cNvSpPr>
           <p:nvPr>
-            <p:ph idx="1" type="body"/>
+            <p:ph type="body" idx="1"/>
           </p:nvPr>
         </p:nvSpPr>
         <p:spPr>
@@ -10169,12 +10376,12 @@
           </a:prstGeom>
         </p:spPr>
         <p:txBody>
-          <a:bodyPr anchorCtr="0" anchor="t" bIns="91425" lIns="91425" spcFirstLastPara="1" rIns="91425" wrap="square" tIns="91425">
+          <a:bodyPr spcFirstLastPara="1" wrap="square" lIns="91425" tIns="91425" rIns="91425" bIns="91425" anchor="t" anchorCtr="0">
             <a:noAutofit/>
           </a:bodyPr>
           <a:lstStyle/>
           <a:p>
-            <a:pPr indent="0" lvl="0" marL="0" rtl="0" algn="l">
+            <a:pPr marL="0" lvl="0" indent="0" algn="l" rtl="0">
               <a:spcBef>
                 <a:spcPts val="0"/>
               </a:spcBef>
@@ -10204,29 +10411,29 @@
           </a:xfrm>
           <a:prstGeom prst="roundRect">
             <a:avLst>
-              <a:gd fmla="val 16667" name="adj"/>
+              <a:gd name="adj" fmla="val 16667"/>
             </a:avLst>
           </a:prstGeom>
           <a:solidFill>
             <a:schemeClr val="lt2"/>
           </a:solidFill>
-          <a:ln cap="flat" cmpd="sng" w="9525">
+          <a:ln w="9525" cap="flat" cmpd="sng">
             <a:solidFill>
               <a:schemeClr val="dk2"/>
             </a:solidFill>
             <a:prstDash val="solid"/>
             <a:round/>
-            <a:headEnd len="sm" w="sm" type="none"/>
-            <a:tailEnd len="sm" w="sm" type="none"/>
+            <a:headEnd type="none" w="sm" len="sm"/>
+            <a:tailEnd type="none" w="sm" len="sm"/>
           </a:ln>
         </p:spPr>
         <p:txBody>
-          <a:bodyPr anchorCtr="0" anchor="ctr" bIns="91425" lIns="91425" spcFirstLastPara="1" rIns="91425" wrap="square" tIns="91425">
+          <a:bodyPr spcFirstLastPara="1" wrap="square" lIns="91425" tIns="91425" rIns="91425" bIns="91425" anchor="ctr" anchorCtr="0">
             <a:noAutofit/>
           </a:bodyPr>
           <a:lstStyle/>
           <a:p>
-            <a:pPr indent="0" lvl="0" marL="0" rtl="0" algn="l">
+            <a:pPr marL="0" lvl="0" indent="0" algn="l" rtl="0">
               <a:spcBef>
                 <a:spcPts val="0"/>
               </a:spcBef>
@@ -10256,29 +10463,29 @@
           </a:xfrm>
           <a:prstGeom prst="roundRect">
             <a:avLst>
-              <a:gd fmla="val 16667" name="adj"/>
+              <a:gd name="adj" fmla="val 16667"/>
             </a:avLst>
           </a:prstGeom>
           <a:solidFill>
             <a:schemeClr val="lt2"/>
           </a:solidFill>
-          <a:ln cap="flat" cmpd="sng" w="9525">
+          <a:ln w="9525" cap="flat" cmpd="sng">
             <a:solidFill>
               <a:schemeClr val="dk2"/>
             </a:solidFill>
             <a:prstDash val="solid"/>
             <a:round/>
-            <a:headEnd len="sm" w="sm" type="none"/>
-            <a:tailEnd len="sm" w="sm" type="none"/>
+            <a:headEnd type="none" w="sm" len="sm"/>
+            <a:tailEnd type="none" w="sm" len="sm"/>
           </a:ln>
         </p:spPr>
         <p:txBody>
-          <a:bodyPr anchorCtr="0" anchor="ctr" bIns="91425" lIns="91425" spcFirstLastPara="1" rIns="91425" wrap="square" tIns="91425">
+          <a:bodyPr spcFirstLastPara="1" wrap="square" lIns="91425" tIns="91425" rIns="91425" bIns="91425" anchor="ctr" anchorCtr="0">
             <a:noAutofit/>
           </a:bodyPr>
           <a:lstStyle/>
           <a:p>
-            <a:pPr indent="0" lvl="0" marL="0" rtl="0" algn="l">
+            <a:pPr marL="0" lvl="0" indent="0" algn="l" rtl="0">
               <a:spcBef>
                 <a:spcPts val="0"/>
               </a:spcBef>
@@ -10313,14 +10520,14 @@
             <a:avLst/>
           </a:prstGeom>
           <a:noFill/>
-          <a:ln cap="flat" cmpd="sng" w="9525">
+          <a:ln w="9525" cap="flat" cmpd="sng">
             <a:solidFill>
               <a:schemeClr val="dk2"/>
             </a:solidFill>
             <a:prstDash val="solid"/>
             <a:round/>
-            <a:headEnd len="med" w="med" type="none"/>
-            <a:tailEnd len="med" w="med" type="triangle"/>
+            <a:headEnd type="none" w="med" len="med"/>
+            <a:tailEnd type="triangle" w="med" len="med"/>
           </a:ln>
         </p:spPr>
       </p:cxnSp>
@@ -10337,29 +10544,29 @@
           </a:xfrm>
           <a:prstGeom prst="roundRect">
             <a:avLst>
-              <a:gd fmla="val 16667" name="adj"/>
+              <a:gd name="adj" fmla="val 16667"/>
             </a:avLst>
           </a:prstGeom>
           <a:solidFill>
             <a:schemeClr val="lt2"/>
           </a:solidFill>
-          <a:ln cap="flat" cmpd="sng" w="9525">
+          <a:ln w="9525" cap="flat" cmpd="sng">
             <a:solidFill>
               <a:schemeClr val="dk2"/>
             </a:solidFill>
             <a:prstDash val="solid"/>
             <a:round/>
-            <a:headEnd len="sm" w="sm" type="none"/>
-            <a:tailEnd len="sm" w="sm" type="none"/>
+            <a:headEnd type="none" w="sm" len="sm"/>
+            <a:tailEnd type="none" w="sm" len="sm"/>
           </a:ln>
         </p:spPr>
         <p:txBody>
-          <a:bodyPr anchorCtr="0" anchor="ctr" bIns="91425" lIns="91425" spcFirstLastPara="1" rIns="91425" wrap="square" tIns="91425">
+          <a:bodyPr spcFirstLastPara="1" wrap="square" lIns="91425" tIns="91425" rIns="91425" bIns="91425" anchor="ctr" anchorCtr="0">
             <a:noAutofit/>
           </a:bodyPr>
           <a:lstStyle/>
           <a:p>
-            <a:pPr indent="0" lvl="0" marL="0" rtl="0" algn="l">
+            <a:pPr marL="0" lvl="0" indent="0" algn="l" rtl="0">
               <a:spcBef>
                 <a:spcPts val="0"/>
               </a:spcBef>
@@ -10393,14 +10600,14 @@
             <a:avLst/>
           </a:prstGeom>
           <a:noFill/>
-          <a:ln cap="flat" cmpd="sng" w="9525">
+          <a:ln w="9525" cap="flat" cmpd="sng">
             <a:solidFill>
               <a:schemeClr val="dk2"/>
             </a:solidFill>
             <a:prstDash val="solid"/>
             <a:round/>
-            <a:headEnd len="med" w="med" type="none"/>
-            <a:tailEnd len="med" w="med" type="triangle"/>
+            <a:headEnd type="none" w="med" len="med"/>
+            <a:tailEnd type="triangle" w="med" len="med"/>
           </a:ln>
         </p:spPr>
       </p:cxnSp>
@@ -10417,29 +10624,29 @@
           </a:xfrm>
           <a:prstGeom prst="roundRect">
             <a:avLst>
-              <a:gd fmla="val 16667" name="adj"/>
+              <a:gd name="adj" fmla="val 16667"/>
             </a:avLst>
           </a:prstGeom>
           <a:solidFill>
             <a:schemeClr val="lt2"/>
           </a:solidFill>
-          <a:ln cap="flat" cmpd="sng" w="9525">
+          <a:ln w="9525" cap="flat" cmpd="sng">
             <a:solidFill>
               <a:schemeClr val="dk2"/>
             </a:solidFill>
             <a:prstDash val="solid"/>
             <a:round/>
-            <a:headEnd len="sm" w="sm" type="none"/>
-            <a:tailEnd len="sm" w="sm" type="none"/>
+            <a:headEnd type="none" w="sm" len="sm"/>
+            <a:tailEnd type="none" w="sm" len="sm"/>
           </a:ln>
         </p:spPr>
         <p:txBody>
-          <a:bodyPr anchorCtr="0" anchor="ctr" bIns="91425" lIns="91425" spcFirstLastPara="1" rIns="91425" wrap="square" tIns="91425">
+          <a:bodyPr spcFirstLastPara="1" wrap="square" lIns="91425" tIns="91425" rIns="91425" bIns="91425" anchor="ctr" anchorCtr="0">
             <a:noAutofit/>
           </a:bodyPr>
           <a:lstStyle/>
           <a:p>
-            <a:pPr indent="0" lvl="0" marL="0" rtl="0" algn="l">
+            <a:pPr marL="0" lvl="0" indent="0" algn="l" rtl="0">
               <a:spcBef>
                 <a:spcPts val="0"/>
               </a:spcBef>
@@ -10473,14 +10680,14 @@
             <a:avLst/>
           </a:prstGeom>
           <a:noFill/>
-          <a:ln cap="flat" cmpd="sng" w="9525">
+          <a:ln w="9525" cap="flat" cmpd="sng">
             <a:solidFill>
               <a:schemeClr val="dk2"/>
             </a:solidFill>
             <a:prstDash val="solid"/>
             <a:round/>
-            <a:headEnd len="med" w="med" type="none"/>
-            <a:tailEnd len="med" w="med" type="triangle"/>
+            <a:headEnd type="none" w="med" len="med"/>
+            <a:tailEnd type="triangle" w="med" len="med"/>
           </a:ln>
         </p:spPr>
       </p:cxnSp>
@@ -10493,11 +10700,11 @@
 </file>
 
 <file path=ppt/slides/slide5.xml><?xml version="1.0" encoding="utf-8"?>
-<p:sld xmlns:a="http://schemas.openxmlformats.org/drawingml/2006/main" xmlns:r="http://schemas.openxmlformats.org/officeDocument/2006/relationships" xmlns:mc="http://schemas.openxmlformats.org/markup-compatibility/2006" xmlns:mv="urn:schemas-microsoft-com:mac:vml" xmlns:p="http://schemas.openxmlformats.org/presentationml/2006/main" xmlns:c="http://schemas.openxmlformats.org/drawingml/2006/chart" xmlns:dgm="http://schemas.openxmlformats.org/drawingml/2006/diagram" xmlns:o="urn:schemas-microsoft-com:office:office" xmlns:v="urn:schemas-microsoft-com:vml" xmlns:pvml="urn:schemas-microsoft-com:office:powerpoint" xmlns:com="http://schemas.openxmlformats.org/drawingml/2006/compatibility" xmlns:p14="http://schemas.microsoft.com/office/powerpoint/2010/main" xmlns:p15="http://schemas.microsoft.com/office/powerpoint/2012/main">
+<p:sld xmlns:a="http://schemas.openxmlformats.org/drawingml/2006/main" xmlns:r="http://schemas.openxmlformats.org/officeDocument/2006/relationships" xmlns:p="http://schemas.openxmlformats.org/presentationml/2006/main">
   <p:cSld>
     <p:spTree>
       <p:nvGrpSpPr>
-        <p:cNvPr id="158" name="Shape 158"/>
+        <p:cNvPr id="1" name="Shape 158"/>
         <p:cNvGrpSpPr/>
         <p:nvPr/>
       </p:nvGrpSpPr>
@@ -10512,7 +10719,9 @@
       <p:sp>
         <p:nvSpPr>
           <p:cNvPr id="159" name="Google Shape;159;p17"/>
-          <p:cNvSpPr txBox="1"/>
+          <p:cNvSpPr txBox="1">
+            <a:spLocks noGrp="1"/>
+          </p:cNvSpPr>
           <p:nvPr>
             <p:ph type="title"/>
           </p:nvPr>
@@ -10527,12 +10736,12 @@
           </a:prstGeom>
         </p:spPr>
         <p:txBody>
-          <a:bodyPr anchorCtr="0" anchor="t" bIns="91425" lIns="91425" spcFirstLastPara="1" rIns="91425" wrap="square" tIns="91425">
+          <a:bodyPr spcFirstLastPara="1" wrap="square" lIns="91425" tIns="91425" rIns="91425" bIns="91425" anchor="t" anchorCtr="0">
             <a:noAutofit/>
           </a:bodyPr>
           <a:lstStyle/>
           <a:p>
-            <a:pPr indent="0" lvl="0" marL="0" rtl="0" algn="l">
+            <a:pPr marL="0" lvl="0" indent="0" algn="l" rtl="0">
               <a:spcBef>
                 <a:spcPts val="0"/>
               </a:spcBef>
@@ -10552,9 +10761,11 @@
       <p:sp>
         <p:nvSpPr>
           <p:cNvPr id="160" name="Google Shape;160;p17"/>
-          <p:cNvSpPr txBox="1"/>
+          <p:cNvSpPr txBox="1">
+            <a:spLocks noGrp="1"/>
+          </p:cNvSpPr>
           <p:nvPr>
-            <p:ph idx="1" type="body"/>
+            <p:ph type="body" idx="1"/>
           </p:nvPr>
         </p:nvSpPr>
         <p:spPr>
@@ -10567,12 +10778,12 @@
           </a:prstGeom>
         </p:spPr>
         <p:txBody>
-          <a:bodyPr anchorCtr="0" anchor="t" bIns="91425" lIns="91425" spcFirstLastPara="1" rIns="91425" wrap="square" tIns="91425">
+          <a:bodyPr spcFirstLastPara="1" wrap="square" lIns="91425" tIns="91425" rIns="91425" bIns="91425" anchor="t" anchorCtr="0">
             <a:noAutofit/>
           </a:bodyPr>
           <a:lstStyle/>
           <a:p>
-            <a:pPr indent="-311150" lvl="0" marL="457200" rtl="0" algn="l">
+            <a:pPr marL="457200" lvl="0" indent="-311150" algn="l" rtl="0">
               <a:spcBef>
                 <a:spcPts val="0"/>
               </a:spcBef>
@@ -10589,7 +10800,7 @@
             <a:endParaRPr/>
           </a:p>
           <a:p>
-            <a:pPr indent="-298450" lvl="1" marL="914400" rtl="0" algn="l">
+            <a:pPr marL="914400" lvl="1" indent="-298450" algn="l" rtl="0">
               <a:spcBef>
                 <a:spcPts val="0"/>
               </a:spcBef>
@@ -10606,7 +10817,7 @@
             <a:endParaRPr/>
           </a:p>
           <a:p>
-            <a:pPr indent="-311150" lvl="0" marL="457200" rtl="0" algn="l">
+            <a:pPr marL="457200" lvl="0" indent="-311150" algn="l" rtl="0">
               <a:spcBef>
                 <a:spcPts val="0"/>
               </a:spcBef>
@@ -10623,7 +10834,7 @@
             <a:endParaRPr/>
           </a:p>
           <a:p>
-            <a:pPr indent="-298450" lvl="1" marL="914400" rtl="0" algn="l">
+            <a:pPr marL="914400" lvl="1" indent="-298450" algn="l" rtl="0">
               <a:spcBef>
                 <a:spcPts val="0"/>
               </a:spcBef>
@@ -10640,7 +10851,7 @@
             <a:endParaRPr/>
           </a:p>
           <a:p>
-            <a:pPr indent="-298450" lvl="1" marL="914400" rtl="0" algn="l">
+            <a:pPr marL="914400" lvl="1" indent="-298450" algn="l" rtl="0">
               <a:spcBef>
                 <a:spcPts val="0"/>
               </a:spcBef>
@@ -10657,7 +10868,7 @@
             <a:endParaRPr/>
           </a:p>
           <a:p>
-            <a:pPr indent="-298450" lvl="1" marL="914400" rtl="0" algn="l">
+            <a:pPr marL="914400" lvl="1" indent="-298450" algn="l" rtl="0">
               <a:spcBef>
                 <a:spcPts val="0"/>
               </a:spcBef>
@@ -10674,7 +10885,7 @@
             <a:endParaRPr/>
           </a:p>
           <a:p>
-            <a:pPr indent="-311150" lvl="0" marL="457200" rtl="0" algn="l">
+            <a:pPr marL="457200" lvl="0" indent="-311150" algn="l" rtl="0">
               <a:spcBef>
                 <a:spcPts val="0"/>
               </a:spcBef>
@@ -10691,7 +10902,7 @@
             <a:endParaRPr/>
           </a:p>
           <a:p>
-            <a:pPr indent="-298450" lvl="1" marL="914400" rtl="0" algn="l">
+            <a:pPr marL="914400" lvl="1" indent="-298450" algn="l" rtl="0">
               <a:spcBef>
                 <a:spcPts val="0"/>
               </a:spcBef>
@@ -10708,7 +10919,7 @@
             <a:endParaRPr/>
           </a:p>
           <a:p>
-            <a:pPr indent="-298450" lvl="1" marL="914400" rtl="0" algn="l">
+            <a:pPr marL="914400" lvl="1" indent="-298450" algn="l" rtl="0">
               <a:spcBef>
                 <a:spcPts val="0"/>
               </a:spcBef>
@@ -10735,11 +10946,11 @@
 </file>
 
 <file path=ppt/slides/slide6.xml><?xml version="1.0" encoding="utf-8"?>
-<p:sld xmlns:a="http://schemas.openxmlformats.org/drawingml/2006/main" xmlns:r="http://schemas.openxmlformats.org/officeDocument/2006/relationships" xmlns:mc="http://schemas.openxmlformats.org/markup-compatibility/2006" xmlns:mv="urn:schemas-microsoft-com:mac:vml" xmlns:p="http://schemas.openxmlformats.org/presentationml/2006/main" xmlns:c="http://schemas.openxmlformats.org/drawingml/2006/chart" xmlns:dgm="http://schemas.openxmlformats.org/drawingml/2006/diagram" xmlns:o="urn:schemas-microsoft-com:office:office" xmlns:v="urn:schemas-microsoft-com:vml" xmlns:pvml="urn:schemas-microsoft-com:office:powerpoint" xmlns:com="http://schemas.openxmlformats.org/drawingml/2006/compatibility" xmlns:p14="http://schemas.microsoft.com/office/powerpoint/2010/main" xmlns:p15="http://schemas.microsoft.com/office/powerpoint/2012/main">
+<p:sld xmlns:a="http://schemas.openxmlformats.org/drawingml/2006/main" xmlns:r="http://schemas.openxmlformats.org/officeDocument/2006/relationships" xmlns:p="http://schemas.openxmlformats.org/presentationml/2006/main">
   <p:cSld>
     <p:spTree>
       <p:nvGrpSpPr>
-        <p:cNvPr id="164" name="Shape 164"/>
+        <p:cNvPr id="1" name="Shape 164"/>
         <p:cNvGrpSpPr/>
         <p:nvPr/>
       </p:nvGrpSpPr>
@@ -10754,7 +10965,9 @@
       <p:sp>
         <p:nvSpPr>
           <p:cNvPr id="165" name="Google Shape;165;p18"/>
-          <p:cNvSpPr txBox="1"/>
+          <p:cNvSpPr txBox="1">
+            <a:spLocks noGrp="1"/>
+          </p:cNvSpPr>
           <p:nvPr>
             <p:ph type="title"/>
           </p:nvPr>
@@ -10769,12 +10982,12 @@
           </a:prstGeom>
         </p:spPr>
         <p:txBody>
-          <a:bodyPr anchorCtr="0" anchor="t" bIns="91425" lIns="91425" spcFirstLastPara="1" rIns="91425" wrap="square" tIns="91425">
+          <a:bodyPr spcFirstLastPara="1" wrap="square" lIns="91425" tIns="91425" rIns="91425" bIns="91425" anchor="t" anchorCtr="0">
             <a:noAutofit/>
           </a:bodyPr>
           <a:lstStyle/>
           <a:p>
-            <a:pPr indent="0" lvl="0" marL="0" rtl="0" algn="l">
+            <a:pPr marL="0" lvl="0" indent="0" algn="l" rtl="0">
               <a:spcBef>
                 <a:spcPts val="0"/>
               </a:spcBef>
@@ -10794,9 +11007,11 @@
       <p:sp>
         <p:nvSpPr>
           <p:cNvPr id="166" name="Google Shape;166;p18"/>
-          <p:cNvSpPr txBox="1"/>
+          <p:cNvSpPr txBox="1">
+            <a:spLocks noGrp="1"/>
+          </p:cNvSpPr>
           <p:nvPr>
-            <p:ph idx="1" type="body"/>
+            <p:ph type="body" idx="1"/>
           </p:nvPr>
         </p:nvSpPr>
         <p:spPr>
@@ -10809,12 +11024,12 @@
           </a:prstGeom>
         </p:spPr>
         <p:txBody>
-          <a:bodyPr anchorCtr="0" anchor="t" bIns="91425" lIns="91425" spcFirstLastPara="1" rIns="91425" wrap="square" tIns="91425">
+          <a:bodyPr spcFirstLastPara="1" wrap="square" lIns="91425" tIns="91425" rIns="91425" bIns="91425" anchor="t" anchorCtr="0">
             <a:noAutofit/>
           </a:bodyPr>
           <a:lstStyle/>
           <a:p>
-            <a:pPr indent="0" lvl="0" marL="0" rtl="0" algn="l">
+            <a:pPr marL="0" lvl="0" indent="0" algn="l" rtl="0">
               <a:spcBef>
                 <a:spcPts val="0"/>
               </a:spcBef>
@@ -10824,12 +11039,8 @@
               <a:buNone/>
             </a:pPr>
             <a:r>
-              <a:rPr b="1" lang="en"/>
-              <a:t>MSE: </a:t>
-            </a:r>
-            <a:r>
-              <a:rPr b="1" lang="en"/>
-              <a:t>174113</a:t>
+              <a:rPr lang="en" b="1"/>
+              <a:t>MSE: 174113</a:t>
             </a:r>
             <a:r>
               <a:rPr lang="en"/>
@@ -10838,7 +11049,7 @@
             <a:endParaRPr/>
           </a:p>
           <a:p>
-            <a:pPr indent="0" lvl="0" marL="0" rtl="0" algn="l">
+            <a:pPr marL="0" lvl="0" indent="0" algn="l" rtl="0">
               <a:spcBef>
                 <a:spcPts val="1600"/>
               </a:spcBef>
@@ -10854,7 +11065,7 @@
             <a:endParaRPr/>
           </a:p>
           <a:p>
-            <a:pPr indent="0" lvl="0" marL="0" rtl="0" algn="l">
+            <a:pPr marL="0" lvl="0" indent="0" algn="l" rtl="0">
               <a:spcBef>
                 <a:spcPts val="1600"/>
               </a:spcBef>
@@ -10864,17 +11075,13 @@
               <a:buNone/>
             </a:pPr>
             <a:r>
-              <a:rPr b="1" lang="en"/>
-              <a:t>R-Squared: </a:t>
-            </a:r>
-            <a:r>
-              <a:rPr b="1" lang="en"/>
-              <a:t>0.761</a:t>
+              <a:rPr lang="en" b="1"/>
+              <a:t>R-Squared: 0.761</a:t>
             </a:r>
             <a:endParaRPr/>
           </a:p>
           <a:p>
-            <a:pPr indent="0" lvl="0" marL="0" rtl="0" algn="l">
+            <a:pPr marL="0" lvl="0" indent="0" algn="l" rtl="0">
               <a:spcBef>
                 <a:spcPts val="1600"/>
               </a:spcBef>
@@ -10890,7 +11097,7 @@
             <a:endParaRPr/>
           </a:p>
           <a:p>
-            <a:pPr indent="0" lvl="0" marL="0" rtl="0" algn="l">
+            <a:pPr marL="0" lvl="0" indent="0" algn="l" rtl="0">
               <a:spcBef>
                 <a:spcPts val="1600"/>
               </a:spcBef>
@@ -10900,13 +11107,13 @@
               <a:buNone/>
             </a:pPr>
             <a:r>
-              <a:rPr b="1" lang="en"/>
+              <a:rPr lang="en" b="1"/>
               <a:t>Running time: 24 seconds</a:t>
             </a:r>
             <a:endParaRPr b="1"/>
           </a:p>
           <a:p>
-            <a:pPr indent="0" lvl="0" marL="0" rtl="0" algn="l">
+            <a:pPr marL="0" lvl="0" indent="0" algn="l" rtl="0">
               <a:spcBef>
                 <a:spcPts val="1600"/>
               </a:spcBef>
@@ -10932,11 +11139,11 @@
 </file>
 
 <file path=ppt/slides/slide7.xml><?xml version="1.0" encoding="utf-8"?>
-<p:sld xmlns:a="http://schemas.openxmlformats.org/drawingml/2006/main" xmlns:r="http://schemas.openxmlformats.org/officeDocument/2006/relationships" xmlns:mc="http://schemas.openxmlformats.org/markup-compatibility/2006" xmlns:mv="urn:schemas-microsoft-com:mac:vml" xmlns:p="http://schemas.openxmlformats.org/presentationml/2006/main" xmlns:c="http://schemas.openxmlformats.org/drawingml/2006/chart" xmlns:dgm="http://schemas.openxmlformats.org/drawingml/2006/diagram" xmlns:o="urn:schemas-microsoft-com:office:office" xmlns:v="urn:schemas-microsoft-com:vml" xmlns:pvml="urn:schemas-microsoft-com:office:powerpoint" xmlns:com="http://schemas.openxmlformats.org/drawingml/2006/compatibility" xmlns:p14="http://schemas.microsoft.com/office/powerpoint/2010/main" xmlns:p15="http://schemas.microsoft.com/office/powerpoint/2012/main">
+<p:sld xmlns:a="http://schemas.openxmlformats.org/drawingml/2006/main" xmlns:r="http://schemas.openxmlformats.org/officeDocument/2006/relationships" xmlns:p="http://schemas.openxmlformats.org/presentationml/2006/main">
   <p:cSld>
     <p:spTree>
       <p:nvGrpSpPr>
-        <p:cNvPr id="170" name="Shape 170"/>
+        <p:cNvPr id="1" name="Shape 170"/>
         <p:cNvGrpSpPr/>
         <p:nvPr/>
       </p:nvGrpSpPr>
@@ -10951,7 +11158,9 @@
       <p:sp>
         <p:nvSpPr>
           <p:cNvPr id="171" name="Google Shape;171;p19"/>
-          <p:cNvSpPr txBox="1"/>
+          <p:cNvSpPr txBox="1">
+            <a:spLocks noGrp="1"/>
+          </p:cNvSpPr>
           <p:nvPr>
             <p:ph type="title"/>
           </p:nvPr>
@@ -10966,12 +11175,12 @@
           </a:prstGeom>
         </p:spPr>
         <p:txBody>
-          <a:bodyPr anchorCtr="0" anchor="t" bIns="91425" lIns="91425" spcFirstLastPara="1" rIns="91425" wrap="square" tIns="91425">
+          <a:bodyPr spcFirstLastPara="1" wrap="square" lIns="91425" tIns="91425" rIns="91425" bIns="91425" anchor="t" anchorCtr="0">
             <a:noAutofit/>
           </a:bodyPr>
           <a:lstStyle/>
           <a:p>
-            <a:pPr indent="0" lvl="0" marL="0" rtl="0" algn="l">
+            <a:pPr marL="0" lvl="0" indent="0" algn="l" rtl="0">
               <a:spcBef>
                 <a:spcPts val="0"/>
               </a:spcBef>
@@ -10991,9 +11200,11 @@
       <p:sp>
         <p:nvSpPr>
           <p:cNvPr id="172" name="Google Shape;172;p19"/>
-          <p:cNvSpPr txBox="1"/>
+          <p:cNvSpPr txBox="1">
+            <a:spLocks noGrp="1"/>
+          </p:cNvSpPr>
           <p:nvPr>
-            <p:ph idx="1" type="body"/>
+            <p:ph type="body" idx="1"/>
           </p:nvPr>
         </p:nvSpPr>
         <p:spPr>
@@ -11006,12 +11217,12 @@
           </a:prstGeom>
         </p:spPr>
         <p:txBody>
-          <a:bodyPr anchorCtr="0" anchor="t" bIns="91425" lIns="91425" spcFirstLastPara="1" rIns="91425" wrap="square" tIns="91425">
+          <a:bodyPr spcFirstLastPara="1" wrap="square" lIns="91425" tIns="91425" rIns="91425" bIns="91425" anchor="t" anchorCtr="0">
             <a:noAutofit/>
           </a:bodyPr>
           <a:lstStyle/>
           <a:p>
-            <a:pPr indent="-342900" lvl="0" marL="457200" rtl="0" algn="l">
+            <a:pPr marL="457200" lvl="0" indent="-342900" algn="l" rtl="0">
               <a:spcBef>
                 <a:spcPts val="0"/>
               </a:spcBef>
@@ -11028,7 +11239,7 @@
             <a:endParaRPr sz="1800"/>
           </a:p>
           <a:p>
-            <a:pPr indent="-342900" lvl="0" marL="457200" rtl="0" algn="l">
+            <a:pPr marL="457200" lvl="0" indent="-342900" algn="l" rtl="0">
               <a:spcBef>
                 <a:spcPts val="0"/>
               </a:spcBef>
@@ -11045,7 +11256,7 @@
             <a:endParaRPr sz="1800"/>
           </a:p>
           <a:p>
-            <a:pPr indent="-342900" lvl="0" marL="457200" rtl="0" algn="l">
+            <a:pPr marL="457200" lvl="0" indent="-342900" algn="l" rtl="0">
               <a:spcBef>
                 <a:spcPts val="0"/>
               </a:spcBef>
@@ -11062,7 +11273,7 @@
             <a:endParaRPr sz="1800"/>
           </a:p>
           <a:p>
-            <a:pPr indent="-342900" lvl="0" marL="457200" rtl="0" algn="l">
+            <a:pPr marL="457200" lvl="0" indent="-342900" algn="l" rtl="0">
               <a:spcBef>
                 <a:spcPts val="0"/>
               </a:spcBef>
@@ -11079,7 +11290,7 @@
             <a:endParaRPr sz="1800"/>
           </a:p>
           <a:p>
-            <a:pPr indent="-342900" lvl="0" marL="457200" rtl="0" algn="l">
+            <a:pPr marL="457200" lvl="0" indent="-342900" algn="l" rtl="0">
               <a:spcBef>
                 <a:spcPts val="0"/>
               </a:spcBef>
@@ -11096,7 +11307,7 @@
             <a:endParaRPr sz="1800"/>
           </a:p>
           <a:p>
-            <a:pPr indent="-342900" lvl="0" marL="457200" rtl="0" algn="l">
+            <a:pPr marL="457200" lvl="0" indent="-342900" algn="l" rtl="0">
               <a:spcBef>
                 <a:spcPts val="0"/>
               </a:spcBef>
@@ -11123,11 +11334,11 @@
 </file>
 
 <file path=ppt/slides/slide8.xml><?xml version="1.0" encoding="utf-8"?>
-<p:sld xmlns:a="http://schemas.openxmlformats.org/drawingml/2006/main" xmlns:r="http://schemas.openxmlformats.org/officeDocument/2006/relationships" xmlns:mc="http://schemas.openxmlformats.org/markup-compatibility/2006" xmlns:mv="urn:schemas-microsoft-com:mac:vml" xmlns:p="http://schemas.openxmlformats.org/presentationml/2006/main" xmlns:c="http://schemas.openxmlformats.org/drawingml/2006/chart" xmlns:dgm="http://schemas.openxmlformats.org/drawingml/2006/diagram" xmlns:o="urn:schemas-microsoft-com:office:office" xmlns:v="urn:schemas-microsoft-com:vml" xmlns:pvml="urn:schemas-microsoft-com:office:powerpoint" xmlns:com="http://schemas.openxmlformats.org/drawingml/2006/compatibility" xmlns:p14="http://schemas.microsoft.com/office/powerpoint/2010/main" xmlns:p15="http://schemas.microsoft.com/office/powerpoint/2012/main">
+<p:sld xmlns:a="http://schemas.openxmlformats.org/drawingml/2006/main" xmlns:r="http://schemas.openxmlformats.org/officeDocument/2006/relationships" xmlns:p="http://schemas.openxmlformats.org/presentationml/2006/main">
   <p:cSld>
     <p:spTree>
       <p:nvGrpSpPr>
-        <p:cNvPr id="176" name="Shape 176"/>
+        <p:cNvPr id="1" name="Shape 176"/>
         <p:cNvGrpSpPr/>
         <p:nvPr/>
       </p:nvGrpSpPr>
@@ -11142,7 +11353,9 @@
       <p:sp>
         <p:nvSpPr>
           <p:cNvPr id="177" name="Google Shape;177;p20"/>
-          <p:cNvSpPr txBox="1"/>
+          <p:cNvSpPr txBox="1">
+            <a:spLocks noGrp="1"/>
+          </p:cNvSpPr>
           <p:nvPr>
             <p:ph type="title"/>
           </p:nvPr>
@@ -11157,12 +11370,12 @@
           </a:prstGeom>
         </p:spPr>
         <p:txBody>
-          <a:bodyPr anchorCtr="0" anchor="t" bIns="91425" lIns="91425" spcFirstLastPara="1" rIns="91425" wrap="square" tIns="91425">
+          <a:bodyPr spcFirstLastPara="1" wrap="square" lIns="91425" tIns="91425" rIns="91425" bIns="91425" anchor="t" anchorCtr="0">
             <a:noAutofit/>
           </a:bodyPr>
           <a:lstStyle/>
           <a:p>
-            <a:pPr indent="0" lvl="0" marL="0" rtl="0" algn="l">
+            <a:pPr marL="0" lvl="0" indent="0" algn="l" rtl="0">
               <a:spcBef>
                 <a:spcPts val="0"/>
               </a:spcBef>
@@ -11182,9 +11395,11 @@
       <p:sp>
         <p:nvSpPr>
           <p:cNvPr id="178" name="Google Shape;178;p20"/>
-          <p:cNvSpPr txBox="1"/>
+          <p:cNvSpPr txBox="1">
+            <a:spLocks noGrp="1"/>
+          </p:cNvSpPr>
           <p:nvPr>
-            <p:ph idx="1" type="body"/>
+            <p:ph type="body" idx="1"/>
           </p:nvPr>
         </p:nvSpPr>
         <p:spPr>
@@ -11197,12 +11412,12 @@
           </a:prstGeom>
         </p:spPr>
         <p:txBody>
-          <a:bodyPr anchorCtr="0" anchor="t" bIns="91425" lIns="91425" spcFirstLastPara="1" rIns="91425" wrap="square" tIns="91425">
+          <a:bodyPr spcFirstLastPara="1" wrap="square" lIns="91425" tIns="91425" rIns="91425" bIns="91425" anchor="t" anchorCtr="0">
             <a:noAutofit/>
           </a:bodyPr>
           <a:lstStyle/>
           <a:p>
-            <a:pPr indent="0" lvl="0" marL="0" rtl="0" algn="l">
+            <a:pPr marL="0" lvl="0" indent="0" algn="l" rtl="0">
               <a:spcBef>
                 <a:spcPts val="0"/>
               </a:spcBef>
@@ -11211,9 +11426,6 @@
               </a:spcAft>
               <a:buNone/>
             </a:pPr>
-            <a:r>
-              <a:t/>
-            </a:r>
             <a:endParaRPr/>
           </a:p>
         </p:txBody>
@@ -11255,11 +11467,11 @@
 </file>
 
 <file path=ppt/slides/slide9.xml><?xml version="1.0" encoding="utf-8"?>
-<p:sld xmlns:a="http://schemas.openxmlformats.org/drawingml/2006/main" xmlns:r="http://schemas.openxmlformats.org/officeDocument/2006/relationships" xmlns:mc="http://schemas.openxmlformats.org/markup-compatibility/2006" xmlns:mv="urn:schemas-microsoft-com:mac:vml" xmlns:p="http://schemas.openxmlformats.org/presentationml/2006/main" xmlns:c="http://schemas.openxmlformats.org/drawingml/2006/chart" xmlns:dgm="http://schemas.openxmlformats.org/drawingml/2006/diagram" xmlns:o="urn:schemas-microsoft-com:office:office" xmlns:v="urn:schemas-microsoft-com:vml" xmlns:pvml="urn:schemas-microsoft-com:office:powerpoint" xmlns:com="http://schemas.openxmlformats.org/drawingml/2006/compatibility" xmlns:p14="http://schemas.microsoft.com/office/powerpoint/2010/main" xmlns:p15="http://schemas.microsoft.com/office/powerpoint/2012/main">
+<p:sld xmlns:a="http://schemas.openxmlformats.org/drawingml/2006/main" xmlns:r="http://schemas.openxmlformats.org/officeDocument/2006/relationships" xmlns:p="http://schemas.openxmlformats.org/presentationml/2006/main">
   <p:cSld>
     <p:spTree>
       <p:nvGrpSpPr>
-        <p:cNvPr id="183" name="Shape 183"/>
+        <p:cNvPr id="1" name=""/>
         <p:cNvGrpSpPr/>
         <p:nvPr/>
       </p:nvGrpSpPr>
@@ -11273,137 +11485,94 @@
       </p:grpSpPr>
       <p:sp>
         <p:nvSpPr>
-          <p:cNvPr id="184" name="Google Shape;184;p21"/>
-          <p:cNvSpPr txBox="1"/>
+          <p:cNvPr id="2" name="标题 1">
+            <a:extLst>
+              <a:ext uri="{FF2B5EF4-FFF2-40B4-BE49-F238E27FC236}">
+                <a16:creationId xmlns:a16="http://schemas.microsoft.com/office/drawing/2014/main" id="{1A28465D-14C8-4B84-BDF4-C5E468C7C5B6}"/>
+              </a:ext>
+            </a:extLst>
+          </p:cNvPr>
+          <p:cNvSpPr>
+            <a:spLocks noGrp="1"/>
+          </p:cNvSpPr>
           <p:nvPr>
             <p:ph type="title"/>
           </p:nvPr>
         </p:nvSpPr>
+        <p:spPr/>
+        <p:txBody>
+          <a:bodyPr/>
+          <a:lstStyle/>
+          <a:p>
+            <a:r>
+              <a:rPr lang="en-US" altLang="zh-CN" dirty="0"/>
+              <a:t>Zeppelin notebook UI</a:t>
+            </a:r>
+            <a:endParaRPr lang="zh-CN" altLang="en-US" dirty="0"/>
+          </a:p>
+        </p:txBody>
+      </p:sp>
+      <p:sp>
+        <p:nvSpPr>
+          <p:cNvPr id="3" name="文本占位符 2">
+            <a:extLst>
+              <a:ext uri="{FF2B5EF4-FFF2-40B4-BE49-F238E27FC236}">
+                <a16:creationId xmlns:a16="http://schemas.microsoft.com/office/drawing/2014/main" id="{3307A552-557F-4EAC-82FD-FE4072005FD6}"/>
+              </a:ext>
+            </a:extLst>
+          </p:cNvPr>
+          <p:cNvSpPr>
+            <a:spLocks noGrp="1"/>
+          </p:cNvSpPr>
+          <p:nvPr>
+            <p:ph type="body" idx="1"/>
+          </p:nvPr>
+        </p:nvSpPr>
+        <p:spPr/>
+        <p:txBody>
+          <a:bodyPr/>
+          <a:lstStyle/>
+          <a:p>
+            <a:endParaRPr lang="zh-CN" altLang="en-US" dirty="0"/>
+          </a:p>
+        </p:txBody>
+      </p:sp>
+      <p:pic>
+        <p:nvPicPr>
+          <p:cNvPr id="5" name="图片 4">
+            <a:extLst>
+              <a:ext uri="{FF2B5EF4-FFF2-40B4-BE49-F238E27FC236}">
+                <a16:creationId xmlns:a16="http://schemas.microsoft.com/office/drawing/2014/main" id="{C0371722-DC77-4E73-B0B4-1A7E67AF8E26}"/>
+              </a:ext>
+            </a:extLst>
+          </p:cNvPr>
+          <p:cNvPicPr>
+            <a:picLocks noChangeAspect="1"/>
+          </p:cNvPicPr>
+          <p:nvPr/>
+        </p:nvPicPr>
+        <p:blipFill>
+          <a:blip r:embed="rId2"/>
+          <a:stretch>
+            <a:fillRect/>
+          </a:stretch>
+        </p:blipFill>
         <p:spPr>
           <a:xfrm>
-            <a:off x="819150" y="845600"/>
-            <a:ext cx="7505700" cy="954600"/>
+            <a:off x="423237" y="1560213"/>
+            <a:ext cx="8057170" cy="3232413"/>
           </a:xfrm>
           <a:prstGeom prst="rect">
             <a:avLst/>
           </a:prstGeom>
         </p:spPr>
-        <p:txBody>
-          <a:bodyPr anchorCtr="0" anchor="t" bIns="91425" lIns="91425" spcFirstLastPara="1" rIns="91425" wrap="square" tIns="91425">
-            <a:noAutofit/>
-          </a:bodyPr>
-          <a:lstStyle/>
-          <a:p>
-            <a:pPr indent="0" lvl="0" marL="0" rtl="0" algn="l">
-              <a:spcBef>
-                <a:spcPts val="0"/>
-              </a:spcBef>
-              <a:spcAft>
-                <a:spcPts val="0"/>
-              </a:spcAft>
-              <a:buNone/>
-            </a:pPr>
-            <a:r>
-              <a:rPr lang="en"/>
-              <a:t>Conclusion</a:t>
-            </a:r>
-            <a:endParaRPr/>
-          </a:p>
-        </p:txBody>
-      </p:sp>
-      <p:sp>
-        <p:nvSpPr>
-          <p:cNvPr id="185" name="Google Shape;185;p21"/>
-          <p:cNvSpPr txBox="1"/>
-          <p:nvPr>
-            <p:ph idx="1" type="body"/>
-          </p:nvPr>
-        </p:nvSpPr>
-        <p:spPr>
-          <a:xfrm>
-            <a:off x="777825" y="1990725"/>
-            <a:ext cx="7505700" cy="2448000"/>
-          </a:xfrm>
-          <a:prstGeom prst="rect">
-            <a:avLst/>
-          </a:prstGeom>
-        </p:spPr>
-        <p:txBody>
-          <a:bodyPr anchorCtr="0" anchor="t" bIns="91425" lIns="91425" spcFirstLastPara="1" rIns="91425" wrap="square" tIns="91425">
-            <a:noAutofit/>
-          </a:bodyPr>
-          <a:lstStyle/>
-          <a:p>
-            <a:pPr indent="-342900" lvl="0" marL="457200" rtl="0" algn="l">
-              <a:spcBef>
-                <a:spcPts val="0"/>
-              </a:spcBef>
-              <a:spcAft>
-                <a:spcPts val="0"/>
-              </a:spcAft>
-              <a:buSzPts val="1800"/>
-              <a:buChar char="●"/>
-            </a:pPr>
-            <a:r>
-              <a:rPr lang="en" sz="1800"/>
-              <a:t>This dataset is quite complex for linear regression and the relation of k-NN is hard to observe</a:t>
-            </a:r>
-            <a:endParaRPr sz="1800"/>
-          </a:p>
-          <a:p>
-            <a:pPr indent="-342900" lvl="0" marL="457200" rtl="0" algn="l">
-              <a:spcBef>
-                <a:spcPts val="0"/>
-              </a:spcBef>
-              <a:spcAft>
-                <a:spcPts val="0"/>
-              </a:spcAft>
-              <a:buSzPts val="1800"/>
-              <a:buChar char="●"/>
-            </a:pPr>
-            <a:r>
-              <a:rPr lang="en" sz="1800"/>
-              <a:t>The log scale helps reducing the variance of sqft_living and price</a:t>
-            </a:r>
-            <a:endParaRPr sz="1800"/>
-          </a:p>
-          <a:p>
-            <a:pPr indent="-342900" lvl="0" marL="457200" rtl="0" algn="l">
-              <a:spcBef>
-                <a:spcPts val="0"/>
-              </a:spcBef>
-              <a:spcAft>
-                <a:spcPts val="0"/>
-              </a:spcAft>
-              <a:buSzPts val="1800"/>
-              <a:buChar char="●"/>
-            </a:pPr>
-            <a:r>
-              <a:rPr lang="en" sz="1800"/>
-              <a:t>The random forest tree has better performance but it takes a lot more time</a:t>
-            </a:r>
-            <a:endParaRPr sz="1800"/>
-          </a:p>
-          <a:p>
-            <a:pPr indent="-342900" lvl="0" marL="457200" rtl="0" algn="l">
-              <a:spcBef>
-                <a:spcPts val="0"/>
-              </a:spcBef>
-              <a:spcAft>
-                <a:spcPts val="0"/>
-              </a:spcAft>
-              <a:buSzPts val="1800"/>
-              <a:buChar char="●"/>
-            </a:pPr>
-            <a:r>
-              <a:rPr lang="en" sz="1800"/>
-              <a:t>The tree models are tend to overfit on training dataset, the split of training and testing is very important</a:t>
-            </a:r>
-            <a:endParaRPr sz="1800"/>
-          </a:p>
-        </p:txBody>
-      </p:sp>
+      </p:pic>
     </p:spTree>
+    <p:extLst>
+      <p:ext uri="{BB962C8B-B14F-4D97-AF65-F5344CB8AC3E}">
+        <p14:creationId xmlns:p14="http://schemas.microsoft.com/office/powerpoint/2010/main" val="210592981"/>
+      </p:ext>
+    </p:extLst>
   </p:cSld>
   <p:clrMapOvr>
     <a:masterClrMapping/>
@@ -11412,7 +11581,7 @@
 </file>
 
 <file path=ppt/theme/theme1.xml><?xml version="1.0" encoding="utf-8"?>
-<a:theme xmlns:a="http://schemas.openxmlformats.org/drawingml/2006/main" xmlns:r="http://schemas.openxmlformats.org/officeDocument/2006/relationships" name="Shift">
+<a:theme xmlns:a="http://schemas.openxmlformats.org/drawingml/2006/main" name="Shift">
   <a:themeElements>
     <a:clrScheme name="Shift">
       <a:dk1>
@@ -11687,11 +11856,13 @@
       </a:bgFillStyleLst>
     </a:fmtScheme>
   </a:themeElements>
+  <a:objectDefaults/>
+  <a:extraClrSchemeLst/>
 </a:theme>
 </file>
 
 <file path=ppt/theme/theme2.xml><?xml version="1.0" encoding="utf-8"?>
-<a:theme xmlns:a="http://schemas.openxmlformats.org/drawingml/2006/main" xmlns:r="http://schemas.openxmlformats.org/officeDocument/2006/relationships">
+<a:theme xmlns:a="http://schemas.openxmlformats.org/drawingml/2006/main">
   <a:themeElements>
     <a:clrScheme name="Default">
       <a:dk1>
@@ -11966,5 +12137,7 @@
       </a:bgFillStyleLst>
     </a:fmtScheme>
   </a:themeElements>
+  <a:objectDefaults/>
+  <a:extraClrSchemeLst/>
 </a:theme>
 </file>
--- a/Final Presentation.pptx
+++ b/Final Presentation.pptx
@@ -30,7 +30,7 @@
       <p:boldItalic r:id="rId16"/>
     </p:embeddedFont>
     <p:embeddedFont>
-      <p:font typeface="Nunito" panose="02010600030101010101" charset="0"/>
+      <p:font typeface="Nunito" panose="020B0604020202020204" charset="0"/>
       <p:regular r:id="rId17"/>
       <p:bold r:id="rId18"/>
       <p:italic r:id="rId19"/>
@@ -285,14 +285,6 @@
 </p:presentation>
 </file>
 
-<file path=ppt/revisionInfo.xml><?xml version="1.0" encoding="utf-8"?>
-<p1510:revInfo xmlns:a="http://schemas.openxmlformats.org/drawingml/2006/main" xmlns:r="http://schemas.openxmlformats.org/officeDocument/2006/relationships" xmlns:p1510="http://schemas.microsoft.com/office/powerpoint/2015/10/main">
-  <p1510:revLst>
-    <p1510:client id="{6E8F8ADB-C41F-4224-8223-5EBB34715116}" v="24" dt="2019-04-21T05:56:04.043"/>
-  </p1510:revLst>
-</p1510:revInfo>
-</file>
-
 <file path=ppt/changesInfos/changesInfo1.xml><?xml version="1.0" encoding="utf-8"?>
 <pc:chgInfo xmlns:a="http://schemas.openxmlformats.org/drawingml/2006/main" xmlns:r="http://schemas.openxmlformats.org/officeDocument/2006/relationships" xmlns:ac="http://schemas.microsoft.com/office/drawing/2013/main/command" xmlns:pc="http://schemas.microsoft.com/office/powerpoint/2013/main/command">
   <pc:docChgLst>
@@ -324,6 +316,30 @@
             <ac:picMk id="5" creationId="{C0371722-DC77-4E73-B0B4-1A7E67AF8E26}"/>
           </ac:picMkLst>
         </pc:picChg>
+      </pc:sldChg>
+    </pc:docChg>
+  </pc:docChgLst>
+  <pc:docChgLst>
+    <pc:chgData name="杜 威" userId="de0f24d9f4950b95" providerId="LiveId" clId="{57891955-6903-4922-8943-2B2B07099620}"/>
+    <pc:docChg chg="modSld">
+      <pc:chgData name="杜 威" userId="de0f24d9f4950b95" providerId="LiveId" clId="{57891955-6903-4922-8943-2B2B07099620}" dt="2019-04-22T14:46:17.584" v="0" actId="20577"/>
+      <pc:docMkLst>
+        <pc:docMk/>
+      </pc:docMkLst>
+      <pc:sldChg chg="modSp">
+        <pc:chgData name="杜 威" userId="de0f24d9f4950b95" providerId="LiveId" clId="{57891955-6903-4922-8943-2B2B07099620}" dt="2019-04-22T14:46:17.584" v="0" actId="20577"/>
+        <pc:sldMkLst>
+          <pc:docMk/>
+          <pc:sldMk cId="0" sldId="264"/>
+        </pc:sldMkLst>
+        <pc:spChg chg="mod">
+          <ac:chgData name="杜 威" userId="de0f24d9f4950b95" providerId="LiveId" clId="{57891955-6903-4922-8943-2B2B07099620}" dt="2019-04-22T14:46:17.584" v="0" actId="20577"/>
+          <ac:spMkLst>
+            <pc:docMk/>
+            <pc:sldMk cId="0" sldId="264"/>
+            <ac:spMk id="185" creationId="{00000000-0000-0000-0000-000000000000}"/>
+          </ac:spMkLst>
+        </pc:spChg>
       </pc:sldChg>
     </pc:docChg>
   </pc:docChgLst>
@@ -1630,7 +1646,7 @@
         </p:nvSpPr>
         <p:spPr>
           <a:xfrm>
-            <a:off x="381300" y="685800"/>
+            <a:off x="381000" y="685800"/>
             <a:ext cx="6096000" cy="3429000"/>
           </a:xfrm>
           <a:custGeom>
@@ -9864,10 +9880,10 @@
               <a:buChar char="●"/>
             </a:pPr>
             <a:r>
-              <a:rPr lang="en" sz="1800"/>
+              <a:rPr lang="en" sz="1800" dirty="0"/>
               <a:t>This dataset is quite complex for linear regression and the relation of k-NN is hard to observe</a:t>
             </a:r>
-            <a:endParaRPr sz="1800"/>
+            <a:endParaRPr sz="1800" dirty="0"/>
           </a:p>
           <a:p>
             <a:pPr marL="457200" lvl="0" indent="-342900" algn="l" rtl="0">
@@ -9881,10 +9897,10 @@
               <a:buChar char="●"/>
             </a:pPr>
             <a:r>
-              <a:rPr lang="en" sz="1800"/>
-              <a:t>The log scale helps reducing the variance of sqft_living and price</a:t>
+              <a:rPr lang="en" sz="1800" dirty="0"/>
+              <a:t>The random forest tree has better performance but it takes a lot more time</a:t>
             </a:r>
-            <a:endParaRPr sz="1800"/>
+            <a:endParaRPr sz="1800" dirty="0"/>
           </a:p>
           <a:p>
             <a:pPr marL="457200" lvl="0" indent="-342900" algn="l" rtl="0">
@@ -9898,27 +9914,10 @@
               <a:buChar char="●"/>
             </a:pPr>
             <a:r>
-              <a:rPr lang="en" sz="1800"/>
-              <a:t>The random forest tree has better performance but it takes a lot more time</a:t>
-            </a:r>
-            <a:endParaRPr sz="1800"/>
-          </a:p>
-          <a:p>
-            <a:pPr marL="457200" lvl="0" indent="-342900" algn="l" rtl="0">
-              <a:spcBef>
-                <a:spcPts val="0"/>
-              </a:spcBef>
-              <a:spcAft>
-                <a:spcPts val="0"/>
-              </a:spcAft>
-              <a:buSzPts val="1800"/>
-              <a:buChar char="●"/>
-            </a:pPr>
-            <a:r>
-              <a:rPr lang="en" sz="1800"/>
+              <a:rPr lang="en" sz="1800" dirty="0"/>
               <a:t>The tree models are tend to overfit on training dataset, the split of training and testing is very important</a:t>
             </a:r>
-            <a:endParaRPr sz="1800"/>
+            <a:endParaRPr sz="1800" dirty="0"/>
           </a:p>
         </p:txBody>
       </p:sp>
